--- a/Day2Labs.pptx
+++ b/Day2Labs.pptx
@@ -12,16 +12,20 @@
     <p:sldId id="383" r:id="rId6"/>
     <p:sldId id="384" r:id="rId7"/>
     <p:sldId id="385" r:id="rId8"/>
-    <p:sldId id="386" r:id="rId9"/>
-    <p:sldId id="387" r:id="rId10"/>
-    <p:sldId id="388" r:id="rId11"/>
-    <p:sldId id="389" r:id="rId12"/>
-    <p:sldId id="390" r:id="rId13"/>
-    <p:sldId id="391" r:id="rId14"/>
-    <p:sldId id="392" r:id="rId15"/>
-    <p:sldId id="394" r:id="rId16"/>
-    <p:sldId id="393" r:id="rId17"/>
-    <p:sldId id="395" r:id="rId18"/>
+    <p:sldId id="388" r:id="rId9"/>
+    <p:sldId id="389" r:id="rId10"/>
+    <p:sldId id="390" r:id="rId11"/>
+    <p:sldId id="391" r:id="rId12"/>
+    <p:sldId id="392" r:id="rId13"/>
+    <p:sldId id="394" r:id="rId14"/>
+    <p:sldId id="393" r:id="rId15"/>
+    <p:sldId id="395" r:id="rId16"/>
+    <p:sldId id="386" r:id="rId17"/>
+    <p:sldId id="387" r:id="rId18"/>
+    <p:sldId id="396" r:id="rId19"/>
+    <p:sldId id="397" r:id="rId20"/>
+    <p:sldId id="398" r:id="rId21"/>
+    <p:sldId id="399" r:id="rId22"/>
   </p:sldIdLst>
   <p:sldSz cx="12192000" cy="6858000"/>
   <p:notesSz cx="6858000" cy="9144000"/>
@@ -3783,6 +3787,4426 @@
 </file>
 
 <file path=ppt/slides/slide10.xml><?xml version="1.0" encoding="utf-8"?>
+<p:sld xmlns:a="http://schemas.openxmlformats.org/drawingml/2006/main" xmlns:r="http://schemas.openxmlformats.org/officeDocument/2006/relationships" xmlns:p="http://schemas.openxmlformats.org/presentationml/2006/main">
+  <p:cSld>
+    <p:spTree>
+      <p:nvGrpSpPr>
+        <p:cNvPr id="1" name=""/>
+        <p:cNvGrpSpPr/>
+        <p:nvPr/>
+      </p:nvGrpSpPr>
+      <p:grpSpPr>
+        <a:xfrm>
+          <a:off x="0" y="0"/>
+          <a:ext cx="0" cy="0"/>
+          <a:chOff x="0" y="0"/>
+          <a:chExt cx="0" cy="0"/>
+        </a:xfrm>
+      </p:grpSpPr>
+      <p:sp>
+        <p:nvSpPr>
+          <p:cNvPr id="2" name="Title 1">
+            <a:extLst>
+              <a:ext uri="{FF2B5EF4-FFF2-40B4-BE49-F238E27FC236}">
+                <a16:creationId xmlns:a16="http://schemas.microsoft.com/office/drawing/2014/main" id="{BC46FC50-8240-45AE-EA5D-80965F547FE3}"/>
+              </a:ext>
+            </a:extLst>
+          </p:cNvPr>
+          <p:cNvSpPr>
+            <a:spLocks noGrp="1"/>
+          </p:cNvSpPr>
+          <p:nvPr>
+            <p:ph type="title"/>
+          </p:nvPr>
+        </p:nvSpPr>
+        <p:spPr>
+          <a:xfrm>
+            <a:off x="107576" y="274638"/>
+            <a:ext cx="10662024" cy="1143000"/>
+          </a:xfrm>
+        </p:spPr>
+        <p:txBody>
+          <a:bodyPr/>
+          <a:lstStyle/>
+          <a:p>
+            <a:r>
+              <a:rPr lang="en-US" sz="4000"/>
+              <a:t>Hint:  </a:t>
+            </a:r>
+            <a:r>
+              <a:rPr lang="en-US" sz="4000">
+                <a:solidFill>
+                  <a:srgbClr val="000000"/>
+                </a:solidFill>
+                <a:effectLst/>
+              </a:rPr>
+              <a:t>A code example for validating the IP address</a:t>
+            </a:r>
+            <a:endParaRPr lang="en-US" sz="4000"/>
+          </a:p>
+        </p:txBody>
+      </p:sp>
+      <p:sp>
+        <p:nvSpPr>
+          <p:cNvPr id="3" name="Content Placeholder 2">
+            <a:extLst>
+              <a:ext uri="{FF2B5EF4-FFF2-40B4-BE49-F238E27FC236}">
+                <a16:creationId xmlns:a16="http://schemas.microsoft.com/office/drawing/2014/main" id="{0B32C620-1A4D-E01C-8DFD-F0EE366F4127}"/>
+              </a:ext>
+            </a:extLst>
+          </p:cNvPr>
+          <p:cNvSpPr>
+            <a:spLocks noGrp="1"/>
+          </p:cNvSpPr>
+          <p:nvPr>
+            <p:ph idx="1"/>
+          </p:nvPr>
+        </p:nvSpPr>
+        <p:spPr>
+          <a:xfrm>
+            <a:off x="107576" y="1676400"/>
+            <a:ext cx="11013142" cy="4800600"/>
+          </a:xfrm>
+        </p:spPr>
+        <p:txBody>
+          <a:bodyPr>
+            <a:normAutofit/>
+          </a:bodyPr>
+          <a:lstStyle/>
+          <a:p>
+            <a:pPr marL="114300" indent="0">
+              <a:buNone/>
+            </a:pPr>
+            <a:r>
+              <a:rPr lang="en-US" sz="1800">
+                <a:latin typeface="Consolas" panose="020B0609020204030204" pitchFamily="49" charset="0"/>
+              </a:rPr>
+              <a:t>#validate IP address</a:t>
+            </a:r>
+            <a:br>
+              <a:rPr lang="en-US" sz="1800">
+                <a:latin typeface="Consolas" panose="020B0609020204030204" pitchFamily="49" charset="0"/>
+              </a:rPr>
+            </a:br>
+            <a:r>
+              <a:rPr lang="en-US" sz="1800">
+                <a:latin typeface="Consolas" panose="020B0609020204030204" pitchFamily="49" charset="0"/>
+              </a:rPr>
+              <a:t>while not validIP:</a:t>
+            </a:r>
+            <a:br>
+              <a:rPr lang="en-US" sz="1800">
+                <a:latin typeface="Consolas" panose="020B0609020204030204" pitchFamily="49" charset="0"/>
+              </a:rPr>
+            </a:br>
+            <a:r>
+              <a:rPr lang="en-US" sz="1800">
+                <a:latin typeface="Consolas" panose="020B0609020204030204" pitchFamily="49" charset="0"/>
+              </a:rPr>
+              <a:t>    ipAddress = input("What is the new IP address(111.111.111.111)?")</a:t>
+            </a:r>
+            <a:br>
+              <a:rPr lang="en-US" sz="1800">
+                <a:latin typeface="Consolas" panose="020B0609020204030204" pitchFamily="49" charset="0"/>
+              </a:rPr>
+            </a:br>
+            <a:r>
+              <a:rPr lang="en-US" sz="1800">
+                <a:latin typeface="Consolas" panose="020B0609020204030204" pitchFamily="49" charset="0"/>
+              </a:rPr>
+              <a:t>    octets = ipAddress.split('.')</a:t>
+            </a:r>
+            <a:br>
+              <a:rPr lang="en-US" sz="1800">
+                <a:latin typeface="Consolas" panose="020B0609020204030204" pitchFamily="49" charset="0"/>
+              </a:rPr>
+            </a:br>
+            <a:r>
+              <a:rPr lang="en-US" sz="1800">
+                <a:latin typeface="Consolas" panose="020B0609020204030204" pitchFamily="49" charset="0"/>
+              </a:rPr>
+              <a:t>    for byte in octets:</a:t>
+            </a:r>
+            <a:br>
+              <a:rPr lang="en-US" sz="1800">
+                <a:latin typeface="Consolas" panose="020B0609020204030204" pitchFamily="49" charset="0"/>
+              </a:rPr>
+            </a:br>
+            <a:r>
+              <a:rPr lang="en-US" sz="1800">
+                <a:latin typeface="Consolas" panose="020B0609020204030204" pitchFamily="49" charset="0"/>
+              </a:rPr>
+              <a:t>        byte = int(byte)</a:t>
+            </a:r>
+            <a:br>
+              <a:rPr lang="en-US" sz="1800">
+                <a:latin typeface="Consolas" panose="020B0609020204030204" pitchFamily="49" charset="0"/>
+              </a:rPr>
+            </a:br>
+            <a:r>
+              <a:rPr lang="en-US" sz="1800">
+                <a:latin typeface="Consolas" panose="020B0609020204030204" pitchFamily="49" charset="0"/>
+              </a:rPr>
+              <a:t>        if byte &lt; 0 or byte &gt; 255:</a:t>
+            </a:r>
+            <a:br>
+              <a:rPr lang="en-US" sz="1800">
+                <a:latin typeface="Consolas" panose="020B0609020204030204" pitchFamily="49" charset="0"/>
+              </a:rPr>
+            </a:br>
+            <a:r>
+              <a:rPr lang="en-US" sz="1800">
+                <a:latin typeface="Consolas" panose="020B0609020204030204" pitchFamily="49" charset="0"/>
+              </a:rPr>
+              <a:t>            #</a:t>
+            </a:r>
+            <a:r>
+              <a:rPr lang="en-US" sz="1800" b="1">
+                <a:latin typeface="Consolas" panose="020B0609020204030204" pitchFamily="49" charset="0"/>
+              </a:rPr>
+              <a:t>put your code here</a:t>
+            </a:r>
+            <a:r>
+              <a:rPr lang="en-US" sz="1800">
+                <a:latin typeface="Consolas" panose="020B0609020204030204" pitchFamily="49" charset="0"/>
+              </a:rPr>
+              <a:t> </a:t>
+            </a:r>
+            <a:r>
+              <a:rPr lang="en-US" sz="1600">
+                <a:latin typeface="Consolas" panose="020B0609020204030204" pitchFamily="49" charset="0"/>
+              </a:rPr>
+              <a:t>to add one to the invalid IP counter</a:t>
+            </a:r>
+            <a:br>
+              <a:rPr lang="en-US" sz="1800">
+                <a:latin typeface="Consolas" panose="020B0609020204030204" pitchFamily="49" charset="0"/>
+              </a:rPr>
+            </a:br>
+            <a:r>
+              <a:rPr lang="en-US" sz="1800">
+                <a:latin typeface="Consolas" panose="020B0609020204030204" pitchFamily="49" charset="0"/>
+              </a:rPr>
+              <a:t>            #</a:t>
+            </a:r>
+            <a:r>
+              <a:rPr lang="en-US" sz="1800" b="1">
+                <a:latin typeface="Consolas" panose="020B0609020204030204" pitchFamily="49" charset="0"/>
+              </a:rPr>
+              <a:t>put your code here</a:t>
+            </a:r>
+            <a:r>
+              <a:rPr lang="en-US" sz="1800">
+                <a:latin typeface="Consolas" panose="020B0609020204030204" pitchFamily="49" charset="0"/>
+              </a:rPr>
+              <a:t> </a:t>
+            </a:r>
+            <a:r>
+              <a:rPr lang="en-US" sz="1600">
+                <a:latin typeface="Consolas" panose="020B0609020204030204" pitchFamily="49" charset="0"/>
+              </a:rPr>
+              <a:t>to append the ipAddress to the invalid IP Addresses list</a:t>
+            </a:r>
+            <a:br>
+              <a:rPr lang="en-US" sz="1600">
+                <a:latin typeface="Consolas" panose="020B0609020204030204" pitchFamily="49" charset="0"/>
+              </a:rPr>
+            </a:br>
+            <a:r>
+              <a:rPr lang="en-US" sz="1800">
+                <a:latin typeface="Consolas" panose="020B0609020204030204" pitchFamily="49" charset="0"/>
+              </a:rPr>
+              <a:t>            print("Sorry, that is not a valid IP Address\n")</a:t>
+            </a:r>
+            <a:br>
+              <a:rPr lang="en-US" sz="1800">
+                <a:latin typeface="Consolas" panose="020B0609020204030204" pitchFamily="49" charset="0"/>
+              </a:rPr>
+            </a:br>
+            <a:r>
+              <a:rPr lang="en-US" sz="1800">
+                <a:latin typeface="Consolas" panose="020B0609020204030204" pitchFamily="49" charset="0"/>
+              </a:rPr>
+              <a:t>            break #breaks out of for loop</a:t>
+            </a:r>
+            <a:br>
+              <a:rPr lang="en-US" sz="1800">
+                <a:latin typeface="Consolas" panose="020B0609020204030204" pitchFamily="49" charset="0"/>
+              </a:rPr>
+            </a:br>
+            <a:r>
+              <a:rPr lang="en-US" sz="1800">
+                <a:latin typeface="Consolas" panose="020B0609020204030204" pitchFamily="49" charset="0"/>
+              </a:rPr>
+              <a:t>        else: #executes after for loop is done, meaning no errors found</a:t>
+            </a:r>
+            <a:br>
+              <a:rPr lang="en-US" sz="1800">
+                <a:latin typeface="Consolas" panose="020B0609020204030204" pitchFamily="49" charset="0"/>
+              </a:rPr>
+            </a:br>
+            <a:r>
+              <a:rPr lang="en-US" sz="1800">
+                <a:latin typeface="Consolas" panose="020B0609020204030204" pitchFamily="49" charset="0"/>
+              </a:rPr>
+              <a:t>            validIP = True  </a:t>
+            </a:r>
+          </a:p>
+        </p:txBody>
+      </p:sp>
+      <p:sp>
+        <p:nvSpPr>
+          <p:cNvPr id="4" name="Slide Number Placeholder 3">
+            <a:extLst>
+              <a:ext uri="{FF2B5EF4-FFF2-40B4-BE49-F238E27FC236}">
+                <a16:creationId xmlns:a16="http://schemas.microsoft.com/office/drawing/2014/main" id="{2B5337EE-B66D-6168-8EC8-AF678E9F76AE}"/>
+              </a:ext>
+            </a:extLst>
+          </p:cNvPr>
+          <p:cNvSpPr>
+            <a:spLocks noGrp="1"/>
+          </p:cNvSpPr>
+          <p:nvPr>
+            <p:ph type="sldNum" sz="quarter" idx="12"/>
+          </p:nvPr>
+        </p:nvSpPr>
+        <p:spPr/>
+        <p:txBody>
+          <a:bodyPr/>
+          <a:lstStyle/>
+          <a:p>
+            <a:fld id="{E84E2596-301E-4832-9EC0-2653E7A66251}" type="slidenum">
+              <a:rPr lang="en-US" smtClean="0"/>
+              <a:t>10</a:t>
+            </a:fld>
+            <a:endParaRPr lang="en-US"/>
+          </a:p>
+        </p:txBody>
+      </p:sp>
+    </p:spTree>
+    <p:extLst>
+      <p:ext uri="{BB962C8B-B14F-4D97-AF65-F5344CB8AC3E}">
+        <p14:creationId xmlns:p14="http://schemas.microsoft.com/office/powerpoint/2010/main" val="1873161947"/>
+      </p:ext>
+    </p:extLst>
+  </p:cSld>
+  <p:clrMapOvr>
+    <a:masterClrMapping/>
+  </p:clrMapOvr>
+</p:sld>
+</file>
+
+<file path=ppt/slides/slide11.xml><?xml version="1.0" encoding="utf-8"?>
+<p:sld xmlns:a="http://schemas.openxmlformats.org/drawingml/2006/main" xmlns:r="http://schemas.openxmlformats.org/officeDocument/2006/relationships" xmlns:p="http://schemas.openxmlformats.org/presentationml/2006/main">
+  <p:cSld>
+    <p:spTree>
+      <p:nvGrpSpPr>
+        <p:cNvPr id="1" name=""/>
+        <p:cNvGrpSpPr/>
+        <p:nvPr/>
+      </p:nvGrpSpPr>
+      <p:grpSpPr>
+        <a:xfrm>
+          <a:off x="0" y="0"/>
+          <a:ext cx="0" cy="0"/>
+          <a:chOff x="0" y="0"/>
+          <a:chExt cx="0" cy="0"/>
+        </a:xfrm>
+      </p:grpSpPr>
+      <p:sp>
+        <p:nvSpPr>
+          <p:cNvPr id="2" name="Title 1">
+            <a:extLst>
+              <a:ext uri="{FF2B5EF4-FFF2-40B4-BE49-F238E27FC236}">
+                <a16:creationId xmlns:a16="http://schemas.microsoft.com/office/drawing/2014/main" id="{056D961F-FD94-8634-497D-7BDAA160C494}"/>
+              </a:ext>
+            </a:extLst>
+          </p:cNvPr>
+          <p:cNvSpPr>
+            <a:spLocks noGrp="1"/>
+          </p:cNvSpPr>
+          <p:nvPr>
+            <p:ph type="title"/>
+          </p:nvPr>
+        </p:nvSpPr>
+        <p:spPr>
+          <a:xfrm>
+            <a:off x="609600" y="142558"/>
+            <a:ext cx="10160000" cy="1143000"/>
+          </a:xfrm>
+        </p:spPr>
+        <p:txBody>
+          <a:bodyPr/>
+          <a:lstStyle/>
+          <a:p>
+            <a:r>
+              <a:rPr lang="en-US"/>
+              <a:t>Programming Assignment 4:</a:t>
+            </a:r>
+            <a:br>
+              <a:rPr lang="en-US"/>
+            </a:br>
+            <a:r>
+              <a:rPr lang="en-US"/>
+              <a:t>Expected Output</a:t>
+            </a:r>
+          </a:p>
+        </p:txBody>
+      </p:sp>
+      <p:sp>
+        <p:nvSpPr>
+          <p:cNvPr id="4" name="Slide Number Placeholder 3">
+            <a:extLst>
+              <a:ext uri="{FF2B5EF4-FFF2-40B4-BE49-F238E27FC236}">
+                <a16:creationId xmlns:a16="http://schemas.microsoft.com/office/drawing/2014/main" id="{369796EE-0866-427C-8021-D8A7602B232A}"/>
+              </a:ext>
+            </a:extLst>
+          </p:cNvPr>
+          <p:cNvSpPr>
+            <a:spLocks noGrp="1"/>
+          </p:cNvSpPr>
+          <p:nvPr>
+            <p:ph type="sldNum" sz="quarter" idx="12"/>
+          </p:nvPr>
+        </p:nvSpPr>
+        <p:spPr/>
+        <p:txBody>
+          <a:bodyPr/>
+          <a:lstStyle/>
+          <a:p>
+            <a:fld id="{E84E2596-301E-4832-9EC0-2653E7A66251}" type="slidenum">
+              <a:rPr lang="en-US" smtClean="0"/>
+              <a:t>11</a:t>
+            </a:fld>
+            <a:endParaRPr lang="en-US"/>
+          </a:p>
+        </p:txBody>
+      </p:sp>
+      <p:sp>
+        <p:nvSpPr>
+          <p:cNvPr id="5" name="Rectangle 1">
+            <a:extLst>
+              <a:ext uri="{FF2B5EF4-FFF2-40B4-BE49-F238E27FC236}">
+                <a16:creationId xmlns:a16="http://schemas.microsoft.com/office/drawing/2014/main" id="{59758A1F-00F4-A466-4B10-2CEA6640DC60}"/>
+              </a:ext>
+            </a:extLst>
+          </p:cNvPr>
+          <p:cNvSpPr>
+            <a:spLocks noGrp="1" noChangeArrowheads="1"/>
+          </p:cNvSpPr>
+          <p:nvPr>
+            <p:ph idx="1"/>
+          </p:nvPr>
+        </p:nvSpPr>
+        <p:spPr bwMode="auto">
+          <a:xfrm>
+            <a:off x="1381760" y="1405593"/>
+            <a:ext cx="8798560" cy="5447645"/>
+          </a:xfrm>
+          <a:prstGeom prst="rect">
+            <a:avLst/>
+          </a:prstGeom>
+          <a:noFill/>
+          <a:ln>
+            <a:noFill/>
+          </a:ln>
+          <a:effectLst/>
+          <a:extLst>
+            <a:ext uri="{909E8E84-426E-40DD-AFC4-6F175D3DCCD1}">
+              <a14:hiddenFill xmlns:a14="http://schemas.microsoft.com/office/drawing/2010/main">
+                <a:solidFill>
+                  <a:schemeClr val="accent1"/>
+                </a:solidFill>
+              </a14:hiddenFill>
+            </a:ext>
+            <a:ext uri="{91240B29-F687-4F45-9708-019B960494DF}">
+              <a14:hiddenLine xmlns:a14="http://schemas.microsoft.com/office/drawing/2010/main" w="9525">
+                <a:solidFill>
+                  <a:schemeClr val="tx1"/>
+                </a:solidFill>
+                <a:miter lim="800000"/>
+                <a:headEnd/>
+                <a:tailEnd/>
+              </a14:hiddenLine>
+            </a:ext>
+            <a:ext uri="{AF507438-7753-43E0-B8FC-AC1667EBCBE1}">
+              <a14:hiddenEffects xmlns:a14="http://schemas.microsoft.com/office/drawing/2010/main">
+                <a:effectLst>
+                  <a:outerShdw dist="35921" dir="2700000" algn="ctr" rotWithShape="0">
+                    <a:schemeClr val="bg2"/>
+                  </a:outerShdw>
+                </a:effectLst>
+              </a14:hiddenEffects>
+            </a:ext>
+          </a:extLst>
+        </p:spPr>
+        <p:txBody>
+          <a:bodyPr vert="horz" wrap="square" lIns="91440" tIns="45720" rIns="91440" bIns="45720" numCol="1" anchor="ctr" anchorCtr="0" compatLnSpc="1">
+            <a:prstTxWarp prst="textNoShape">
+              <a:avLst/>
+            </a:prstTxWarp>
+            <a:spAutoFit/>
+          </a:bodyPr>
+          <a:lstStyle/>
+          <a:p>
+            <a:pPr marL="0" marR="0" lvl="0" indent="0" algn="l" defTabSz="914400" rtl="0" eaLnBrk="0" fontAlgn="base" latinLnBrk="0" hangingPunct="0">
+              <a:lnSpc>
+                <a:spcPct val="100000"/>
+              </a:lnSpc>
+              <a:spcBef>
+                <a:spcPct val="0"/>
+              </a:spcBef>
+              <a:spcAft>
+                <a:spcPct val="0"/>
+              </a:spcAft>
+              <a:buClrTx/>
+              <a:buSzTx/>
+              <a:buFontTx/>
+              <a:buNone/>
+              <a:tabLst/>
+            </a:pPr>
+            <a:r>
+              <a:rPr kumimoji="0" lang="en-US" altLang="en-US" sz="1200" b="0" i="0" u="none" strike="noStrike" cap="none" normalizeH="0" baseline="0">
+                <a:ln>
+                  <a:noFill/>
+                </a:ln>
+                <a:solidFill>
+                  <a:schemeClr val="tx1"/>
+                </a:solidFill>
+                <a:effectLst/>
+                <a:latin typeface="Arial Unicode MS"/>
+              </a:rPr>
+              <a:t>Network Equipment Inventory</a:t>
+            </a:r>
+            <a:br>
+              <a:rPr kumimoji="0" lang="en-US" altLang="en-US" sz="1200" b="0" i="0" u="none" strike="noStrike" cap="none" normalizeH="0" baseline="0">
+                <a:ln>
+                  <a:noFill/>
+                </a:ln>
+                <a:solidFill>
+                  <a:schemeClr val="tx1"/>
+                </a:solidFill>
+                <a:effectLst/>
+                <a:latin typeface="Arial Unicode MS"/>
+              </a:rPr>
+            </a:br>
+            <a:br>
+              <a:rPr kumimoji="0" lang="en-US" altLang="en-US" sz="1200" b="0" i="0" u="none" strike="noStrike" cap="none" normalizeH="0" baseline="0">
+                <a:ln>
+                  <a:noFill/>
+                </a:ln>
+                <a:solidFill>
+                  <a:schemeClr val="tx1"/>
+                </a:solidFill>
+                <a:effectLst/>
+                <a:latin typeface="Arial Unicode MS"/>
+              </a:rPr>
+            </a:br>
+            <a:r>
+              <a:rPr kumimoji="0" lang="en-US" altLang="en-US" sz="1200" b="0" i="0" u="none" strike="noStrike" cap="none" normalizeH="0" baseline="0">
+                <a:ln>
+                  <a:noFill/>
+                </a:ln>
+                <a:solidFill>
+                  <a:schemeClr val="tx1"/>
+                </a:solidFill>
+                <a:effectLst/>
+                <a:latin typeface="Arial Unicode MS"/>
+              </a:rPr>
+              <a:t>    equipment name    IP address</a:t>
+            </a:r>
+            <a:br>
+              <a:rPr kumimoji="0" lang="en-US" altLang="en-US" sz="1200" b="0" i="0" u="none" strike="noStrike" cap="none" normalizeH="0" baseline="0">
+                <a:ln>
+                  <a:noFill/>
+                </a:ln>
+                <a:solidFill>
+                  <a:schemeClr val="tx1"/>
+                </a:solidFill>
+                <a:effectLst/>
+                <a:latin typeface="Arial Unicode MS"/>
+              </a:rPr>
+            </a:br>
+            <a:r>
+              <a:rPr kumimoji="0" lang="en-US" altLang="en-US" sz="1200" b="0" i="0" u="none" strike="noStrike" cap="none" normalizeH="0" baseline="0">
+                <a:ln>
+                  <a:noFill/>
+                </a:ln>
+                <a:solidFill>
+                  <a:schemeClr val="tx1"/>
+                </a:solidFill>
+                <a:effectLst/>
+                <a:latin typeface="Arial Unicode MS"/>
+              </a:rPr>
+              <a:t>    router1        10.10.10.1</a:t>
+            </a:r>
+            <a:br>
+              <a:rPr kumimoji="0" lang="en-US" altLang="en-US" sz="1200" b="0" i="0" u="none" strike="noStrike" cap="none" normalizeH="0" baseline="0">
+                <a:ln>
+                  <a:noFill/>
+                </a:ln>
+                <a:solidFill>
+                  <a:schemeClr val="tx1"/>
+                </a:solidFill>
+                <a:effectLst/>
+                <a:latin typeface="Arial Unicode MS"/>
+              </a:rPr>
+            </a:br>
+            <a:r>
+              <a:rPr kumimoji="0" lang="en-US" altLang="en-US" sz="1200" b="0" i="0" u="none" strike="noStrike" cap="none" normalizeH="0" baseline="0">
+                <a:ln>
+                  <a:noFill/>
+                </a:ln>
+                <a:solidFill>
+                  <a:schemeClr val="tx1"/>
+                </a:solidFill>
+                <a:effectLst/>
+                <a:latin typeface="Arial Unicode MS"/>
+              </a:rPr>
+              <a:t>    router2        20.20.20.1</a:t>
+            </a:r>
+            <a:br>
+              <a:rPr kumimoji="0" lang="en-US" altLang="en-US" sz="1200" b="0" i="0" u="none" strike="noStrike" cap="none" normalizeH="0" baseline="0">
+                <a:ln>
+                  <a:noFill/>
+                </a:ln>
+                <a:solidFill>
+                  <a:schemeClr val="tx1"/>
+                </a:solidFill>
+                <a:effectLst/>
+                <a:latin typeface="Arial Unicode MS"/>
+              </a:rPr>
+            </a:br>
+            <a:r>
+              <a:rPr kumimoji="0" lang="en-US" altLang="en-US" sz="1200" b="0" i="0" u="none" strike="noStrike" cap="none" normalizeH="0" baseline="0">
+                <a:ln>
+                  <a:noFill/>
+                </a:ln>
+                <a:solidFill>
+                  <a:schemeClr val="tx1"/>
+                </a:solidFill>
+                <a:effectLst/>
+                <a:latin typeface="Arial Unicode MS"/>
+              </a:rPr>
+              <a:t>    router3        30.30.30.1</a:t>
+            </a:r>
+            <a:br>
+              <a:rPr kumimoji="0" lang="en-US" altLang="en-US" sz="1200" b="0" i="0" u="none" strike="noStrike" cap="none" normalizeH="0" baseline="0">
+                <a:ln>
+                  <a:noFill/>
+                </a:ln>
+                <a:solidFill>
+                  <a:schemeClr val="tx1"/>
+                </a:solidFill>
+                <a:effectLst/>
+                <a:latin typeface="Arial Unicode MS"/>
+              </a:rPr>
+            </a:br>
+            <a:r>
+              <a:rPr kumimoji="0" lang="en-US" altLang="en-US" sz="1200" b="0" i="0" u="none" strike="noStrike" cap="none" normalizeH="0" baseline="0">
+                <a:ln>
+                  <a:noFill/>
+                </a:ln>
+                <a:solidFill>
+                  <a:schemeClr val="tx1"/>
+                </a:solidFill>
+                <a:effectLst/>
+                <a:latin typeface="Arial Unicode MS"/>
+              </a:rPr>
+              <a:t>    switch1        10.10.10.2</a:t>
+            </a:r>
+            <a:br>
+              <a:rPr kumimoji="0" lang="en-US" altLang="en-US" sz="1200" b="0" i="0" u="none" strike="noStrike" cap="none" normalizeH="0" baseline="0">
+                <a:ln>
+                  <a:noFill/>
+                </a:ln>
+                <a:solidFill>
+                  <a:schemeClr val="tx1"/>
+                </a:solidFill>
+                <a:effectLst/>
+                <a:latin typeface="Arial Unicode MS"/>
+              </a:rPr>
+            </a:br>
+            <a:r>
+              <a:rPr kumimoji="0" lang="en-US" altLang="en-US" sz="1200" b="0" i="0" u="none" strike="noStrike" cap="none" normalizeH="0" baseline="0">
+                <a:ln>
+                  <a:noFill/>
+                </a:ln>
+                <a:solidFill>
+                  <a:schemeClr val="tx1"/>
+                </a:solidFill>
+                <a:effectLst/>
+                <a:latin typeface="Arial Unicode MS"/>
+              </a:rPr>
+              <a:t>    switch2        10.10.10.3</a:t>
+            </a:r>
+            <a:br>
+              <a:rPr kumimoji="0" lang="en-US" altLang="en-US" sz="1200" b="0" i="0" u="none" strike="noStrike" cap="none" normalizeH="0" baseline="0">
+                <a:ln>
+                  <a:noFill/>
+                </a:ln>
+                <a:solidFill>
+                  <a:schemeClr val="tx1"/>
+                </a:solidFill>
+                <a:effectLst/>
+                <a:latin typeface="Arial Unicode MS"/>
+              </a:rPr>
+            </a:br>
+            <a:r>
+              <a:rPr kumimoji="0" lang="en-US" altLang="en-US" sz="1200" b="0" i="0" u="none" strike="noStrike" cap="none" normalizeH="0" baseline="0">
+                <a:ln>
+                  <a:noFill/>
+                </a:ln>
+                <a:solidFill>
+                  <a:schemeClr val="tx1"/>
+                </a:solidFill>
+                <a:effectLst/>
+                <a:latin typeface="Arial Unicode MS"/>
+              </a:rPr>
+              <a:t>    switch3        10.10.10.4</a:t>
+            </a:r>
+            <a:br>
+              <a:rPr kumimoji="0" lang="en-US" altLang="en-US" sz="1200" b="0" i="0" u="none" strike="noStrike" cap="none" normalizeH="0" baseline="0">
+                <a:ln>
+                  <a:noFill/>
+                </a:ln>
+                <a:solidFill>
+                  <a:schemeClr val="tx1"/>
+                </a:solidFill>
+                <a:effectLst/>
+                <a:latin typeface="Arial Unicode MS"/>
+              </a:rPr>
+            </a:br>
+            <a:r>
+              <a:rPr kumimoji="0" lang="en-US" altLang="en-US" sz="1200" b="0" i="0" u="none" strike="noStrike" cap="none" normalizeH="0" baseline="0">
+                <a:ln>
+                  <a:noFill/>
+                </a:ln>
+                <a:solidFill>
+                  <a:schemeClr val="tx1"/>
+                </a:solidFill>
+                <a:effectLst/>
+                <a:latin typeface="Arial Unicode MS"/>
+              </a:rPr>
+              <a:t>    switch4        10.10.10.5</a:t>
+            </a:r>
+            <a:br>
+              <a:rPr kumimoji="0" lang="en-US" altLang="en-US" sz="1200" b="0" i="0" u="none" strike="noStrike" cap="none" normalizeH="0" baseline="0">
+                <a:ln>
+                  <a:noFill/>
+                </a:ln>
+                <a:solidFill>
+                  <a:schemeClr val="tx1"/>
+                </a:solidFill>
+                <a:effectLst/>
+                <a:latin typeface="Arial Unicode MS"/>
+              </a:rPr>
+            </a:br>
+            <a:r>
+              <a:rPr kumimoji="0" lang="en-US" altLang="en-US" sz="1200" b="0" i="0" u="none" strike="noStrike" cap="none" normalizeH="0" baseline="0">
+                <a:ln>
+                  <a:noFill/>
+                </a:ln>
+                <a:solidFill>
+                  <a:schemeClr val="tx1"/>
+                </a:solidFill>
+                <a:effectLst/>
+                <a:latin typeface="Arial Unicode MS"/>
+              </a:rPr>
+              <a:t>    switch5        20.20.20.2</a:t>
+            </a:r>
+            <a:br>
+              <a:rPr kumimoji="0" lang="en-US" altLang="en-US" sz="1200" b="0" i="0" u="none" strike="noStrike" cap="none" normalizeH="0" baseline="0">
+                <a:ln>
+                  <a:noFill/>
+                </a:ln>
+                <a:solidFill>
+                  <a:schemeClr val="tx1"/>
+                </a:solidFill>
+                <a:effectLst/>
+                <a:latin typeface="Arial Unicode MS"/>
+              </a:rPr>
+            </a:br>
+            <a:r>
+              <a:rPr kumimoji="0" lang="en-US" altLang="en-US" sz="1200" b="0" i="0" u="none" strike="noStrike" cap="none" normalizeH="0" baseline="0">
+                <a:ln>
+                  <a:noFill/>
+                </a:ln>
+                <a:solidFill>
+                  <a:schemeClr val="tx1"/>
+                </a:solidFill>
+                <a:effectLst/>
+                <a:latin typeface="Arial Unicode MS"/>
+              </a:rPr>
+              <a:t>    switch6        20.20.20.3</a:t>
+            </a:r>
+            <a:br>
+              <a:rPr kumimoji="0" lang="en-US" altLang="en-US" sz="1200" b="0" i="0" u="none" strike="noStrike" cap="none" normalizeH="0" baseline="0">
+                <a:ln>
+                  <a:noFill/>
+                </a:ln>
+                <a:solidFill>
+                  <a:schemeClr val="tx1"/>
+                </a:solidFill>
+                <a:effectLst/>
+                <a:latin typeface="Arial Unicode MS"/>
+              </a:rPr>
+            </a:br>
+            <a:r>
+              <a:rPr kumimoji="0" lang="en-US" altLang="en-US" sz="1200" b="0" i="0" u="none" strike="noStrike" cap="none" normalizeH="0" baseline="0">
+                <a:ln>
+                  <a:noFill/>
+                </a:ln>
+                <a:solidFill>
+                  <a:schemeClr val="tx1"/>
+                </a:solidFill>
+                <a:effectLst/>
+                <a:latin typeface="Arial Unicode MS"/>
+              </a:rPr>
+              <a:t>    switch7        30.30.30.2</a:t>
+            </a:r>
+            <a:br>
+              <a:rPr kumimoji="0" lang="en-US" altLang="en-US" sz="1200" b="0" i="0" u="none" strike="noStrike" cap="none" normalizeH="0" baseline="0">
+                <a:ln>
+                  <a:noFill/>
+                </a:ln>
+                <a:solidFill>
+                  <a:schemeClr val="tx1"/>
+                </a:solidFill>
+                <a:effectLst/>
+                <a:latin typeface="Arial Unicode MS"/>
+              </a:rPr>
+            </a:br>
+            <a:r>
+              <a:rPr kumimoji="0" lang="en-US" altLang="en-US" sz="1200" b="0" i="0" u="none" strike="noStrike" cap="none" normalizeH="0" baseline="0">
+                <a:ln>
+                  <a:noFill/>
+                </a:ln>
+                <a:solidFill>
+                  <a:schemeClr val="tx1"/>
+                </a:solidFill>
+                <a:effectLst/>
+                <a:latin typeface="Arial Unicode MS"/>
+              </a:rPr>
+              <a:t>    switch8        30.30.30.3</a:t>
+            </a:r>
+            <a:br>
+              <a:rPr kumimoji="0" lang="en-US" altLang="en-US" sz="1200" b="0" i="0" u="none" strike="noStrike" cap="none" normalizeH="0" baseline="0">
+                <a:ln>
+                  <a:noFill/>
+                </a:ln>
+                <a:solidFill>
+                  <a:schemeClr val="tx1"/>
+                </a:solidFill>
+                <a:effectLst/>
+                <a:latin typeface="Arial Unicode MS"/>
+              </a:rPr>
+            </a:br>
+            <a:r>
+              <a:rPr kumimoji="0" lang="en-US" altLang="en-US" sz="1200" b="0" i="0" u="none" strike="noStrike" cap="none" normalizeH="0" baseline="0">
+                <a:ln>
+                  <a:noFill/>
+                </a:ln>
+                <a:solidFill>
+                  <a:schemeClr val="tx1"/>
+                </a:solidFill>
+                <a:effectLst/>
+                <a:latin typeface="Arial Unicode MS"/>
+              </a:rPr>
+              <a:t>    switch9        30.30.30.4</a:t>
+            </a:r>
+            <a:br>
+              <a:rPr kumimoji="0" lang="en-US" altLang="en-US" sz="1200" b="0" i="0" u="none" strike="noStrike" cap="none" normalizeH="0" baseline="0">
+                <a:ln>
+                  <a:noFill/>
+                </a:ln>
+                <a:solidFill>
+                  <a:schemeClr val="tx1"/>
+                </a:solidFill>
+                <a:effectLst/>
+                <a:latin typeface="Arial Unicode MS"/>
+              </a:rPr>
+            </a:br>
+            <a:br>
+              <a:rPr kumimoji="0" lang="en-US" altLang="en-US" sz="1200" b="0" i="0" u="none" strike="noStrike" cap="none" normalizeH="0" baseline="0">
+                <a:ln>
+                  <a:noFill/>
+                </a:ln>
+                <a:solidFill>
+                  <a:schemeClr val="tx1"/>
+                </a:solidFill>
+                <a:effectLst/>
+                <a:latin typeface="Arial Unicode MS"/>
+              </a:rPr>
+            </a:br>
+            <a:r>
+              <a:rPr kumimoji="0" lang="en-US" altLang="en-US" sz="1200" b="0" i="0" u="none" strike="noStrike" cap="none" normalizeH="0" baseline="0">
+                <a:ln>
+                  <a:noFill/>
+                </a:ln>
+                <a:solidFill>
+                  <a:schemeClr val="tx1"/>
+                </a:solidFill>
+                <a:effectLst/>
+                <a:latin typeface="Arial Unicode MS"/>
+              </a:rPr>
+              <a:t>Which device would you like to update (enter x to quit)? </a:t>
+            </a:r>
+            <a:r>
+              <a:rPr kumimoji="0" lang="en-US" altLang="en-US" sz="1200" b="1" i="0" u="none" strike="noStrike" cap="none" normalizeH="0" baseline="0">
+                <a:ln>
+                  <a:noFill/>
+                </a:ln>
+                <a:solidFill>
+                  <a:srgbClr val="D71E09"/>
+                </a:solidFill>
+                <a:effectLst/>
+                <a:latin typeface="Arial Unicode MS"/>
+              </a:rPr>
+              <a:t>switch3</a:t>
+            </a:r>
+            <a:br>
+              <a:rPr kumimoji="0" lang="en-US" altLang="en-US" sz="1200" b="0" i="0" u="none" strike="noStrike" cap="none" normalizeH="0" baseline="0">
+                <a:ln>
+                  <a:noFill/>
+                </a:ln>
+                <a:solidFill>
+                  <a:schemeClr val="tx1"/>
+                </a:solidFill>
+                <a:effectLst/>
+                <a:latin typeface="Arial Unicode MS"/>
+              </a:rPr>
+            </a:br>
+            <a:r>
+              <a:rPr kumimoji="0" lang="en-US" altLang="en-US" sz="1200" b="0" i="0" u="none" strike="noStrike" cap="none" normalizeH="0" baseline="0">
+                <a:ln>
+                  <a:noFill/>
+                </a:ln>
+                <a:solidFill>
+                  <a:schemeClr val="tx1"/>
+                </a:solidFill>
+                <a:effectLst/>
+                <a:latin typeface="Arial Unicode MS"/>
+              </a:rPr>
+              <a:t>What is the new IP address (111.111.111.111) </a:t>
+            </a:r>
+            <a:r>
+              <a:rPr kumimoji="0" lang="en-US" altLang="en-US" sz="1200" b="1" i="0" u="none" strike="noStrike" cap="none" normalizeH="0" baseline="0">
+                <a:ln>
+                  <a:noFill/>
+                </a:ln>
+                <a:solidFill>
+                  <a:srgbClr val="D71E09"/>
+                </a:solidFill>
+                <a:effectLst/>
+                <a:latin typeface="Arial Unicode MS"/>
+              </a:rPr>
+              <a:t>10.10.300.4</a:t>
+            </a:r>
+            <a:br>
+              <a:rPr kumimoji="0" lang="en-US" altLang="en-US" sz="1200" b="0" i="0" u="none" strike="noStrike" cap="none" normalizeH="0" baseline="0">
+                <a:ln>
+                  <a:noFill/>
+                </a:ln>
+                <a:solidFill>
+                  <a:schemeClr val="tx1"/>
+                </a:solidFill>
+                <a:effectLst/>
+                <a:latin typeface="Arial Unicode MS"/>
+              </a:rPr>
+            </a:br>
+            <a:r>
+              <a:rPr kumimoji="0" lang="en-US" altLang="en-US" sz="1200" b="0" i="0" u="none" strike="noStrike" cap="none" normalizeH="0" baseline="0">
+                <a:ln>
+                  <a:noFill/>
+                </a:ln>
+                <a:solidFill>
+                  <a:schemeClr val="tx1"/>
+                </a:solidFill>
+                <a:effectLst/>
+                <a:latin typeface="Arial Unicode MS"/>
+              </a:rPr>
+              <a:t>Sorry, that is not a valid IP address</a:t>
+            </a:r>
+            <a:br>
+              <a:rPr kumimoji="0" lang="en-US" altLang="en-US" sz="1200" b="0" i="0" u="none" strike="noStrike" cap="none" normalizeH="0" baseline="0">
+                <a:ln>
+                  <a:noFill/>
+                </a:ln>
+                <a:solidFill>
+                  <a:schemeClr val="tx1"/>
+                </a:solidFill>
+                <a:effectLst/>
+                <a:latin typeface="Arial Unicode MS"/>
+              </a:rPr>
+            </a:br>
+            <a:br>
+              <a:rPr kumimoji="0" lang="en-US" altLang="en-US" sz="1200" b="0" i="0" u="none" strike="noStrike" cap="none" normalizeH="0" baseline="0">
+                <a:ln>
+                  <a:noFill/>
+                </a:ln>
+                <a:solidFill>
+                  <a:schemeClr val="tx1"/>
+                </a:solidFill>
+                <a:effectLst/>
+                <a:latin typeface="Arial Unicode MS"/>
+              </a:rPr>
+            </a:br>
+            <a:r>
+              <a:rPr kumimoji="0" lang="en-US" altLang="en-US" sz="1200" b="0" i="0" u="none" strike="noStrike" cap="none" normalizeH="0" baseline="0">
+                <a:ln>
+                  <a:noFill/>
+                </a:ln>
+                <a:solidFill>
+                  <a:schemeClr val="tx1"/>
+                </a:solidFill>
+                <a:effectLst/>
+                <a:latin typeface="Arial Unicode MS"/>
+              </a:rPr>
+              <a:t>What is the new IP address (111.111.111.111) </a:t>
+            </a:r>
+            <a:r>
+              <a:rPr kumimoji="0" lang="en-US" altLang="en-US" sz="1200" b="1" i="0" u="none" strike="noStrike" cap="none" normalizeH="0" baseline="0">
+                <a:ln>
+                  <a:noFill/>
+                </a:ln>
+                <a:solidFill>
+                  <a:srgbClr val="D71E09"/>
+                </a:solidFill>
+                <a:effectLst/>
+                <a:latin typeface="Arial Unicode MS"/>
+              </a:rPr>
+              <a:t>10.10.30.4</a:t>
+            </a:r>
+            <a:br>
+              <a:rPr kumimoji="0" lang="en-US" altLang="en-US" sz="1200" b="0" i="0" u="none" strike="noStrike" cap="none" normalizeH="0" baseline="0">
+                <a:ln>
+                  <a:noFill/>
+                </a:ln>
+                <a:solidFill>
+                  <a:schemeClr val="tx1"/>
+                </a:solidFill>
+                <a:effectLst/>
+                <a:latin typeface="Arial Unicode MS"/>
+              </a:rPr>
+            </a:br>
+            <a:r>
+              <a:rPr kumimoji="0" lang="en-US" altLang="en-US" sz="1200" b="0" i="0" u="none" strike="noStrike" cap="none" normalizeH="0" baseline="0">
+                <a:ln>
+                  <a:noFill/>
+                </a:ln>
+                <a:solidFill>
+                  <a:schemeClr val="tx1"/>
+                </a:solidFill>
+                <a:effectLst/>
+                <a:latin typeface="Arial Unicode MS"/>
+              </a:rPr>
+              <a:t>switch3 was updated; the new IP address is 10.10.30.4</a:t>
+            </a:r>
+            <a:br>
+              <a:rPr kumimoji="0" lang="en-US" altLang="en-US" sz="1200" b="0" i="0" u="none" strike="noStrike" cap="none" normalizeH="0" baseline="0">
+                <a:ln>
+                  <a:noFill/>
+                </a:ln>
+                <a:solidFill>
+                  <a:schemeClr val="tx1"/>
+                </a:solidFill>
+                <a:effectLst/>
+                <a:latin typeface="Arial Unicode MS"/>
+              </a:rPr>
+            </a:br>
+            <a:br>
+              <a:rPr kumimoji="0" lang="en-US" altLang="en-US" sz="1200" b="0" i="0" u="none" strike="noStrike" cap="none" normalizeH="0" baseline="0">
+                <a:ln>
+                  <a:noFill/>
+                </a:ln>
+                <a:solidFill>
+                  <a:schemeClr val="tx1"/>
+                </a:solidFill>
+                <a:effectLst/>
+                <a:latin typeface="Arial Unicode MS"/>
+              </a:rPr>
+            </a:br>
+            <a:r>
+              <a:rPr kumimoji="0" lang="en-US" altLang="en-US" sz="1200" b="0" i="0" u="none" strike="noStrike" cap="none" normalizeH="0" baseline="0">
+                <a:ln>
+                  <a:noFill/>
+                </a:ln>
+                <a:solidFill>
+                  <a:schemeClr val="tx1"/>
+                </a:solidFill>
+                <a:effectLst/>
+                <a:latin typeface="Arial Unicode MS"/>
+              </a:rPr>
+              <a:t>Which device would you like to update (enter x to quit)? </a:t>
+            </a:r>
+            <a:r>
+              <a:rPr kumimoji="0" lang="en-US" altLang="en-US" sz="1200" b="1" i="0" u="none" strike="noStrike" cap="none" normalizeH="0" baseline="0">
+                <a:ln>
+                  <a:noFill/>
+                </a:ln>
+                <a:solidFill>
+                  <a:srgbClr val="D71E09"/>
+                </a:solidFill>
+                <a:effectLst/>
+                <a:latin typeface="Arial Unicode MS"/>
+              </a:rPr>
+              <a:t>router4</a:t>
+            </a:r>
+            <a:br>
+              <a:rPr kumimoji="0" lang="en-US" altLang="en-US" sz="1200" b="0" i="0" u="none" strike="noStrike" cap="none" normalizeH="0" baseline="0">
+                <a:ln>
+                  <a:noFill/>
+                </a:ln>
+                <a:solidFill>
+                  <a:schemeClr val="tx1"/>
+                </a:solidFill>
+                <a:effectLst/>
+                <a:latin typeface="Arial Unicode MS"/>
+              </a:rPr>
+            </a:br>
+            <a:r>
+              <a:rPr kumimoji="0" lang="en-US" altLang="en-US" sz="1200" b="0" i="0" u="none" strike="noStrike" cap="none" normalizeH="0" baseline="0">
+                <a:ln>
+                  <a:noFill/>
+                </a:ln>
+                <a:solidFill>
+                  <a:schemeClr val="tx1"/>
+                </a:solidFill>
+                <a:effectLst/>
+                <a:latin typeface="Arial Unicode MS"/>
+              </a:rPr>
+              <a:t>What is the new IP address (111.111.111.111) </a:t>
+            </a:r>
+            <a:r>
+              <a:rPr kumimoji="0" lang="en-US" altLang="en-US" sz="1200" b="1" i="0" u="none" strike="noStrike" cap="none" normalizeH="0" baseline="0">
+                <a:ln>
+                  <a:noFill/>
+                </a:ln>
+                <a:solidFill>
+                  <a:srgbClr val="D71E09"/>
+                </a:solidFill>
+                <a:effectLst/>
+                <a:latin typeface="Arial Unicode MS"/>
+              </a:rPr>
+              <a:t>400.400.4</a:t>
+            </a:r>
+            <a:br>
+              <a:rPr kumimoji="0" lang="en-US" altLang="en-US" sz="1200" b="0" i="0" u="none" strike="noStrike" cap="none" normalizeH="0" baseline="0">
+                <a:ln>
+                  <a:noFill/>
+                </a:ln>
+                <a:solidFill>
+                  <a:schemeClr val="tx1"/>
+                </a:solidFill>
+                <a:effectLst/>
+                <a:latin typeface="Arial Unicode MS"/>
+              </a:rPr>
+            </a:br>
+            <a:r>
+              <a:rPr kumimoji="0" lang="en-US" altLang="en-US" sz="1200" b="0" i="0" u="none" strike="noStrike" cap="none" normalizeH="0" baseline="0">
+                <a:ln>
+                  <a:noFill/>
+                </a:ln>
+                <a:solidFill>
+                  <a:schemeClr val="tx1"/>
+                </a:solidFill>
+                <a:effectLst/>
+                <a:latin typeface="Arial Unicode MS"/>
+              </a:rPr>
+              <a:t>Sorry, that is not a valid IP address</a:t>
+            </a:r>
+            <a:br>
+              <a:rPr kumimoji="0" lang="en-US" altLang="en-US" sz="1200" b="0" i="0" u="none" strike="noStrike" cap="none" normalizeH="0" baseline="0">
+                <a:ln>
+                  <a:noFill/>
+                </a:ln>
+                <a:solidFill>
+                  <a:schemeClr val="tx1"/>
+                </a:solidFill>
+                <a:effectLst/>
+                <a:latin typeface="Arial Unicode MS"/>
+              </a:rPr>
+            </a:br>
+            <a:br>
+              <a:rPr kumimoji="0" lang="en-US" altLang="en-US" sz="1200" b="0" i="0" u="none" strike="noStrike" cap="none" normalizeH="0" baseline="0">
+                <a:ln>
+                  <a:noFill/>
+                </a:ln>
+                <a:solidFill>
+                  <a:schemeClr val="tx1"/>
+                </a:solidFill>
+                <a:effectLst/>
+                <a:latin typeface="Arial Unicode MS"/>
+              </a:rPr>
+            </a:br>
+            <a:r>
+              <a:rPr kumimoji="0" lang="en-US" altLang="en-US" sz="1200" b="0" i="0" u="none" strike="noStrike" cap="none" normalizeH="0" baseline="0">
+                <a:ln>
+                  <a:noFill/>
+                </a:ln>
+                <a:solidFill>
+                  <a:schemeClr val="tx1"/>
+                </a:solidFill>
+                <a:effectLst/>
+                <a:latin typeface="Arial Unicode MS"/>
+              </a:rPr>
+              <a:t>What is the new IP address (111.111.111.111) </a:t>
+            </a:r>
+            <a:r>
+              <a:rPr kumimoji="0" lang="en-US" altLang="en-US" sz="1200" b="1" i="0" u="none" strike="noStrike" cap="none" normalizeH="0" baseline="0">
+                <a:ln>
+                  <a:noFill/>
+                </a:ln>
+                <a:solidFill>
+                  <a:srgbClr val="D71E09"/>
+                </a:solidFill>
+                <a:effectLst/>
+                <a:latin typeface="Arial Unicode MS"/>
+              </a:rPr>
+              <a:t>40.40.40.1</a:t>
+            </a:r>
+            <a:br>
+              <a:rPr kumimoji="0" lang="en-US" altLang="en-US" sz="1200" b="0" i="0" u="none" strike="noStrike" cap="none" normalizeH="0" baseline="0">
+                <a:ln>
+                  <a:noFill/>
+                </a:ln>
+                <a:solidFill>
+                  <a:schemeClr val="tx1"/>
+                </a:solidFill>
+                <a:effectLst/>
+                <a:latin typeface="Arial Unicode MS"/>
+              </a:rPr>
+            </a:br>
+            <a:r>
+              <a:rPr kumimoji="0" lang="en-US" altLang="en-US" sz="1200" b="0" i="0" u="none" strike="noStrike" cap="none" normalizeH="0" baseline="0">
+                <a:ln>
+                  <a:noFill/>
+                </a:ln>
+                <a:solidFill>
+                  <a:schemeClr val="tx1"/>
+                </a:solidFill>
+                <a:effectLst/>
+                <a:latin typeface="Arial Unicode MS"/>
+              </a:rPr>
+              <a:t>router4 was updated; the new IP address is 40.40.40.1</a:t>
+            </a:r>
+            <a:r>
+              <a:rPr kumimoji="0" lang="en-US" altLang="en-US" sz="1200" b="0" i="0" u="none" strike="noStrike" cap="none" normalizeH="0" baseline="0">
+                <a:ln>
+                  <a:noFill/>
+                </a:ln>
+                <a:solidFill>
+                  <a:schemeClr val="tx1"/>
+                </a:solidFill>
+                <a:effectLst/>
+              </a:rPr>
+              <a:t> </a:t>
+            </a:r>
+            <a:endParaRPr kumimoji="0" lang="en-US" altLang="en-US" sz="1200" b="0" i="0" u="none" strike="noStrike" cap="none" normalizeH="0" baseline="0">
+              <a:ln>
+                <a:noFill/>
+              </a:ln>
+              <a:solidFill>
+                <a:schemeClr val="tx1"/>
+              </a:solidFill>
+              <a:effectLst/>
+              <a:latin typeface="Arial" panose="020B0604020202020204" pitchFamily="34" charset="0"/>
+            </a:endParaRPr>
+          </a:p>
+        </p:txBody>
+      </p:sp>
+    </p:spTree>
+    <p:extLst>
+      <p:ext uri="{BB962C8B-B14F-4D97-AF65-F5344CB8AC3E}">
+        <p14:creationId xmlns:p14="http://schemas.microsoft.com/office/powerpoint/2010/main" val="4269271177"/>
+      </p:ext>
+    </p:extLst>
+  </p:cSld>
+  <p:clrMapOvr>
+    <a:masterClrMapping/>
+  </p:clrMapOvr>
+</p:sld>
+</file>
+
+<file path=ppt/slides/slide12.xml><?xml version="1.0" encoding="utf-8"?>
+<p:sld xmlns:a="http://schemas.openxmlformats.org/drawingml/2006/main" xmlns:r="http://schemas.openxmlformats.org/officeDocument/2006/relationships" xmlns:p="http://schemas.openxmlformats.org/presentationml/2006/main">
+  <p:cSld>
+    <p:spTree>
+      <p:nvGrpSpPr>
+        <p:cNvPr id="1" name=""/>
+        <p:cNvGrpSpPr/>
+        <p:nvPr/>
+      </p:nvGrpSpPr>
+      <p:grpSpPr>
+        <a:xfrm>
+          <a:off x="0" y="0"/>
+          <a:ext cx="0" cy="0"/>
+          <a:chOff x="0" y="0"/>
+          <a:chExt cx="0" cy="0"/>
+        </a:xfrm>
+      </p:grpSpPr>
+      <p:sp>
+        <p:nvSpPr>
+          <p:cNvPr id="2" name="Title 1">
+            <a:extLst>
+              <a:ext uri="{FF2B5EF4-FFF2-40B4-BE49-F238E27FC236}">
+                <a16:creationId xmlns:a16="http://schemas.microsoft.com/office/drawing/2014/main" id="{88F22808-10FE-D69A-C14E-02765EB4BA65}"/>
+              </a:ext>
+            </a:extLst>
+          </p:cNvPr>
+          <p:cNvSpPr>
+            <a:spLocks noGrp="1"/>
+          </p:cNvSpPr>
+          <p:nvPr>
+            <p:ph type="title"/>
+          </p:nvPr>
+        </p:nvSpPr>
+        <p:spPr/>
+        <p:txBody>
+          <a:bodyPr/>
+          <a:lstStyle/>
+          <a:p>
+            <a:r>
+              <a:rPr lang="en-US"/>
+              <a:t>Expected Output cont.</a:t>
+            </a:r>
+          </a:p>
+        </p:txBody>
+      </p:sp>
+      <p:sp>
+        <p:nvSpPr>
+          <p:cNvPr id="4" name="Slide Number Placeholder 3">
+            <a:extLst>
+              <a:ext uri="{FF2B5EF4-FFF2-40B4-BE49-F238E27FC236}">
+                <a16:creationId xmlns:a16="http://schemas.microsoft.com/office/drawing/2014/main" id="{EFD9D06D-2280-DB35-2998-DC29D6A38135}"/>
+              </a:ext>
+            </a:extLst>
+          </p:cNvPr>
+          <p:cNvSpPr>
+            <a:spLocks noGrp="1"/>
+          </p:cNvSpPr>
+          <p:nvPr>
+            <p:ph type="sldNum" sz="quarter" idx="12"/>
+          </p:nvPr>
+        </p:nvSpPr>
+        <p:spPr/>
+        <p:txBody>
+          <a:bodyPr/>
+          <a:lstStyle/>
+          <a:p>
+            <a:fld id="{E84E2596-301E-4832-9EC0-2653E7A66251}" type="slidenum">
+              <a:rPr lang="en-US" smtClean="0"/>
+              <a:t>12</a:t>
+            </a:fld>
+            <a:endParaRPr lang="en-US"/>
+          </a:p>
+        </p:txBody>
+      </p:sp>
+      <p:sp>
+        <p:nvSpPr>
+          <p:cNvPr id="5" name="Rectangle 1">
+            <a:extLst>
+              <a:ext uri="{FF2B5EF4-FFF2-40B4-BE49-F238E27FC236}">
+                <a16:creationId xmlns:a16="http://schemas.microsoft.com/office/drawing/2014/main" id="{B498872E-2862-6B62-4BCF-45D6FDAA8DDC}"/>
+              </a:ext>
+            </a:extLst>
+          </p:cNvPr>
+          <p:cNvSpPr>
+            <a:spLocks noGrp="1" noChangeArrowheads="1"/>
+          </p:cNvSpPr>
+          <p:nvPr>
+            <p:ph idx="1"/>
+          </p:nvPr>
+        </p:nvSpPr>
+        <p:spPr bwMode="auto">
+          <a:xfrm>
+            <a:off x="162560" y="1794818"/>
+            <a:ext cx="10900741" cy="4401205"/>
+          </a:xfrm>
+          <a:prstGeom prst="rect">
+            <a:avLst/>
+          </a:prstGeom>
+          <a:noFill/>
+          <a:ln>
+            <a:noFill/>
+          </a:ln>
+          <a:effectLst/>
+          <a:extLst>
+            <a:ext uri="{909E8E84-426E-40DD-AFC4-6F175D3DCCD1}">
+              <a14:hiddenFill xmlns:a14="http://schemas.microsoft.com/office/drawing/2010/main">
+                <a:solidFill>
+                  <a:schemeClr val="accent1"/>
+                </a:solidFill>
+              </a14:hiddenFill>
+            </a:ext>
+            <a:ext uri="{91240B29-F687-4F45-9708-019B960494DF}">
+              <a14:hiddenLine xmlns:a14="http://schemas.microsoft.com/office/drawing/2010/main" w="9525">
+                <a:solidFill>
+                  <a:schemeClr val="tx1"/>
+                </a:solidFill>
+                <a:miter lim="800000"/>
+                <a:headEnd/>
+                <a:tailEnd/>
+              </a14:hiddenLine>
+            </a:ext>
+            <a:ext uri="{AF507438-7753-43E0-B8FC-AC1667EBCBE1}">
+              <a14:hiddenEffects xmlns:a14="http://schemas.microsoft.com/office/drawing/2010/main">
+                <a:effectLst>
+                  <a:outerShdw dist="35921" dir="2700000" algn="ctr" rotWithShape="0">
+                    <a:schemeClr val="bg2"/>
+                  </a:outerShdw>
+                </a:effectLst>
+              </a14:hiddenEffects>
+            </a:ext>
+          </a:extLst>
+        </p:spPr>
+        <p:txBody>
+          <a:bodyPr vert="horz" wrap="none" lIns="91440" tIns="45720" rIns="91440" bIns="45720" numCol="1" anchor="ctr" anchorCtr="0" compatLnSpc="1">
+            <a:prstTxWarp prst="textNoShape">
+              <a:avLst/>
+            </a:prstTxWarp>
+            <a:spAutoFit/>
+          </a:bodyPr>
+          <a:lstStyle/>
+          <a:p>
+            <a:pPr marL="0" marR="0" lvl="0" indent="0" algn="l" defTabSz="914400" rtl="0" eaLnBrk="0" fontAlgn="base" latinLnBrk="0" hangingPunct="0">
+              <a:lnSpc>
+                <a:spcPct val="100000"/>
+              </a:lnSpc>
+              <a:spcBef>
+                <a:spcPct val="0"/>
+              </a:spcBef>
+              <a:spcAft>
+                <a:spcPct val="0"/>
+              </a:spcAft>
+              <a:buClrTx/>
+              <a:buSzTx/>
+              <a:buFontTx/>
+              <a:buNone/>
+              <a:tabLst/>
+            </a:pPr>
+            <a:endParaRPr kumimoji="0" lang="en-US" altLang="en-US" sz="1400" b="0" i="0" u="none" strike="noStrike" cap="none" normalizeH="0" baseline="0">
+              <a:ln>
+                <a:noFill/>
+              </a:ln>
+              <a:solidFill>
+                <a:schemeClr val="tx1"/>
+              </a:solidFill>
+              <a:effectLst/>
+              <a:latin typeface="Arial Unicode MS"/>
+            </a:endParaRPr>
+          </a:p>
+          <a:p>
+            <a:pPr marL="0" marR="0" lvl="0" indent="0" algn="l" defTabSz="914400" rtl="0" eaLnBrk="0" fontAlgn="base" latinLnBrk="0" hangingPunct="0">
+              <a:lnSpc>
+                <a:spcPct val="100000"/>
+              </a:lnSpc>
+              <a:spcBef>
+                <a:spcPct val="0"/>
+              </a:spcBef>
+              <a:spcAft>
+                <a:spcPct val="0"/>
+              </a:spcAft>
+              <a:buClrTx/>
+              <a:buSzTx/>
+              <a:buFontTx/>
+              <a:buNone/>
+              <a:tabLst/>
+            </a:pPr>
+            <a:endParaRPr lang="en-US" altLang="en-US" sz="1400">
+              <a:latin typeface="Arial Unicode MS"/>
+            </a:endParaRPr>
+          </a:p>
+          <a:p>
+            <a:pPr marL="0" marR="0" lvl="0" indent="0" algn="l" defTabSz="914400" rtl="0" eaLnBrk="0" fontAlgn="base" latinLnBrk="0" hangingPunct="0">
+              <a:lnSpc>
+                <a:spcPct val="100000"/>
+              </a:lnSpc>
+              <a:spcBef>
+                <a:spcPct val="0"/>
+              </a:spcBef>
+              <a:spcAft>
+                <a:spcPct val="0"/>
+              </a:spcAft>
+              <a:buClrTx/>
+              <a:buSzTx/>
+              <a:buFontTx/>
+              <a:buNone/>
+              <a:tabLst/>
+            </a:pPr>
+            <a:r>
+              <a:rPr kumimoji="0" lang="en-US" altLang="en-US" sz="1400" b="0" i="0" u="none" strike="noStrike" cap="none" normalizeH="0" baseline="0">
+                <a:ln>
+                  <a:noFill/>
+                </a:ln>
+                <a:solidFill>
+                  <a:schemeClr val="tx1"/>
+                </a:solidFill>
+                <a:effectLst/>
+                <a:latin typeface="Arial Unicode MS"/>
+              </a:rPr>
+              <a:t>Which device would you like to update (enter x to quit)? </a:t>
+            </a:r>
+            <a:r>
+              <a:rPr kumimoji="0" lang="en-US" altLang="en-US" sz="1400" b="1" i="0" u="none" strike="noStrike" cap="none" normalizeH="0" baseline="0">
+                <a:ln>
+                  <a:noFill/>
+                </a:ln>
+                <a:solidFill>
+                  <a:srgbClr val="D71E09"/>
+                </a:solidFill>
+                <a:effectLst/>
+                <a:latin typeface="Arial Unicode MS"/>
+              </a:rPr>
+              <a:t>x</a:t>
+            </a:r>
+            <a:br>
+              <a:rPr kumimoji="0" lang="en-US" altLang="en-US" sz="1400" b="0" i="0" u="none" strike="noStrike" cap="none" normalizeH="0" baseline="0">
+                <a:ln>
+                  <a:noFill/>
+                </a:ln>
+                <a:solidFill>
+                  <a:schemeClr val="tx1"/>
+                </a:solidFill>
+                <a:effectLst/>
+                <a:latin typeface="Arial Unicode MS"/>
+              </a:rPr>
+            </a:br>
+            <a:br>
+              <a:rPr kumimoji="0" lang="en-US" altLang="en-US" sz="1400" b="0" i="0" u="none" strike="noStrike" cap="none" normalizeH="0" baseline="0">
+                <a:ln>
+                  <a:noFill/>
+                </a:ln>
+                <a:solidFill>
+                  <a:schemeClr val="tx1"/>
+                </a:solidFill>
+                <a:effectLst/>
+                <a:latin typeface="Arial Unicode MS"/>
+              </a:rPr>
+            </a:br>
+            <a:r>
+              <a:rPr kumimoji="0" lang="en-US" altLang="en-US" sz="1400" b="0" i="0" u="none" strike="noStrike" cap="none" normalizeH="0" baseline="0">
+                <a:ln>
+                  <a:noFill/>
+                </a:ln>
+                <a:solidFill>
+                  <a:schemeClr val="tx1"/>
+                </a:solidFill>
+                <a:effectLst/>
+                <a:latin typeface="Arial Unicode MS"/>
+              </a:rPr>
+              <a:t>Summary:</a:t>
+            </a:r>
+            <a:br>
+              <a:rPr kumimoji="0" lang="en-US" altLang="en-US" sz="1400" b="0" i="0" u="none" strike="noStrike" cap="none" normalizeH="0" baseline="0">
+                <a:ln>
+                  <a:noFill/>
+                </a:ln>
+                <a:solidFill>
+                  <a:schemeClr val="tx1"/>
+                </a:solidFill>
+                <a:effectLst/>
+                <a:latin typeface="Arial Unicode MS"/>
+              </a:rPr>
+            </a:br>
+            <a:br>
+              <a:rPr kumimoji="0" lang="en-US" altLang="en-US" sz="1400" b="0" i="0" u="none" strike="noStrike" cap="none" normalizeH="0" baseline="0">
+                <a:ln>
+                  <a:noFill/>
+                </a:ln>
+                <a:solidFill>
+                  <a:schemeClr val="tx1"/>
+                </a:solidFill>
+                <a:effectLst/>
+                <a:latin typeface="Arial Unicode MS"/>
+              </a:rPr>
+            </a:br>
+            <a:r>
+              <a:rPr kumimoji="0" lang="en-US" altLang="en-US" sz="1400" b="0" i="0" u="none" strike="noStrike" cap="none" normalizeH="0" baseline="0">
+                <a:ln>
+                  <a:noFill/>
+                </a:ln>
+                <a:solidFill>
+                  <a:schemeClr val="tx1"/>
+                </a:solidFill>
+                <a:effectLst/>
+                <a:latin typeface="Arial Unicode MS"/>
+              </a:rPr>
+              <a:t>Number of devices updated: 2</a:t>
+            </a:r>
+            <a:br>
+              <a:rPr kumimoji="0" lang="en-US" altLang="en-US" sz="1400" b="0" i="0" u="none" strike="noStrike" cap="none" normalizeH="0" baseline="0">
+                <a:ln>
+                  <a:noFill/>
+                </a:ln>
+                <a:solidFill>
+                  <a:schemeClr val="tx1"/>
+                </a:solidFill>
+                <a:effectLst/>
+                <a:latin typeface="Arial Unicode MS"/>
+              </a:rPr>
+            </a:br>
+            <a:r>
+              <a:rPr kumimoji="0" lang="en-US" altLang="en-US" sz="1400" b="0" i="0" u="none" strike="noStrike" cap="none" normalizeH="0" baseline="0">
+                <a:ln>
+                  <a:noFill/>
+                </a:ln>
+                <a:solidFill>
+                  <a:schemeClr val="tx1"/>
+                </a:solidFill>
+                <a:effectLst/>
+                <a:latin typeface="Arial Unicode MS"/>
+              </a:rPr>
+              <a:t>Updated equipment {'switch3': '10.10.30.4', 'router4': '40.40.40.1'}</a:t>
+            </a:r>
+            <a:br>
+              <a:rPr kumimoji="0" lang="en-US" altLang="en-US" sz="1400" b="0" i="0" u="none" strike="noStrike" cap="none" normalizeH="0" baseline="0">
+                <a:ln>
+                  <a:noFill/>
+                </a:ln>
+                <a:solidFill>
+                  <a:schemeClr val="tx1"/>
+                </a:solidFill>
+                <a:effectLst/>
+                <a:latin typeface="Arial Unicode MS"/>
+              </a:rPr>
+            </a:br>
+            <a:br>
+              <a:rPr kumimoji="0" lang="en-US" altLang="en-US" sz="1400" b="0" i="0" u="none" strike="noStrike" cap="none" normalizeH="0" baseline="0">
+                <a:ln>
+                  <a:noFill/>
+                </a:ln>
+                <a:solidFill>
+                  <a:schemeClr val="tx1"/>
+                </a:solidFill>
+                <a:effectLst/>
+                <a:latin typeface="Arial Unicode MS"/>
+              </a:rPr>
+            </a:br>
+            <a:r>
+              <a:rPr kumimoji="0" lang="en-US" altLang="en-US" sz="1400" b="0" i="0" u="none" strike="noStrike" cap="none" normalizeH="0" baseline="0">
+                <a:ln>
+                  <a:noFill/>
+                </a:ln>
+                <a:solidFill>
+                  <a:schemeClr val="tx1"/>
+                </a:solidFill>
+                <a:effectLst/>
+                <a:latin typeface="Arial Unicode MS"/>
+              </a:rPr>
+              <a:t>Number of invalid addresses attempted: 2</a:t>
+            </a:r>
+            <a:br>
+              <a:rPr kumimoji="0" lang="en-US" altLang="en-US" sz="1400" b="0" i="0" u="none" strike="noStrike" cap="none" normalizeH="0" baseline="0">
+                <a:ln>
+                  <a:noFill/>
+                </a:ln>
+                <a:solidFill>
+                  <a:schemeClr val="tx1"/>
+                </a:solidFill>
+                <a:effectLst/>
+                <a:latin typeface="Arial Unicode MS"/>
+              </a:rPr>
+            </a:br>
+            <a:r>
+              <a:rPr kumimoji="0" lang="en-US" altLang="en-US" sz="1400" b="0" i="0" u="none" strike="noStrike" cap="none" normalizeH="0" baseline="0">
+                <a:ln>
+                  <a:noFill/>
+                </a:ln>
+                <a:solidFill>
+                  <a:schemeClr val="tx1"/>
+                </a:solidFill>
+                <a:effectLst/>
+                <a:latin typeface="Arial Unicode MS"/>
+              </a:rPr>
+              <a:t>List of invalid addresses: ['10.10.300.4', '400.400.4']</a:t>
+            </a:r>
+            <a:br>
+              <a:rPr kumimoji="0" lang="en-US" altLang="en-US" sz="1400" b="0" i="0" u="none" strike="noStrike" cap="none" normalizeH="0" baseline="0">
+                <a:ln>
+                  <a:noFill/>
+                </a:ln>
+                <a:solidFill>
+                  <a:schemeClr val="tx1"/>
+                </a:solidFill>
+                <a:effectLst/>
+                <a:latin typeface="Arial Unicode MS"/>
+              </a:rPr>
+            </a:br>
+            <a:br>
+              <a:rPr kumimoji="0" lang="en-US" altLang="en-US" sz="1400" b="0" i="0" u="none" strike="noStrike" cap="none" normalizeH="0" baseline="0">
+                <a:ln>
+                  <a:noFill/>
+                </a:ln>
+                <a:solidFill>
+                  <a:schemeClr val="tx1"/>
+                </a:solidFill>
+                <a:effectLst/>
+                <a:latin typeface="Arial Unicode MS"/>
+              </a:rPr>
+            </a:br>
+            <a:r>
+              <a:rPr kumimoji="0" lang="en-US" altLang="en-US" sz="1400" b="0" i="0" u="none" strike="noStrike" cap="none" normalizeH="0" baseline="0">
+                <a:ln>
+                  <a:noFill/>
+                </a:ln>
+                <a:solidFill>
+                  <a:schemeClr val="tx1"/>
+                </a:solidFill>
+                <a:effectLst/>
+                <a:latin typeface="Arial Unicode MS"/>
+              </a:rPr>
+              <a:t>The updated router dictionary:</a:t>
+            </a:r>
+            <a:br>
+              <a:rPr kumimoji="0" lang="en-US" altLang="en-US" sz="1400" b="0" i="0" u="none" strike="noStrike" cap="none" normalizeH="0" baseline="0">
+                <a:ln>
+                  <a:noFill/>
+                </a:ln>
+                <a:solidFill>
+                  <a:schemeClr val="tx1"/>
+                </a:solidFill>
+                <a:effectLst/>
+                <a:latin typeface="Arial Unicode MS"/>
+              </a:rPr>
+            </a:br>
+            <a:r>
+              <a:rPr kumimoji="0" lang="en-US" altLang="en-US" sz="1400" b="0" i="0" u="none" strike="noStrike" cap="none" normalizeH="0" baseline="0">
+                <a:ln>
+                  <a:noFill/>
+                </a:ln>
+                <a:solidFill>
+                  <a:schemeClr val="tx1"/>
+                </a:solidFill>
+                <a:effectLst/>
+                <a:latin typeface="Arial Unicode MS"/>
+              </a:rPr>
+              <a:t> {'router1': '10.10.10.1', 'router2': '20.20.20.1', 'router3': '30.30.30.1', 'router4': '40.40.40.1'}</a:t>
+            </a:r>
+            <a:br>
+              <a:rPr kumimoji="0" lang="en-US" altLang="en-US" sz="1400" b="0" i="0" u="none" strike="noStrike" cap="none" normalizeH="0" baseline="0">
+                <a:ln>
+                  <a:noFill/>
+                </a:ln>
+                <a:solidFill>
+                  <a:schemeClr val="tx1"/>
+                </a:solidFill>
+                <a:effectLst/>
+                <a:latin typeface="Arial Unicode MS"/>
+              </a:rPr>
+            </a:br>
+            <a:br>
+              <a:rPr kumimoji="0" lang="en-US" altLang="en-US" sz="1400" b="0" i="0" u="none" strike="noStrike" cap="none" normalizeH="0" baseline="0">
+                <a:ln>
+                  <a:noFill/>
+                </a:ln>
+                <a:solidFill>
+                  <a:schemeClr val="tx1"/>
+                </a:solidFill>
+                <a:effectLst/>
+                <a:latin typeface="Arial Unicode MS"/>
+              </a:rPr>
+            </a:br>
+            <a:r>
+              <a:rPr kumimoji="0" lang="en-US" altLang="en-US" sz="1400" b="0" i="0" u="none" strike="noStrike" cap="none" normalizeH="0" baseline="0">
+                <a:ln>
+                  <a:noFill/>
+                </a:ln>
+                <a:solidFill>
+                  <a:schemeClr val="tx1"/>
+                </a:solidFill>
+                <a:effectLst/>
+                <a:latin typeface="Arial Unicode MS"/>
+              </a:rPr>
+              <a:t>The updated switches dictionary:</a:t>
+            </a:r>
+            <a:br>
+              <a:rPr kumimoji="0" lang="en-US" altLang="en-US" sz="1400" b="0" i="0" u="none" strike="noStrike" cap="none" normalizeH="0" baseline="0">
+                <a:ln>
+                  <a:noFill/>
+                </a:ln>
+                <a:solidFill>
+                  <a:schemeClr val="tx1"/>
+                </a:solidFill>
+                <a:effectLst/>
+                <a:latin typeface="Arial Unicode MS"/>
+              </a:rPr>
+            </a:br>
+            <a:r>
+              <a:rPr kumimoji="0" lang="en-US" altLang="en-US" sz="1400" b="0" i="0" u="none" strike="noStrike" cap="none" normalizeH="0" baseline="0">
+                <a:ln>
+                  <a:noFill/>
+                </a:ln>
+                <a:solidFill>
+                  <a:schemeClr val="tx1"/>
+                </a:solidFill>
+                <a:effectLst/>
+                <a:latin typeface="Arial Unicode MS"/>
+              </a:rPr>
+              <a:t> {'switch1': '10.10.10.2', 'switch2': '10.10.10.3', 'switch3': '10.10.30.4', 'switch4': '10.10.10.5', 'switch5': '20.20.20.2', 'switch6': '20.20.20.3',</a:t>
+            </a:r>
+          </a:p>
+          <a:p>
+            <a:pPr marL="0" marR="0" lvl="0" indent="0" algn="l" defTabSz="914400" rtl="0" eaLnBrk="0" fontAlgn="base" latinLnBrk="0" hangingPunct="0">
+              <a:lnSpc>
+                <a:spcPct val="100000"/>
+              </a:lnSpc>
+              <a:spcBef>
+                <a:spcPct val="0"/>
+              </a:spcBef>
+              <a:spcAft>
+                <a:spcPct val="0"/>
+              </a:spcAft>
+              <a:buClrTx/>
+              <a:buSzTx/>
+              <a:buFontTx/>
+              <a:buNone/>
+              <a:tabLst/>
+            </a:pPr>
+            <a:r>
+              <a:rPr kumimoji="0" lang="en-US" altLang="en-US" sz="1400" b="0" i="0" u="none" strike="noStrike" cap="none" normalizeH="0" baseline="0">
+                <a:ln>
+                  <a:noFill/>
+                </a:ln>
+                <a:solidFill>
+                  <a:schemeClr val="tx1"/>
+                </a:solidFill>
+                <a:effectLst/>
+                <a:latin typeface="Arial Unicode MS"/>
+              </a:rPr>
+              <a:t> 'switch7': '30.30.30.2', 'switch8': '30.30.30.3', 'switch9': '30.30.30.4'}</a:t>
+            </a:r>
+            <a:r>
+              <a:rPr kumimoji="0" lang="en-US" altLang="en-US" sz="1400" b="0" i="0" u="none" strike="noStrike" cap="none" normalizeH="0" baseline="0">
+                <a:ln>
+                  <a:noFill/>
+                </a:ln>
+                <a:solidFill>
+                  <a:schemeClr val="tx1"/>
+                </a:solidFill>
+                <a:effectLst/>
+              </a:rPr>
+              <a:t> </a:t>
+            </a:r>
+          </a:p>
+          <a:p>
+            <a:pPr marL="0" marR="0" lvl="0" indent="0" algn="l" defTabSz="914400" rtl="0" eaLnBrk="0" fontAlgn="base" latinLnBrk="0" hangingPunct="0">
+              <a:lnSpc>
+                <a:spcPct val="100000"/>
+              </a:lnSpc>
+              <a:spcBef>
+                <a:spcPct val="0"/>
+              </a:spcBef>
+              <a:spcAft>
+                <a:spcPct val="0"/>
+              </a:spcAft>
+              <a:buClrTx/>
+              <a:buSzTx/>
+              <a:buFontTx/>
+              <a:buNone/>
+              <a:tabLst/>
+            </a:pPr>
+            <a:endParaRPr lang="en-US" altLang="en-US" sz="1400">
+              <a:latin typeface="Arial" panose="020B0604020202020204" pitchFamily="34" charset="0"/>
+            </a:endParaRPr>
+          </a:p>
+          <a:p>
+            <a:pPr marL="0" marR="0" lvl="0" indent="0" algn="l" defTabSz="914400" rtl="0" eaLnBrk="0" fontAlgn="base" latinLnBrk="0" hangingPunct="0">
+              <a:lnSpc>
+                <a:spcPct val="100000"/>
+              </a:lnSpc>
+              <a:spcBef>
+                <a:spcPct val="0"/>
+              </a:spcBef>
+              <a:spcAft>
+                <a:spcPct val="0"/>
+              </a:spcAft>
+              <a:buClrTx/>
+              <a:buSzTx/>
+              <a:buFontTx/>
+              <a:buNone/>
+              <a:tabLst/>
+            </a:pPr>
+            <a:endParaRPr kumimoji="0" lang="en-US" altLang="en-US" sz="1400" b="0" i="0" u="none" strike="noStrike" cap="none" normalizeH="0" baseline="0">
+              <a:ln>
+                <a:noFill/>
+              </a:ln>
+              <a:solidFill>
+                <a:schemeClr val="tx1"/>
+              </a:solidFill>
+              <a:effectLst/>
+              <a:latin typeface="Arial" panose="020B0604020202020204" pitchFamily="34" charset="0"/>
+            </a:endParaRPr>
+          </a:p>
+        </p:txBody>
+      </p:sp>
+    </p:spTree>
+    <p:extLst>
+      <p:ext uri="{BB962C8B-B14F-4D97-AF65-F5344CB8AC3E}">
+        <p14:creationId xmlns:p14="http://schemas.microsoft.com/office/powerpoint/2010/main" val="2577386066"/>
+      </p:ext>
+    </p:extLst>
+  </p:cSld>
+  <p:clrMapOvr>
+    <a:masterClrMapping/>
+  </p:clrMapOvr>
+</p:sld>
+</file>
+
+<file path=ppt/slides/slide13.xml><?xml version="1.0" encoding="utf-8"?>
+<p:sld xmlns:a="http://schemas.openxmlformats.org/drawingml/2006/main" xmlns:r="http://schemas.openxmlformats.org/officeDocument/2006/relationships" xmlns:p="http://schemas.openxmlformats.org/presentationml/2006/main">
+  <p:cSld>
+    <p:spTree>
+      <p:nvGrpSpPr>
+        <p:cNvPr id="1" name=""/>
+        <p:cNvGrpSpPr/>
+        <p:nvPr/>
+      </p:nvGrpSpPr>
+      <p:grpSpPr>
+        <a:xfrm>
+          <a:off x="0" y="0"/>
+          <a:ext cx="0" cy="0"/>
+          <a:chOff x="0" y="0"/>
+          <a:chExt cx="0" cy="0"/>
+        </a:xfrm>
+      </p:grpSpPr>
+      <p:sp>
+        <p:nvSpPr>
+          <p:cNvPr id="8" name="Title 7">
+            <a:extLst>
+              <a:ext uri="{FF2B5EF4-FFF2-40B4-BE49-F238E27FC236}">
+                <a16:creationId xmlns:a16="http://schemas.microsoft.com/office/drawing/2014/main" id="{0684BDCD-EDE3-C5DD-F0DE-B142A062FF37}"/>
+              </a:ext>
+            </a:extLst>
+          </p:cNvPr>
+          <p:cNvSpPr>
+            <a:spLocks noGrp="1"/>
+          </p:cNvSpPr>
+          <p:nvPr>
+            <p:ph type="title"/>
+          </p:nvPr>
+        </p:nvSpPr>
+        <p:spPr/>
+        <p:txBody>
+          <a:bodyPr/>
+          <a:lstStyle/>
+          <a:p>
+            <a:r>
+              <a:rPr lang="en-US"/>
+              <a:t>Programming Assignment 4 Solution</a:t>
+            </a:r>
+          </a:p>
+        </p:txBody>
+      </p:sp>
+      <p:sp>
+        <p:nvSpPr>
+          <p:cNvPr id="2" name="Slide Number Placeholder 1">
+            <a:extLst>
+              <a:ext uri="{FF2B5EF4-FFF2-40B4-BE49-F238E27FC236}">
+                <a16:creationId xmlns:a16="http://schemas.microsoft.com/office/drawing/2014/main" id="{17729FCA-BCBC-A5D4-2CCF-585E60A96BA9}"/>
+              </a:ext>
+            </a:extLst>
+          </p:cNvPr>
+          <p:cNvSpPr>
+            <a:spLocks noGrp="1"/>
+          </p:cNvSpPr>
+          <p:nvPr>
+            <p:ph type="sldNum" sz="quarter" idx="12"/>
+          </p:nvPr>
+        </p:nvSpPr>
+        <p:spPr/>
+        <p:txBody>
+          <a:bodyPr/>
+          <a:lstStyle/>
+          <a:p>
+            <a:fld id="{E84E2596-301E-4832-9EC0-2653E7A66251}" type="slidenum">
+              <a:rPr lang="en-US" smtClean="0"/>
+              <a:t>13</a:t>
+            </a:fld>
+            <a:endParaRPr lang="en-US"/>
+          </a:p>
+        </p:txBody>
+      </p:sp>
+      <p:pic>
+        <p:nvPicPr>
+          <p:cNvPr id="7" name="Picture 6">
+            <a:extLst>
+              <a:ext uri="{FF2B5EF4-FFF2-40B4-BE49-F238E27FC236}">
+                <a16:creationId xmlns:a16="http://schemas.microsoft.com/office/drawing/2014/main" id="{2F0E18AA-6D76-3F9B-DF97-9C32646D503C}"/>
+              </a:ext>
+            </a:extLst>
+          </p:cNvPr>
+          <p:cNvPicPr>
+            <a:picLocks noChangeAspect="1"/>
+          </p:cNvPicPr>
+          <p:nvPr/>
+        </p:nvPicPr>
+        <p:blipFill>
+          <a:blip r:embed="rId2"/>
+          <a:stretch>
+            <a:fillRect/>
+          </a:stretch>
+        </p:blipFill>
+        <p:spPr>
+          <a:xfrm>
+            <a:off x="1837372" y="1417638"/>
+            <a:ext cx="7277735" cy="5296535"/>
+          </a:xfrm>
+          <a:prstGeom prst="rect">
+            <a:avLst/>
+          </a:prstGeom>
+        </p:spPr>
+      </p:pic>
+    </p:spTree>
+    <p:extLst>
+      <p:ext uri="{BB962C8B-B14F-4D97-AF65-F5344CB8AC3E}">
+        <p14:creationId xmlns:p14="http://schemas.microsoft.com/office/powerpoint/2010/main" val="2412943156"/>
+      </p:ext>
+    </p:extLst>
+  </p:cSld>
+  <p:clrMapOvr>
+    <a:masterClrMapping/>
+  </p:clrMapOvr>
+</p:sld>
+</file>
+
+<file path=ppt/slides/slide14.xml><?xml version="1.0" encoding="utf-8"?>
+<p:sld xmlns:a="http://schemas.openxmlformats.org/drawingml/2006/main" xmlns:r="http://schemas.openxmlformats.org/officeDocument/2006/relationships" xmlns:p="http://schemas.openxmlformats.org/presentationml/2006/main">
+  <p:cSld>
+    <p:spTree>
+      <p:nvGrpSpPr>
+        <p:cNvPr id="1" name=""/>
+        <p:cNvGrpSpPr/>
+        <p:nvPr/>
+      </p:nvGrpSpPr>
+      <p:grpSpPr>
+        <a:xfrm>
+          <a:off x="0" y="0"/>
+          <a:ext cx="0" cy="0"/>
+          <a:chOff x="0" y="0"/>
+          <a:chExt cx="0" cy="0"/>
+        </a:xfrm>
+      </p:grpSpPr>
+      <p:sp>
+        <p:nvSpPr>
+          <p:cNvPr id="8" name="Title 7">
+            <a:extLst>
+              <a:ext uri="{FF2B5EF4-FFF2-40B4-BE49-F238E27FC236}">
+                <a16:creationId xmlns:a16="http://schemas.microsoft.com/office/drawing/2014/main" id="{0684BDCD-EDE3-C5DD-F0DE-B142A062FF37}"/>
+              </a:ext>
+            </a:extLst>
+          </p:cNvPr>
+          <p:cNvSpPr>
+            <a:spLocks noGrp="1"/>
+          </p:cNvSpPr>
+          <p:nvPr>
+            <p:ph type="title"/>
+          </p:nvPr>
+        </p:nvSpPr>
+        <p:spPr>
+          <a:xfrm>
+            <a:off x="284480" y="0"/>
+            <a:ext cx="10546080" cy="1143000"/>
+          </a:xfrm>
+        </p:spPr>
+        <p:txBody>
+          <a:bodyPr/>
+          <a:lstStyle/>
+          <a:p>
+            <a:r>
+              <a:rPr lang="en-US"/>
+              <a:t>Programming Assignment 4 Solution cont.</a:t>
+            </a:r>
+          </a:p>
+        </p:txBody>
+      </p:sp>
+      <p:sp>
+        <p:nvSpPr>
+          <p:cNvPr id="2" name="Slide Number Placeholder 1">
+            <a:extLst>
+              <a:ext uri="{FF2B5EF4-FFF2-40B4-BE49-F238E27FC236}">
+                <a16:creationId xmlns:a16="http://schemas.microsoft.com/office/drawing/2014/main" id="{17729FCA-BCBC-A5D4-2CCF-585E60A96BA9}"/>
+              </a:ext>
+            </a:extLst>
+          </p:cNvPr>
+          <p:cNvSpPr>
+            <a:spLocks noGrp="1"/>
+          </p:cNvSpPr>
+          <p:nvPr>
+            <p:ph type="sldNum" sz="quarter" idx="12"/>
+          </p:nvPr>
+        </p:nvSpPr>
+        <p:spPr/>
+        <p:txBody>
+          <a:bodyPr/>
+          <a:lstStyle/>
+          <a:p>
+            <a:fld id="{E84E2596-301E-4832-9EC0-2653E7A66251}" type="slidenum">
+              <a:rPr lang="en-US" smtClean="0"/>
+              <a:t>14</a:t>
+            </a:fld>
+            <a:endParaRPr lang="en-US"/>
+          </a:p>
+        </p:txBody>
+      </p:sp>
+      <p:pic>
+        <p:nvPicPr>
+          <p:cNvPr id="10" name="Picture 9">
+            <a:extLst>
+              <a:ext uri="{FF2B5EF4-FFF2-40B4-BE49-F238E27FC236}">
+                <a16:creationId xmlns:a16="http://schemas.microsoft.com/office/drawing/2014/main" id="{9BB4BA3C-5505-9F5B-E6D6-DFD0F9B609C8}"/>
+              </a:ext>
+            </a:extLst>
+          </p:cNvPr>
+          <p:cNvPicPr>
+            <a:picLocks noChangeAspect="1"/>
+          </p:cNvPicPr>
+          <p:nvPr/>
+        </p:nvPicPr>
+        <p:blipFill>
+          <a:blip r:embed="rId2"/>
+          <a:stretch>
+            <a:fillRect/>
+          </a:stretch>
+        </p:blipFill>
+        <p:spPr>
+          <a:xfrm>
+            <a:off x="3288347" y="1104265"/>
+            <a:ext cx="5086985" cy="5753735"/>
+          </a:xfrm>
+          <a:prstGeom prst="rect">
+            <a:avLst/>
+          </a:prstGeom>
+        </p:spPr>
+      </p:pic>
+    </p:spTree>
+    <p:extLst>
+      <p:ext uri="{BB962C8B-B14F-4D97-AF65-F5344CB8AC3E}">
+        <p14:creationId xmlns:p14="http://schemas.microsoft.com/office/powerpoint/2010/main" val="2271638385"/>
+      </p:ext>
+    </p:extLst>
+  </p:cSld>
+  <p:clrMapOvr>
+    <a:masterClrMapping/>
+  </p:clrMapOvr>
+</p:sld>
+</file>
+
+<file path=ppt/slides/slide15.xml><?xml version="1.0" encoding="utf-8"?>
+<p:sld xmlns:a="http://schemas.openxmlformats.org/drawingml/2006/main" xmlns:r="http://schemas.openxmlformats.org/officeDocument/2006/relationships" xmlns:p="http://schemas.openxmlformats.org/presentationml/2006/main">
+  <p:cSld>
+    <p:spTree>
+      <p:nvGrpSpPr>
+        <p:cNvPr id="1" name=""/>
+        <p:cNvGrpSpPr/>
+        <p:nvPr/>
+      </p:nvGrpSpPr>
+      <p:grpSpPr>
+        <a:xfrm>
+          <a:off x="0" y="0"/>
+          <a:ext cx="0" cy="0"/>
+          <a:chOff x="0" y="0"/>
+          <a:chExt cx="0" cy="0"/>
+        </a:xfrm>
+      </p:grpSpPr>
+      <p:sp>
+        <p:nvSpPr>
+          <p:cNvPr id="8" name="Title 7">
+            <a:extLst>
+              <a:ext uri="{FF2B5EF4-FFF2-40B4-BE49-F238E27FC236}">
+                <a16:creationId xmlns:a16="http://schemas.microsoft.com/office/drawing/2014/main" id="{0684BDCD-EDE3-C5DD-F0DE-B142A062FF37}"/>
+              </a:ext>
+            </a:extLst>
+          </p:cNvPr>
+          <p:cNvSpPr>
+            <a:spLocks noGrp="1"/>
+          </p:cNvSpPr>
+          <p:nvPr>
+            <p:ph type="title"/>
+          </p:nvPr>
+        </p:nvSpPr>
+        <p:spPr>
+          <a:xfrm>
+            <a:off x="142240" y="274638"/>
+            <a:ext cx="10627360" cy="1143000"/>
+          </a:xfrm>
+        </p:spPr>
+        <p:txBody>
+          <a:bodyPr/>
+          <a:lstStyle/>
+          <a:p>
+            <a:r>
+              <a:rPr lang="en-US"/>
+              <a:t>Programming Assignment 4 Solution cont.</a:t>
+            </a:r>
+          </a:p>
+        </p:txBody>
+      </p:sp>
+      <p:sp>
+        <p:nvSpPr>
+          <p:cNvPr id="2" name="Slide Number Placeholder 1">
+            <a:extLst>
+              <a:ext uri="{FF2B5EF4-FFF2-40B4-BE49-F238E27FC236}">
+                <a16:creationId xmlns:a16="http://schemas.microsoft.com/office/drawing/2014/main" id="{17729FCA-BCBC-A5D4-2CCF-585E60A96BA9}"/>
+              </a:ext>
+            </a:extLst>
+          </p:cNvPr>
+          <p:cNvSpPr>
+            <a:spLocks noGrp="1"/>
+          </p:cNvSpPr>
+          <p:nvPr>
+            <p:ph type="sldNum" sz="quarter" idx="12"/>
+          </p:nvPr>
+        </p:nvSpPr>
+        <p:spPr/>
+        <p:txBody>
+          <a:bodyPr/>
+          <a:lstStyle/>
+          <a:p>
+            <a:fld id="{E84E2596-301E-4832-9EC0-2653E7A66251}" type="slidenum">
+              <a:rPr lang="en-US" smtClean="0"/>
+              <a:t>15</a:t>
+            </a:fld>
+            <a:endParaRPr lang="en-US"/>
+          </a:p>
+        </p:txBody>
+      </p:sp>
+      <p:pic>
+        <p:nvPicPr>
+          <p:cNvPr id="3" name="Picture 2">
+            <a:extLst>
+              <a:ext uri="{FF2B5EF4-FFF2-40B4-BE49-F238E27FC236}">
+                <a16:creationId xmlns:a16="http://schemas.microsoft.com/office/drawing/2014/main" id="{8B18D376-2213-4A01-2C94-537A73AC5657}"/>
+              </a:ext>
+            </a:extLst>
+          </p:cNvPr>
+          <p:cNvPicPr>
+            <a:picLocks noChangeAspect="1"/>
+          </p:cNvPicPr>
+          <p:nvPr/>
+        </p:nvPicPr>
+        <p:blipFill>
+          <a:blip r:embed="rId2"/>
+          <a:stretch>
+            <a:fillRect/>
+          </a:stretch>
+        </p:blipFill>
+        <p:spPr>
+          <a:xfrm>
+            <a:off x="2698115" y="1551940"/>
+            <a:ext cx="5820410" cy="5306060"/>
+          </a:xfrm>
+          <a:prstGeom prst="rect">
+            <a:avLst/>
+          </a:prstGeom>
+        </p:spPr>
+      </p:pic>
+    </p:spTree>
+    <p:extLst>
+      <p:ext uri="{BB962C8B-B14F-4D97-AF65-F5344CB8AC3E}">
+        <p14:creationId xmlns:p14="http://schemas.microsoft.com/office/powerpoint/2010/main" val="242406291"/>
+      </p:ext>
+    </p:extLst>
+  </p:cSld>
+  <p:clrMapOvr>
+    <a:masterClrMapping/>
+  </p:clrMapOvr>
+</p:sld>
+</file>
+
+<file path=ppt/slides/slide16.xml><?xml version="1.0" encoding="utf-8"?>
+<p:sld xmlns:a="http://schemas.openxmlformats.org/drawingml/2006/main" xmlns:r="http://schemas.openxmlformats.org/officeDocument/2006/relationships" xmlns:p="http://schemas.openxmlformats.org/presentationml/2006/main">
+  <p:cSld>
+    <p:spTree>
+      <p:nvGrpSpPr>
+        <p:cNvPr id="1" name=""/>
+        <p:cNvGrpSpPr/>
+        <p:nvPr/>
+      </p:nvGrpSpPr>
+      <p:grpSpPr>
+        <a:xfrm>
+          <a:off x="0" y="0"/>
+          <a:ext cx="0" cy="0"/>
+          <a:chOff x="0" y="0"/>
+          <a:chExt cx="0" cy="0"/>
+        </a:xfrm>
+      </p:grpSpPr>
+      <p:sp>
+        <p:nvSpPr>
+          <p:cNvPr id="2" name="Title 1">
+            <a:extLst>
+              <a:ext uri="{FF2B5EF4-FFF2-40B4-BE49-F238E27FC236}">
+                <a16:creationId xmlns:a16="http://schemas.microsoft.com/office/drawing/2014/main" id="{C9A9D381-9214-A5FE-C809-D846A0DBD13D}"/>
+              </a:ext>
+            </a:extLst>
+          </p:cNvPr>
+          <p:cNvSpPr>
+            <a:spLocks noGrp="1"/>
+          </p:cNvSpPr>
+          <p:nvPr>
+            <p:ph type="title"/>
+          </p:nvPr>
+        </p:nvSpPr>
+        <p:spPr/>
+        <p:txBody>
+          <a:bodyPr/>
+          <a:lstStyle/>
+          <a:p>
+            <a:r>
+              <a:rPr lang="en-US"/>
+              <a:t>Lab 4: Functions</a:t>
+            </a:r>
+          </a:p>
+        </p:txBody>
+      </p:sp>
+      <p:sp>
+        <p:nvSpPr>
+          <p:cNvPr id="3" name="Content Placeholder 2">
+            <a:extLst>
+              <a:ext uri="{FF2B5EF4-FFF2-40B4-BE49-F238E27FC236}">
+                <a16:creationId xmlns:a16="http://schemas.microsoft.com/office/drawing/2014/main" id="{931F5113-FAAD-2032-3B5C-EB98245767A5}"/>
+              </a:ext>
+            </a:extLst>
+          </p:cNvPr>
+          <p:cNvSpPr>
+            <a:spLocks noGrp="1"/>
+          </p:cNvSpPr>
+          <p:nvPr>
+            <p:ph idx="1"/>
+          </p:nvPr>
+        </p:nvSpPr>
+        <p:spPr/>
+        <p:txBody>
+          <a:bodyPr/>
+          <a:lstStyle/>
+          <a:p>
+            <a:r>
+              <a:rPr lang="en-US"/>
+              <a:t>Write a modular Python program which creates a list of customers identified by first name, last name, and phone number. The program should contain the following functions:</a:t>
+            </a:r>
+          </a:p>
+          <a:p>
+            <a:pPr>
+              <a:buFont typeface="Arial" panose="020B0604020202020204" pitchFamily="34" charset="0"/>
+              <a:buChar char="•"/>
+            </a:pPr>
+            <a:r>
+              <a:rPr lang="en-US"/>
+              <a:t>a main function with an associated top level scope check</a:t>
+            </a:r>
+          </a:p>
+          <a:p>
+            <a:pPr>
+              <a:buFont typeface="Arial" panose="020B0604020202020204" pitchFamily="34" charset="0"/>
+              <a:buChar char="•"/>
+            </a:pPr>
+            <a:r>
+              <a:rPr lang="en-US"/>
+              <a:t>a function which generates the customer data and returns it to the main function</a:t>
+            </a:r>
+          </a:p>
+          <a:p>
+            <a:r>
+              <a:rPr lang="en-US" b="1"/>
+              <a:t>Sample output:</a:t>
+            </a:r>
+            <a:endParaRPr lang="en-US"/>
+          </a:p>
+          <a:p>
+            <a:r>
+              <a:rPr lang="en-US">
+                <a:effectLst/>
+              </a:rPr>
+              <a:t>Here are the customers:</a:t>
+            </a:r>
+            <a:br>
+              <a:rPr lang="en-US">
+                <a:effectLst/>
+              </a:rPr>
+            </a:br>
+            <a:r>
+              <a:rPr lang="en-US">
+                <a:effectLst/>
+              </a:rPr>
+              <a:t>Galadriel Amakir 555-1212</a:t>
+            </a:r>
+            <a:br>
+              <a:rPr lang="en-US">
+                <a:effectLst/>
+              </a:rPr>
+            </a:br>
+            <a:r>
+              <a:rPr lang="en-US">
+                <a:effectLst/>
+              </a:rPr>
+              <a:t>Elrond Amaadon 556-1313</a:t>
+            </a:r>
+            <a:br>
+              <a:rPr lang="en-US">
+                <a:effectLst/>
+              </a:rPr>
+            </a:br>
+            <a:r>
+              <a:rPr lang="en-US">
+                <a:effectLst/>
+              </a:rPr>
+              <a:t>Lúthien Amastacia 557-1414</a:t>
+            </a:r>
+            <a:br>
+              <a:rPr lang="en-US">
+                <a:effectLst/>
+              </a:rPr>
+            </a:br>
+            <a:r>
+              <a:rPr lang="en-US">
+                <a:effectLst/>
+              </a:rPr>
+              <a:t>Fingolfin Amamion 557-1515</a:t>
+            </a:r>
+          </a:p>
+          <a:p>
+            <a:endParaRPr lang="en-US"/>
+          </a:p>
+        </p:txBody>
+      </p:sp>
+      <p:sp>
+        <p:nvSpPr>
+          <p:cNvPr id="4" name="Slide Number Placeholder 3">
+            <a:extLst>
+              <a:ext uri="{FF2B5EF4-FFF2-40B4-BE49-F238E27FC236}">
+                <a16:creationId xmlns:a16="http://schemas.microsoft.com/office/drawing/2014/main" id="{19E966A4-67F1-E313-3912-467C8740E42B}"/>
+              </a:ext>
+            </a:extLst>
+          </p:cNvPr>
+          <p:cNvSpPr>
+            <a:spLocks noGrp="1"/>
+          </p:cNvSpPr>
+          <p:nvPr>
+            <p:ph type="sldNum" sz="quarter" idx="12"/>
+          </p:nvPr>
+        </p:nvSpPr>
+        <p:spPr/>
+        <p:txBody>
+          <a:bodyPr/>
+          <a:lstStyle/>
+          <a:p>
+            <a:fld id="{E84E2596-301E-4832-9EC0-2653E7A66251}" type="slidenum">
+              <a:rPr lang="en-US" smtClean="0"/>
+              <a:t>16</a:t>
+            </a:fld>
+            <a:endParaRPr lang="en-US"/>
+          </a:p>
+        </p:txBody>
+      </p:sp>
+    </p:spTree>
+    <p:extLst>
+      <p:ext uri="{BB962C8B-B14F-4D97-AF65-F5344CB8AC3E}">
+        <p14:creationId xmlns:p14="http://schemas.microsoft.com/office/powerpoint/2010/main" val="3865564095"/>
+      </p:ext>
+    </p:extLst>
+  </p:cSld>
+  <p:clrMapOvr>
+    <a:masterClrMapping/>
+  </p:clrMapOvr>
+</p:sld>
+</file>
+
+<file path=ppt/slides/slide17.xml><?xml version="1.0" encoding="utf-8"?>
+<p:sld xmlns:a="http://schemas.openxmlformats.org/drawingml/2006/main" xmlns:r="http://schemas.openxmlformats.org/officeDocument/2006/relationships" xmlns:p="http://schemas.openxmlformats.org/presentationml/2006/main">
+  <p:cSld>
+    <p:spTree>
+      <p:nvGrpSpPr>
+        <p:cNvPr id="1" name=""/>
+        <p:cNvGrpSpPr/>
+        <p:nvPr/>
+      </p:nvGrpSpPr>
+      <p:grpSpPr>
+        <a:xfrm>
+          <a:off x="0" y="0"/>
+          <a:ext cx="0" cy="0"/>
+          <a:chOff x="0" y="0"/>
+          <a:chExt cx="0" cy="0"/>
+        </a:xfrm>
+      </p:grpSpPr>
+      <p:sp>
+        <p:nvSpPr>
+          <p:cNvPr id="2" name="Slide Number Placeholder 1">
+            <a:extLst>
+              <a:ext uri="{FF2B5EF4-FFF2-40B4-BE49-F238E27FC236}">
+                <a16:creationId xmlns:a16="http://schemas.microsoft.com/office/drawing/2014/main" id="{92392CBD-AD84-C8DB-A52D-762EF4F5EF45}"/>
+              </a:ext>
+            </a:extLst>
+          </p:cNvPr>
+          <p:cNvSpPr>
+            <a:spLocks noGrp="1"/>
+          </p:cNvSpPr>
+          <p:nvPr>
+            <p:ph type="sldNum" sz="quarter" idx="12"/>
+          </p:nvPr>
+        </p:nvSpPr>
+        <p:spPr/>
+        <p:txBody>
+          <a:bodyPr/>
+          <a:lstStyle/>
+          <a:p>
+            <a:fld id="{E84E2596-301E-4832-9EC0-2653E7A66251}" type="slidenum">
+              <a:rPr lang="en-US" smtClean="0"/>
+              <a:t>17</a:t>
+            </a:fld>
+            <a:endParaRPr lang="en-US"/>
+          </a:p>
+        </p:txBody>
+      </p:sp>
+      <p:sp>
+        <p:nvSpPr>
+          <p:cNvPr id="4" name="TextBox 3">
+            <a:extLst>
+              <a:ext uri="{FF2B5EF4-FFF2-40B4-BE49-F238E27FC236}">
+                <a16:creationId xmlns:a16="http://schemas.microsoft.com/office/drawing/2014/main" id="{FC8DB02C-ED17-A5CB-2113-A6A19A5A89C0}"/>
+              </a:ext>
+            </a:extLst>
+          </p:cNvPr>
+          <p:cNvSpPr txBox="1"/>
+          <p:nvPr/>
+        </p:nvSpPr>
+        <p:spPr>
+          <a:xfrm>
+            <a:off x="252133" y="201270"/>
+            <a:ext cx="2706220" cy="923330"/>
+          </a:xfrm>
+          <a:prstGeom prst="rect">
+            <a:avLst/>
+          </a:prstGeom>
+          <a:noFill/>
+        </p:spPr>
+        <p:txBody>
+          <a:bodyPr wrap="square">
+            <a:spAutoFit/>
+          </a:bodyPr>
+          <a:lstStyle/>
+          <a:p>
+            <a:r>
+              <a:rPr lang="en-US"/>
+              <a:t>Using this </a:t>
+            </a:r>
+            <a:r>
+              <a:rPr lang="en-US">
+                <a:hlinkClick r:id="rId2" tooltip="Lab4_HelpFile"/>
+              </a:rPr>
+              <a:t>help file</a:t>
+            </a:r>
+            <a:r>
+              <a:rPr lang="en-US"/>
+              <a:t>, type the solution and </a:t>
+            </a:r>
+            <a:r>
+              <a:rPr lang="en-US" b="1"/>
+              <a:t>add your name to the customer list</a:t>
+            </a:r>
+            <a:r>
+              <a:rPr lang="en-US"/>
+              <a:t>.</a:t>
+            </a:r>
+          </a:p>
+        </p:txBody>
+      </p:sp>
+      <p:pic>
+        <p:nvPicPr>
+          <p:cNvPr id="7" name="Picture 6" descr="Text&#10;&#10;Description automatically generated">
+            <a:extLst>
+              <a:ext uri="{FF2B5EF4-FFF2-40B4-BE49-F238E27FC236}">
+                <a16:creationId xmlns:a16="http://schemas.microsoft.com/office/drawing/2014/main" id="{CD57F59D-DCDB-1A63-2413-73F60D4CBF95}"/>
+              </a:ext>
+            </a:extLst>
+          </p:cNvPr>
+          <p:cNvPicPr>
+            <a:picLocks noChangeAspect="1"/>
+          </p:cNvPicPr>
+          <p:nvPr/>
+        </p:nvPicPr>
+        <p:blipFill>
+          <a:blip r:embed="rId3">
+            <a:extLst>
+              <a:ext uri="{28A0092B-C50C-407E-A947-70E740481C1C}">
+                <a14:useLocalDpi xmlns:a14="http://schemas.microsoft.com/office/drawing/2010/main" val="0"/>
+              </a:ext>
+            </a:extLst>
+          </a:blip>
+          <a:stretch>
+            <a:fillRect/>
+          </a:stretch>
+        </p:blipFill>
+        <p:spPr>
+          <a:xfrm>
+            <a:off x="3726797" y="-30863"/>
+            <a:ext cx="7458075" cy="6858000"/>
+          </a:xfrm>
+          <a:prstGeom prst="rect">
+            <a:avLst/>
+          </a:prstGeom>
+        </p:spPr>
+      </p:pic>
+    </p:spTree>
+    <p:extLst>
+      <p:ext uri="{BB962C8B-B14F-4D97-AF65-F5344CB8AC3E}">
+        <p14:creationId xmlns:p14="http://schemas.microsoft.com/office/powerpoint/2010/main" val="3237269020"/>
+      </p:ext>
+    </p:extLst>
+  </p:cSld>
+  <p:clrMapOvr>
+    <a:masterClrMapping/>
+  </p:clrMapOvr>
+</p:sld>
+</file>
+
+<file path=ppt/slides/slide18.xml><?xml version="1.0" encoding="utf-8"?>
+<p:sld xmlns:a="http://schemas.openxmlformats.org/drawingml/2006/main" xmlns:r="http://schemas.openxmlformats.org/officeDocument/2006/relationships" xmlns:p="http://schemas.openxmlformats.org/presentationml/2006/main">
+  <p:cSld>
+    <p:spTree>
+      <p:nvGrpSpPr>
+        <p:cNvPr id="1" name=""/>
+        <p:cNvGrpSpPr/>
+        <p:nvPr/>
+      </p:nvGrpSpPr>
+      <p:grpSpPr>
+        <a:xfrm>
+          <a:off x="0" y="0"/>
+          <a:ext cx="0" cy="0"/>
+          <a:chOff x="0" y="0"/>
+          <a:chExt cx="0" cy="0"/>
+        </a:xfrm>
+      </p:grpSpPr>
+      <p:sp>
+        <p:nvSpPr>
+          <p:cNvPr id="2" name="Title 1">
+            <a:extLst>
+              <a:ext uri="{FF2B5EF4-FFF2-40B4-BE49-F238E27FC236}">
+                <a16:creationId xmlns:a16="http://schemas.microsoft.com/office/drawing/2014/main" id="{52EA10A8-D3AE-4991-8F9A-11338759B095}"/>
+              </a:ext>
+            </a:extLst>
+          </p:cNvPr>
+          <p:cNvSpPr>
+            <a:spLocks noGrp="1"/>
+          </p:cNvSpPr>
+          <p:nvPr>
+            <p:ph type="title"/>
+          </p:nvPr>
+        </p:nvSpPr>
+        <p:spPr/>
+        <p:txBody>
+          <a:bodyPr/>
+          <a:lstStyle/>
+          <a:p>
+            <a:r>
+              <a:rPr lang="en-US"/>
+              <a:t>Lab: Lists and Modules</a:t>
+            </a:r>
+          </a:p>
+        </p:txBody>
+      </p:sp>
+      <p:sp>
+        <p:nvSpPr>
+          <p:cNvPr id="3" name="Content Placeholder 2">
+            <a:extLst>
+              <a:ext uri="{FF2B5EF4-FFF2-40B4-BE49-F238E27FC236}">
+                <a16:creationId xmlns:a16="http://schemas.microsoft.com/office/drawing/2014/main" id="{2FB0F9B7-661A-432A-AC1A-E41D42753E29}"/>
+              </a:ext>
+            </a:extLst>
+          </p:cNvPr>
+          <p:cNvSpPr>
+            <a:spLocks noGrp="1"/>
+          </p:cNvSpPr>
+          <p:nvPr>
+            <p:ph idx="1"/>
+          </p:nvPr>
+        </p:nvSpPr>
+        <p:spPr/>
+        <p:txBody>
+          <a:bodyPr/>
+          <a:lstStyle/>
+          <a:p>
+            <a:r>
+              <a:rPr lang="en-US"/>
+              <a:t>Create three python files:</a:t>
+            </a:r>
+          </a:p>
+          <a:p>
+            <a:pPr>
+              <a:buFont typeface="+mj-lt"/>
+              <a:buAutoNum type="arabicPeriod"/>
+            </a:pPr>
+            <a:r>
+              <a:rPr lang="en-US"/>
+              <a:t>A file where you create your unique password. (View Lab 5 Help File 1)</a:t>
+            </a:r>
+          </a:p>
+          <a:p>
+            <a:pPr>
+              <a:buFont typeface="+mj-lt"/>
+              <a:buAutoNum type="arabicPeriod"/>
+            </a:pPr>
+            <a:r>
+              <a:rPr lang="en-US"/>
+              <a:t>A file where you show the output of the platform module's functions. Please do this on your home system. (View Lab 5 Help File 2)</a:t>
+            </a:r>
+          </a:p>
+          <a:p>
+            <a:pPr>
+              <a:buFont typeface="+mj-lt"/>
+              <a:buAutoNum type="arabicPeriod"/>
+            </a:pPr>
+            <a:r>
+              <a:rPr lang="en-US"/>
+              <a:t>A file where you use pip to install a package and find the IP addresses on your machine. (View Lab 5 Help File 3)</a:t>
+            </a:r>
+          </a:p>
+          <a:p>
+            <a:endParaRPr lang="en-US"/>
+          </a:p>
+        </p:txBody>
+      </p:sp>
+      <p:sp>
+        <p:nvSpPr>
+          <p:cNvPr id="4" name="Slide Number Placeholder 3">
+            <a:extLst>
+              <a:ext uri="{FF2B5EF4-FFF2-40B4-BE49-F238E27FC236}">
+                <a16:creationId xmlns:a16="http://schemas.microsoft.com/office/drawing/2014/main" id="{949CAD99-FBD9-4784-BC62-438DEB77FC15}"/>
+              </a:ext>
+            </a:extLst>
+          </p:cNvPr>
+          <p:cNvSpPr>
+            <a:spLocks noGrp="1"/>
+          </p:cNvSpPr>
+          <p:nvPr>
+            <p:ph type="sldNum" sz="quarter" idx="12"/>
+          </p:nvPr>
+        </p:nvSpPr>
+        <p:spPr/>
+        <p:txBody>
+          <a:bodyPr/>
+          <a:lstStyle/>
+          <a:p>
+            <a:fld id="{E84E2596-301E-4832-9EC0-2653E7A66251}" type="slidenum">
+              <a:rPr lang="en-US" smtClean="0"/>
+              <a:t>18</a:t>
+            </a:fld>
+            <a:endParaRPr lang="en-US"/>
+          </a:p>
+        </p:txBody>
+      </p:sp>
+    </p:spTree>
+    <p:extLst>
+      <p:ext uri="{BB962C8B-B14F-4D97-AF65-F5344CB8AC3E}">
+        <p14:creationId xmlns:p14="http://schemas.microsoft.com/office/powerpoint/2010/main" val="2163221036"/>
+      </p:ext>
+    </p:extLst>
+  </p:cSld>
+  <p:clrMapOvr>
+    <a:masterClrMapping/>
+  </p:clrMapOvr>
+</p:sld>
+</file>
+
+<file path=ppt/slides/slide19.xml><?xml version="1.0" encoding="utf-8"?>
+<p:sld xmlns:a="http://schemas.openxmlformats.org/drawingml/2006/main" xmlns:r="http://schemas.openxmlformats.org/officeDocument/2006/relationships" xmlns:p="http://schemas.openxmlformats.org/presentationml/2006/main">
+  <p:cSld>
+    <p:spTree>
+      <p:nvGrpSpPr>
+        <p:cNvPr id="1" name=""/>
+        <p:cNvGrpSpPr/>
+        <p:nvPr/>
+      </p:nvGrpSpPr>
+      <p:grpSpPr>
+        <a:xfrm>
+          <a:off x="0" y="0"/>
+          <a:ext cx="0" cy="0"/>
+          <a:chOff x="0" y="0"/>
+          <a:chExt cx="0" cy="0"/>
+        </a:xfrm>
+      </p:grpSpPr>
+      <p:sp>
+        <p:nvSpPr>
+          <p:cNvPr id="2" name="Title 1">
+            <a:extLst>
+              <a:ext uri="{FF2B5EF4-FFF2-40B4-BE49-F238E27FC236}">
+                <a16:creationId xmlns:a16="http://schemas.microsoft.com/office/drawing/2014/main" id="{A9969747-F1D2-4A83-A53E-EC95ADA9B801}"/>
+              </a:ext>
+            </a:extLst>
+          </p:cNvPr>
+          <p:cNvSpPr>
+            <a:spLocks noGrp="1"/>
+          </p:cNvSpPr>
+          <p:nvPr>
+            <p:ph type="title"/>
+          </p:nvPr>
+        </p:nvSpPr>
+        <p:spPr>
+          <a:xfrm>
+            <a:off x="609600" y="0"/>
+            <a:ext cx="10160000" cy="1143000"/>
+          </a:xfrm>
+        </p:spPr>
+        <p:txBody>
+          <a:bodyPr/>
+          <a:lstStyle/>
+          <a:p>
+            <a:r>
+              <a:rPr lang="en-US"/>
+              <a:t>LAB5HelpFile1</a:t>
+            </a:r>
+          </a:p>
+        </p:txBody>
+      </p:sp>
+      <p:pic>
+        <p:nvPicPr>
+          <p:cNvPr id="6" name="Content Placeholder 5">
+            <a:extLst>
+              <a:ext uri="{FF2B5EF4-FFF2-40B4-BE49-F238E27FC236}">
+                <a16:creationId xmlns:a16="http://schemas.microsoft.com/office/drawing/2014/main" id="{34D00E67-9026-4066-91FA-70E51649C47F}"/>
+              </a:ext>
+            </a:extLst>
+          </p:cNvPr>
+          <p:cNvPicPr>
+            <a:picLocks noGrp="1" noChangeAspect="1"/>
+          </p:cNvPicPr>
+          <p:nvPr>
+            <p:ph idx="1"/>
+          </p:nvPr>
+        </p:nvPicPr>
+        <p:blipFill rotWithShape="1">
+          <a:blip r:embed="rId2">
+            <a:extLst>
+              <a:ext uri="{28A0092B-C50C-407E-A947-70E740481C1C}">
+                <a14:useLocalDpi xmlns:a14="http://schemas.microsoft.com/office/drawing/2010/main" val="0"/>
+              </a:ext>
+            </a:extLst>
+          </a:blip>
+          <a:srcRect l="8695" t="11830" r="8042" b="8597"/>
+          <a:stretch/>
+        </p:blipFill>
+        <p:spPr>
+          <a:xfrm>
+            <a:off x="445350" y="1143000"/>
+            <a:ext cx="9346832" cy="5034987"/>
+          </a:xfrm>
+        </p:spPr>
+      </p:pic>
+      <p:sp>
+        <p:nvSpPr>
+          <p:cNvPr id="4" name="Slide Number Placeholder 3">
+            <a:extLst>
+              <a:ext uri="{FF2B5EF4-FFF2-40B4-BE49-F238E27FC236}">
+                <a16:creationId xmlns:a16="http://schemas.microsoft.com/office/drawing/2014/main" id="{A302AA75-B0DC-4A49-8AEE-C434A9536815}"/>
+              </a:ext>
+            </a:extLst>
+          </p:cNvPr>
+          <p:cNvSpPr>
+            <a:spLocks noGrp="1"/>
+          </p:cNvSpPr>
+          <p:nvPr>
+            <p:ph type="sldNum" sz="quarter" idx="12"/>
+          </p:nvPr>
+        </p:nvSpPr>
+        <p:spPr/>
+        <p:txBody>
+          <a:bodyPr/>
+          <a:lstStyle/>
+          <a:p>
+            <a:fld id="{E84E2596-301E-4832-9EC0-2653E7A66251}" type="slidenum">
+              <a:rPr lang="en-US" smtClean="0"/>
+              <a:t>19</a:t>
+            </a:fld>
+            <a:endParaRPr lang="en-US"/>
+          </a:p>
+        </p:txBody>
+      </p:sp>
+    </p:spTree>
+    <p:extLst>
+      <p:ext uri="{BB962C8B-B14F-4D97-AF65-F5344CB8AC3E}">
+        <p14:creationId xmlns:p14="http://schemas.microsoft.com/office/powerpoint/2010/main" val="564123333"/>
+      </p:ext>
+    </p:extLst>
+  </p:cSld>
+  <p:clrMapOvr>
+    <a:masterClrMapping/>
+  </p:clrMapOvr>
+</p:sld>
+</file>
+
+<file path=ppt/slides/slide2.xml><?xml version="1.0" encoding="utf-8"?>
+<p:sld xmlns:a="http://schemas.openxmlformats.org/drawingml/2006/main" xmlns:r="http://schemas.openxmlformats.org/officeDocument/2006/relationships" xmlns:p="http://schemas.openxmlformats.org/presentationml/2006/main">
+  <p:cSld>
+    <p:spTree>
+      <p:nvGrpSpPr>
+        <p:cNvPr id="1" name=""/>
+        <p:cNvGrpSpPr/>
+        <p:nvPr/>
+      </p:nvGrpSpPr>
+      <p:grpSpPr>
+        <a:xfrm>
+          <a:off x="0" y="0"/>
+          <a:ext cx="0" cy="0"/>
+          <a:chOff x="0" y="0"/>
+          <a:chExt cx="0" cy="0"/>
+        </a:xfrm>
+      </p:grpSpPr>
+      <p:sp>
+        <p:nvSpPr>
+          <p:cNvPr id="2" name="Title 1">
+            <a:extLst>
+              <a:ext uri="{FF2B5EF4-FFF2-40B4-BE49-F238E27FC236}">
+                <a16:creationId xmlns:a16="http://schemas.microsoft.com/office/drawing/2014/main" id="{296D7527-778E-74A6-0400-C54CD6B1C462}"/>
+              </a:ext>
+            </a:extLst>
+          </p:cNvPr>
+          <p:cNvSpPr>
+            <a:spLocks noGrp="1"/>
+          </p:cNvSpPr>
+          <p:nvPr>
+            <p:ph type="title"/>
+          </p:nvPr>
+        </p:nvSpPr>
+        <p:spPr/>
+        <p:txBody>
+          <a:bodyPr/>
+          <a:lstStyle/>
+          <a:p>
+            <a:r>
+              <a:rPr lang="en-US"/>
+              <a:t>Hands-on Labs</a:t>
+            </a:r>
+          </a:p>
+        </p:txBody>
+      </p:sp>
+      <p:sp>
+        <p:nvSpPr>
+          <p:cNvPr id="3" name="Text Placeholder 2">
+            <a:extLst>
+              <a:ext uri="{FF2B5EF4-FFF2-40B4-BE49-F238E27FC236}">
+                <a16:creationId xmlns:a16="http://schemas.microsoft.com/office/drawing/2014/main" id="{57CF2660-E7A3-206F-5F41-D6DA83DB4820}"/>
+              </a:ext>
+            </a:extLst>
+          </p:cNvPr>
+          <p:cNvSpPr>
+            <a:spLocks noGrp="1"/>
+          </p:cNvSpPr>
+          <p:nvPr>
+            <p:ph type="body" idx="1"/>
+          </p:nvPr>
+        </p:nvSpPr>
+        <p:spPr/>
+        <p:txBody>
+          <a:bodyPr/>
+          <a:lstStyle/>
+          <a:p>
+            <a:r>
+              <a:rPr lang="en-US"/>
+              <a:t>Day 2</a:t>
+            </a:r>
+          </a:p>
+        </p:txBody>
+      </p:sp>
+    </p:spTree>
+    <p:extLst>
+      <p:ext uri="{BB962C8B-B14F-4D97-AF65-F5344CB8AC3E}">
+        <p14:creationId xmlns:p14="http://schemas.microsoft.com/office/powerpoint/2010/main" val="2855143834"/>
+      </p:ext>
+    </p:extLst>
+  </p:cSld>
+  <p:clrMapOvr>
+    <a:masterClrMapping/>
+  </p:clrMapOvr>
+</p:sld>
+</file>
+
+<file path=ppt/slides/slide20.xml><?xml version="1.0" encoding="utf-8"?>
+<p:sld xmlns:a="http://schemas.openxmlformats.org/drawingml/2006/main" xmlns:r="http://schemas.openxmlformats.org/officeDocument/2006/relationships" xmlns:p="http://schemas.openxmlformats.org/presentationml/2006/main">
+  <p:cSld>
+    <p:spTree>
+      <p:nvGrpSpPr>
+        <p:cNvPr id="1" name=""/>
+        <p:cNvGrpSpPr/>
+        <p:nvPr/>
+      </p:nvGrpSpPr>
+      <p:grpSpPr>
+        <a:xfrm>
+          <a:off x="0" y="0"/>
+          <a:ext cx="0" cy="0"/>
+          <a:chOff x="0" y="0"/>
+          <a:chExt cx="0" cy="0"/>
+        </a:xfrm>
+      </p:grpSpPr>
+      <p:sp>
+        <p:nvSpPr>
+          <p:cNvPr id="2" name="Title 1">
+            <a:extLst>
+              <a:ext uri="{FF2B5EF4-FFF2-40B4-BE49-F238E27FC236}">
+                <a16:creationId xmlns:a16="http://schemas.microsoft.com/office/drawing/2014/main" id="{F1878932-F334-4343-879E-025937C72258}"/>
+              </a:ext>
+            </a:extLst>
+          </p:cNvPr>
+          <p:cNvSpPr>
+            <a:spLocks noGrp="1"/>
+          </p:cNvSpPr>
+          <p:nvPr>
+            <p:ph type="title"/>
+          </p:nvPr>
+        </p:nvSpPr>
+        <p:spPr/>
+        <p:txBody>
+          <a:bodyPr/>
+          <a:lstStyle/>
+          <a:p>
+            <a:r>
+              <a:rPr lang="en-US"/>
+              <a:t>Lab5HelpFile2</a:t>
+            </a:r>
+          </a:p>
+        </p:txBody>
+      </p:sp>
+      <p:pic>
+        <p:nvPicPr>
+          <p:cNvPr id="6" name="Content Placeholder 5">
+            <a:extLst>
+              <a:ext uri="{FF2B5EF4-FFF2-40B4-BE49-F238E27FC236}">
+                <a16:creationId xmlns:a16="http://schemas.microsoft.com/office/drawing/2014/main" id="{586ADC8F-CCCC-4AAC-9745-8C757FC4DD3E}"/>
+              </a:ext>
+            </a:extLst>
+          </p:cNvPr>
+          <p:cNvPicPr>
+            <a:picLocks noGrp="1" noChangeAspect="1"/>
+          </p:cNvPicPr>
+          <p:nvPr>
+            <p:ph idx="1"/>
+          </p:nvPr>
+        </p:nvPicPr>
+        <p:blipFill rotWithShape="1">
+          <a:blip r:embed="rId2">
+            <a:extLst>
+              <a:ext uri="{28A0092B-C50C-407E-A947-70E740481C1C}">
+                <a14:useLocalDpi xmlns:a14="http://schemas.microsoft.com/office/drawing/2010/main" val="0"/>
+              </a:ext>
+            </a:extLst>
+          </a:blip>
+          <a:srcRect l="12851" t="4622" r="14322"/>
+          <a:stretch/>
+        </p:blipFill>
+        <p:spPr>
+          <a:xfrm>
+            <a:off x="1551008" y="1184677"/>
+            <a:ext cx="7685589" cy="5640614"/>
+          </a:xfrm>
+        </p:spPr>
+      </p:pic>
+      <p:sp>
+        <p:nvSpPr>
+          <p:cNvPr id="4" name="Slide Number Placeholder 3">
+            <a:extLst>
+              <a:ext uri="{FF2B5EF4-FFF2-40B4-BE49-F238E27FC236}">
+                <a16:creationId xmlns:a16="http://schemas.microsoft.com/office/drawing/2014/main" id="{2F03F7D1-E8EB-4423-9986-917DBB4BA608}"/>
+              </a:ext>
+            </a:extLst>
+          </p:cNvPr>
+          <p:cNvSpPr>
+            <a:spLocks noGrp="1"/>
+          </p:cNvSpPr>
+          <p:nvPr>
+            <p:ph type="sldNum" sz="quarter" idx="12"/>
+          </p:nvPr>
+        </p:nvSpPr>
+        <p:spPr/>
+        <p:txBody>
+          <a:bodyPr/>
+          <a:lstStyle/>
+          <a:p>
+            <a:fld id="{E84E2596-301E-4832-9EC0-2653E7A66251}" type="slidenum">
+              <a:rPr lang="en-US" smtClean="0"/>
+              <a:t>20</a:t>
+            </a:fld>
+            <a:endParaRPr lang="en-US"/>
+          </a:p>
+        </p:txBody>
+      </p:sp>
+    </p:spTree>
+    <p:extLst>
+      <p:ext uri="{BB962C8B-B14F-4D97-AF65-F5344CB8AC3E}">
+        <p14:creationId xmlns:p14="http://schemas.microsoft.com/office/powerpoint/2010/main" val="1998395374"/>
+      </p:ext>
+    </p:extLst>
+  </p:cSld>
+  <p:clrMapOvr>
+    <a:masterClrMapping/>
+  </p:clrMapOvr>
+</p:sld>
+</file>
+
+<file path=ppt/slides/slide21.xml><?xml version="1.0" encoding="utf-8"?>
+<p:sld xmlns:a="http://schemas.openxmlformats.org/drawingml/2006/main" xmlns:r="http://schemas.openxmlformats.org/officeDocument/2006/relationships" xmlns:p="http://schemas.openxmlformats.org/presentationml/2006/main">
+  <p:cSld>
+    <p:spTree>
+      <p:nvGrpSpPr>
+        <p:cNvPr id="1" name=""/>
+        <p:cNvGrpSpPr/>
+        <p:nvPr/>
+      </p:nvGrpSpPr>
+      <p:grpSpPr>
+        <a:xfrm>
+          <a:off x="0" y="0"/>
+          <a:ext cx="0" cy="0"/>
+          <a:chOff x="0" y="0"/>
+          <a:chExt cx="0" cy="0"/>
+        </a:xfrm>
+      </p:grpSpPr>
+      <p:sp>
+        <p:nvSpPr>
+          <p:cNvPr id="2" name="Title 1">
+            <a:extLst>
+              <a:ext uri="{FF2B5EF4-FFF2-40B4-BE49-F238E27FC236}">
+                <a16:creationId xmlns:a16="http://schemas.microsoft.com/office/drawing/2014/main" id="{04AD70D3-EDA5-442B-945B-AD3F2A56341D}"/>
+              </a:ext>
+            </a:extLst>
+          </p:cNvPr>
+          <p:cNvSpPr>
+            <a:spLocks noGrp="1"/>
+          </p:cNvSpPr>
+          <p:nvPr>
+            <p:ph type="title"/>
+          </p:nvPr>
+        </p:nvSpPr>
+        <p:spPr/>
+        <p:txBody>
+          <a:bodyPr/>
+          <a:lstStyle/>
+          <a:p>
+            <a:r>
+              <a:rPr lang="en-US"/>
+              <a:t>Lab5HelpFile3</a:t>
+            </a:r>
+          </a:p>
+        </p:txBody>
+      </p:sp>
+      <p:pic>
+        <p:nvPicPr>
+          <p:cNvPr id="6" name="Content Placeholder 5">
+            <a:extLst>
+              <a:ext uri="{FF2B5EF4-FFF2-40B4-BE49-F238E27FC236}">
+                <a16:creationId xmlns:a16="http://schemas.microsoft.com/office/drawing/2014/main" id="{B4EEC4B5-7C11-4EA9-A0D6-DD20DC0AB66E}"/>
+              </a:ext>
+            </a:extLst>
+          </p:cNvPr>
+          <p:cNvPicPr>
+            <a:picLocks noGrp="1" noChangeAspect="1"/>
+          </p:cNvPicPr>
+          <p:nvPr>
+            <p:ph idx="1"/>
+          </p:nvPr>
+        </p:nvPicPr>
+        <p:blipFill rotWithShape="1">
+          <a:blip r:embed="rId2">
+            <a:extLst>
+              <a:ext uri="{28A0092B-C50C-407E-A947-70E740481C1C}">
+                <a14:useLocalDpi xmlns:a14="http://schemas.microsoft.com/office/drawing/2010/main" val="0"/>
+              </a:ext>
+            </a:extLst>
+          </a:blip>
+          <a:srcRect t="7997"/>
+          <a:stretch/>
+        </p:blipFill>
+        <p:spPr>
+          <a:xfrm>
+            <a:off x="4529020" y="0"/>
+            <a:ext cx="6362757" cy="6886989"/>
+          </a:xfrm>
+        </p:spPr>
+      </p:pic>
+      <p:sp>
+        <p:nvSpPr>
+          <p:cNvPr id="4" name="Slide Number Placeholder 3">
+            <a:extLst>
+              <a:ext uri="{FF2B5EF4-FFF2-40B4-BE49-F238E27FC236}">
+                <a16:creationId xmlns:a16="http://schemas.microsoft.com/office/drawing/2014/main" id="{E45D3B6A-1B10-4E83-B02B-76A530D7086B}"/>
+              </a:ext>
+            </a:extLst>
+          </p:cNvPr>
+          <p:cNvSpPr>
+            <a:spLocks noGrp="1"/>
+          </p:cNvSpPr>
+          <p:nvPr>
+            <p:ph type="sldNum" sz="quarter" idx="12"/>
+          </p:nvPr>
+        </p:nvSpPr>
+        <p:spPr/>
+        <p:txBody>
+          <a:bodyPr/>
+          <a:lstStyle/>
+          <a:p>
+            <a:fld id="{E84E2596-301E-4832-9EC0-2653E7A66251}" type="slidenum">
+              <a:rPr lang="en-US" smtClean="0"/>
+              <a:t>21</a:t>
+            </a:fld>
+            <a:endParaRPr lang="en-US"/>
+          </a:p>
+        </p:txBody>
+      </p:sp>
+    </p:spTree>
+    <p:extLst>
+      <p:ext uri="{BB962C8B-B14F-4D97-AF65-F5344CB8AC3E}">
+        <p14:creationId xmlns:p14="http://schemas.microsoft.com/office/powerpoint/2010/main" val="2028188412"/>
+      </p:ext>
+    </p:extLst>
+  </p:cSld>
+  <p:clrMapOvr>
+    <a:masterClrMapping/>
+  </p:clrMapOvr>
+</p:sld>
+</file>
+
+<file path=ppt/slides/slide3.xml><?xml version="1.0" encoding="utf-8"?>
+<p:sld xmlns:a="http://schemas.openxmlformats.org/drawingml/2006/main" xmlns:r="http://schemas.openxmlformats.org/officeDocument/2006/relationships" xmlns:p="http://schemas.openxmlformats.org/presentationml/2006/main">
+  <p:cSld>
+    <p:spTree>
+      <p:nvGrpSpPr>
+        <p:cNvPr id="1" name=""/>
+        <p:cNvGrpSpPr/>
+        <p:nvPr/>
+      </p:nvGrpSpPr>
+      <p:grpSpPr>
+        <a:xfrm>
+          <a:off x="0" y="0"/>
+          <a:ext cx="0" cy="0"/>
+          <a:chOff x="0" y="0"/>
+          <a:chExt cx="0" cy="0"/>
+        </a:xfrm>
+      </p:grpSpPr>
+      <p:sp>
+        <p:nvSpPr>
+          <p:cNvPr id="2" name="Title 1">
+            <a:extLst>
+              <a:ext uri="{FF2B5EF4-FFF2-40B4-BE49-F238E27FC236}">
+                <a16:creationId xmlns:a16="http://schemas.microsoft.com/office/drawing/2014/main" id="{1644FEC2-5F29-0E15-036C-8E63F48393B2}"/>
+              </a:ext>
+            </a:extLst>
+          </p:cNvPr>
+          <p:cNvSpPr>
+            <a:spLocks noGrp="1"/>
+          </p:cNvSpPr>
+          <p:nvPr>
+            <p:ph type="title"/>
+          </p:nvPr>
+        </p:nvSpPr>
+        <p:spPr>
+          <a:xfrm>
+            <a:off x="609600" y="0"/>
+            <a:ext cx="10160000" cy="1143000"/>
+          </a:xfrm>
+        </p:spPr>
+        <p:txBody>
+          <a:bodyPr/>
+          <a:lstStyle/>
+          <a:p>
+            <a:r>
+              <a:rPr lang="en-US"/>
+              <a:t>Lists Programming Assignment</a:t>
+            </a:r>
+          </a:p>
+        </p:txBody>
+      </p:sp>
+      <p:sp>
+        <p:nvSpPr>
+          <p:cNvPr id="3" name="Content Placeholder 2">
+            <a:extLst>
+              <a:ext uri="{FF2B5EF4-FFF2-40B4-BE49-F238E27FC236}">
+                <a16:creationId xmlns:a16="http://schemas.microsoft.com/office/drawing/2014/main" id="{27DEBD2A-10EA-6A1D-6126-AF84297427C4}"/>
+              </a:ext>
+            </a:extLst>
+          </p:cNvPr>
+          <p:cNvSpPr>
+            <a:spLocks noGrp="1"/>
+          </p:cNvSpPr>
+          <p:nvPr>
+            <p:ph idx="1"/>
+          </p:nvPr>
+        </p:nvSpPr>
+        <p:spPr>
+          <a:xfrm>
+            <a:off x="609600" y="1143000"/>
+            <a:ext cx="10160000" cy="5334000"/>
+          </a:xfrm>
+        </p:spPr>
+        <p:txBody>
+          <a:bodyPr/>
+          <a:lstStyle/>
+          <a:p>
+            <a:r>
+              <a:rPr lang="en-US"/>
+              <a:t>Use three separate lists to hold the symbols, names, and values of at least five cryptocurrencies (see the expected output below).</a:t>
+            </a:r>
+          </a:p>
+          <a:p>
+            <a:r>
+              <a:rPr lang="en-US"/>
+              <a:t>Create an empty list to hold the names of the currency purchased. Use a variable to accumulate the total value of the purchase.</a:t>
+            </a:r>
+          </a:p>
+          <a:p>
+            <a:r>
+              <a:rPr lang="en-US"/>
+              <a:t>Display a content of the three lists as a text-based menu. Prompt the user to enter a currency symbol from the list. Display the Name of the currency in a response message to the user that they have purchased one unit of Currency.</a:t>
+            </a:r>
+          </a:p>
+          <a:p>
+            <a:r>
+              <a:rPr lang="en-US"/>
+              <a:t>Add the value of the currency to the accumulator variable.</a:t>
+            </a:r>
+          </a:p>
+          <a:p>
+            <a:r>
+              <a:rPr lang="en-US"/>
+              <a:t>Continue to prompt and input the user's choice until they enter an 'x' to exit.</a:t>
+            </a:r>
+          </a:p>
+          <a:p>
+            <a:r>
+              <a:rPr lang="en-US"/>
+              <a:t>Your program must validate the input; if an invalid symbol is entered, display an error message and redisplay the menu.</a:t>
+            </a:r>
+          </a:p>
+          <a:p>
+            <a:r>
+              <a:rPr lang="en-US"/>
+              <a:t>Sample output on next slide: </a:t>
+            </a:r>
+          </a:p>
+          <a:p>
+            <a:r>
+              <a:rPr lang="en-US"/>
+              <a:t>(currency types and values obtained from www.bankrate.com/investing/types-of-cryptocurrency, feel free to change and customize for your own preferences).</a:t>
+            </a:r>
+          </a:p>
+          <a:p>
+            <a:endParaRPr lang="en-US"/>
+          </a:p>
+        </p:txBody>
+      </p:sp>
+      <p:sp>
+        <p:nvSpPr>
+          <p:cNvPr id="4" name="Slide Number Placeholder 3">
+            <a:extLst>
+              <a:ext uri="{FF2B5EF4-FFF2-40B4-BE49-F238E27FC236}">
+                <a16:creationId xmlns:a16="http://schemas.microsoft.com/office/drawing/2014/main" id="{CB58D023-0AC5-62AC-E6F2-2C9D835905C4}"/>
+              </a:ext>
+            </a:extLst>
+          </p:cNvPr>
+          <p:cNvSpPr>
+            <a:spLocks noGrp="1"/>
+          </p:cNvSpPr>
+          <p:nvPr>
+            <p:ph type="sldNum" sz="quarter" idx="12"/>
+          </p:nvPr>
+        </p:nvSpPr>
+        <p:spPr/>
+        <p:txBody>
+          <a:bodyPr/>
+          <a:lstStyle/>
+          <a:p>
+            <a:fld id="{E84E2596-301E-4832-9EC0-2653E7A66251}" type="slidenum">
+              <a:rPr lang="en-US" smtClean="0"/>
+              <a:t>3</a:t>
+            </a:fld>
+            <a:endParaRPr lang="en-US"/>
+          </a:p>
+        </p:txBody>
+      </p:sp>
+    </p:spTree>
+    <p:extLst>
+      <p:ext uri="{BB962C8B-B14F-4D97-AF65-F5344CB8AC3E}">
+        <p14:creationId xmlns:p14="http://schemas.microsoft.com/office/powerpoint/2010/main" val="1591247851"/>
+      </p:ext>
+    </p:extLst>
+  </p:cSld>
+  <p:clrMapOvr>
+    <a:masterClrMapping/>
+  </p:clrMapOvr>
+</p:sld>
+</file>
+
+<file path=ppt/slides/slide4.xml><?xml version="1.0" encoding="utf-8"?>
+<p:sld xmlns:a="http://schemas.openxmlformats.org/drawingml/2006/main" xmlns:r="http://schemas.openxmlformats.org/officeDocument/2006/relationships" xmlns:p="http://schemas.openxmlformats.org/presentationml/2006/main">
+  <p:cSld>
+    <p:spTree>
+      <p:nvGrpSpPr>
+        <p:cNvPr id="1" name=""/>
+        <p:cNvGrpSpPr/>
+        <p:nvPr/>
+      </p:nvGrpSpPr>
+      <p:grpSpPr>
+        <a:xfrm>
+          <a:off x="0" y="0"/>
+          <a:ext cx="0" cy="0"/>
+          <a:chOff x="0" y="0"/>
+          <a:chExt cx="0" cy="0"/>
+        </a:xfrm>
+      </p:grpSpPr>
+      <p:sp>
+        <p:nvSpPr>
+          <p:cNvPr id="4" name="Slide Number Placeholder 3">
+            <a:extLst>
+              <a:ext uri="{FF2B5EF4-FFF2-40B4-BE49-F238E27FC236}">
+                <a16:creationId xmlns:a16="http://schemas.microsoft.com/office/drawing/2014/main" id="{DC92876C-EB60-3D75-A5FB-AF92D4B649DD}"/>
+              </a:ext>
+            </a:extLst>
+          </p:cNvPr>
+          <p:cNvSpPr>
+            <a:spLocks noGrp="1"/>
+          </p:cNvSpPr>
+          <p:nvPr>
+            <p:ph type="sldNum" sz="quarter" idx="12"/>
+          </p:nvPr>
+        </p:nvSpPr>
+        <p:spPr/>
+        <p:txBody>
+          <a:bodyPr/>
+          <a:lstStyle/>
+          <a:p>
+            <a:fld id="{E84E2596-301E-4832-9EC0-2653E7A66251}" type="slidenum">
+              <a:rPr lang="en-US" smtClean="0"/>
+              <a:t>4</a:t>
+            </a:fld>
+            <a:endParaRPr lang="en-US"/>
+          </a:p>
+        </p:txBody>
+      </p:sp>
+      <p:sp>
+        <p:nvSpPr>
+          <p:cNvPr id="7" name="Content Placeholder 6">
+            <a:extLst>
+              <a:ext uri="{FF2B5EF4-FFF2-40B4-BE49-F238E27FC236}">
+                <a16:creationId xmlns:a16="http://schemas.microsoft.com/office/drawing/2014/main" id="{A7947DE9-2E82-2437-093A-653AB06ADAA9}"/>
+              </a:ext>
+            </a:extLst>
+          </p:cNvPr>
+          <p:cNvSpPr>
+            <a:spLocks noGrp="1"/>
+          </p:cNvSpPr>
+          <p:nvPr>
+            <p:ph idx="1"/>
+          </p:nvPr>
+        </p:nvSpPr>
+        <p:spPr>
+          <a:xfrm>
+            <a:off x="609600" y="121024"/>
+            <a:ext cx="10160000" cy="6355976"/>
+          </a:xfrm>
+        </p:spPr>
+        <p:txBody>
+          <a:bodyPr>
+            <a:normAutofit lnSpcReduction="10000"/>
+          </a:bodyPr>
+          <a:lstStyle/>
+          <a:p>
+            <a:r>
+              <a:rPr lang="en-US"/>
+              <a:t>Currently Available Currencies</a:t>
+            </a:r>
+            <a:br>
+              <a:rPr lang="en-US"/>
+            </a:br>
+            <a:br>
+              <a:rPr lang="en-US"/>
+            </a:br>
+            <a:r>
+              <a:rPr lang="en-US" sz="1800">
+                <a:latin typeface="Consolas" panose="020B0609020204030204" pitchFamily="49" charset="0"/>
+              </a:rPr>
+              <a:t>Symbol        Name                 Value</a:t>
+            </a:r>
+            <a:br>
+              <a:rPr lang="en-US" sz="1800"/>
+            </a:br>
+            <a:r>
+              <a:rPr lang="en-US" sz="1800">
+                <a:latin typeface="Consolas" panose="020B0609020204030204" pitchFamily="49" charset="0"/>
+              </a:rPr>
+              <a:t>BTC           Bitcoin           $44340.0</a:t>
+            </a:r>
+            <a:br>
+              <a:rPr lang="en-US" sz="1800">
+                <a:latin typeface="Consolas" panose="020B0609020204030204" pitchFamily="49" charset="0"/>
+              </a:rPr>
+            </a:br>
+            <a:r>
+              <a:rPr lang="en-US" sz="1800">
+                <a:latin typeface="Consolas" panose="020B0609020204030204" pitchFamily="49" charset="0"/>
+              </a:rPr>
+              <a:t>ETH           Ethereum           $3224.0</a:t>
+            </a:r>
+            <a:br>
+              <a:rPr lang="en-US" sz="1800">
+                <a:latin typeface="Consolas" panose="020B0609020204030204" pitchFamily="49" charset="0"/>
+              </a:rPr>
+            </a:br>
+            <a:r>
+              <a:rPr lang="en-US" sz="1800">
+                <a:latin typeface="Consolas" panose="020B0609020204030204" pitchFamily="49" charset="0"/>
+              </a:rPr>
+              <a:t>USDT          Tether                $1.0</a:t>
+            </a:r>
+            <a:br>
+              <a:rPr lang="en-US" sz="1800">
+                <a:latin typeface="Consolas" panose="020B0609020204030204" pitchFamily="49" charset="0"/>
+              </a:rPr>
+            </a:br>
+            <a:r>
+              <a:rPr lang="en-US" sz="1800">
+                <a:latin typeface="Consolas" panose="020B0609020204030204" pitchFamily="49" charset="0"/>
+              </a:rPr>
+              <a:t>BNB           Binance Coin       $424.51</a:t>
+            </a:r>
+            <a:br>
+              <a:rPr lang="en-US" sz="1800">
+                <a:latin typeface="Consolas" panose="020B0609020204030204" pitchFamily="49" charset="0"/>
+              </a:rPr>
+            </a:br>
+            <a:r>
+              <a:rPr lang="en-US" sz="1800">
+                <a:latin typeface="Consolas" panose="020B0609020204030204" pitchFamily="49" charset="0"/>
+              </a:rPr>
+              <a:t>USDC          USD Coin              $1.0</a:t>
+            </a:r>
+            <a:br>
+              <a:rPr lang="en-US" sz="1800">
+                <a:latin typeface="Consolas" panose="020B0609020204030204" pitchFamily="49" charset="0"/>
+              </a:rPr>
+            </a:br>
+            <a:r>
+              <a:rPr lang="en-US" sz="1800">
+                <a:latin typeface="Consolas" panose="020B0609020204030204" pitchFamily="49" charset="0"/>
+              </a:rPr>
+              <a:t>ADA           Cardano               $1.2</a:t>
+            </a:r>
+            <a:br>
+              <a:rPr lang="en-US" sz="1800">
+                <a:latin typeface="Consolas" panose="020B0609020204030204" pitchFamily="49" charset="0"/>
+              </a:rPr>
+            </a:br>
+            <a:r>
+              <a:rPr lang="en-US" sz="1800">
+                <a:latin typeface="Consolas" panose="020B0609020204030204" pitchFamily="49" charset="0"/>
+              </a:rPr>
+              <a:t>SOL           Solana             $114.18</a:t>
+            </a:r>
+            <a:br>
+              <a:rPr lang="en-US" sz="1800">
+                <a:latin typeface="Consolas" panose="020B0609020204030204" pitchFamily="49" charset="0"/>
+              </a:rPr>
+            </a:br>
+            <a:r>
+              <a:rPr lang="en-US" sz="1800"/>
+              <a:t>Please enter your choice (symbol), or x to exit: </a:t>
+            </a:r>
+            <a:r>
+              <a:rPr lang="en-US" sz="1800" b="1"/>
+              <a:t>btc</a:t>
+            </a:r>
+            <a:br>
+              <a:rPr lang="en-US" sz="1800"/>
+            </a:br>
+            <a:r>
+              <a:rPr lang="en-US" sz="1800"/>
+              <a:t>You have purchased one unit of Bitcoin</a:t>
+            </a:r>
+            <a:br>
+              <a:rPr lang="en-US" sz="1800"/>
+            </a:br>
+            <a:br>
+              <a:rPr lang="en-US" sz="1800"/>
+            </a:br>
+            <a:r>
+              <a:rPr lang="en-US" sz="1800">
+                <a:latin typeface="Consolas" panose="020B0609020204030204" pitchFamily="49" charset="0"/>
+              </a:rPr>
+              <a:t>BTC           Bitcoin           $44340.0</a:t>
+            </a:r>
+            <a:br>
+              <a:rPr lang="en-US" sz="1800">
+                <a:latin typeface="Consolas" panose="020B0609020204030204" pitchFamily="49" charset="0"/>
+              </a:rPr>
+            </a:br>
+            <a:r>
+              <a:rPr lang="en-US" sz="1800">
+                <a:latin typeface="Consolas" panose="020B0609020204030204" pitchFamily="49" charset="0"/>
+              </a:rPr>
+              <a:t>ETH           Ethereum           $3224.0</a:t>
+            </a:r>
+            <a:br>
+              <a:rPr lang="en-US" sz="1800">
+                <a:latin typeface="Consolas" panose="020B0609020204030204" pitchFamily="49" charset="0"/>
+              </a:rPr>
+            </a:br>
+            <a:r>
+              <a:rPr lang="en-US" sz="1800">
+                <a:latin typeface="Consolas" panose="020B0609020204030204" pitchFamily="49" charset="0"/>
+              </a:rPr>
+              <a:t>USDT          Tether                $1.0</a:t>
+            </a:r>
+            <a:br>
+              <a:rPr lang="en-US" sz="1800">
+                <a:latin typeface="Consolas" panose="020B0609020204030204" pitchFamily="49" charset="0"/>
+              </a:rPr>
+            </a:br>
+            <a:r>
+              <a:rPr lang="en-US" sz="1800">
+                <a:latin typeface="Consolas" panose="020B0609020204030204" pitchFamily="49" charset="0"/>
+              </a:rPr>
+              <a:t>BNB           Binance Coin       $424.51</a:t>
+            </a:r>
+            <a:br>
+              <a:rPr lang="en-US" sz="1800">
+                <a:latin typeface="Consolas" panose="020B0609020204030204" pitchFamily="49" charset="0"/>
+              </a:rPr>
+            </a:br>
+            <a:r>
+              <a:rPr lang="en-US" sz="1800">
+                <a:latin typeface="Consolas" panose="020B0609020204030204" pitchFamily="49" charset="0"/>
+              </a:rPr>
+              <a:t>USDC          USD Coin              $1.0</a:t>
+            </a:r>
+            <a:br>
+              <a:rPr lang="en-US" sz="1800">
+                <a:latin typeface="Consolas" panose="020B0609020204030204" pitchFamily="49" charset="0"/>
+              </a:rPr>
+            </a:br>
+            <a:r>
+              <a:rPr lang="en-US" sz="1800">
+                <a:latin typeface="Consolas" panose="020B0609020204030204" pitchFamily="49" charset="0"/>
+              </a:rPr>
+              <a:t>ADA           Cardano               $1.2</a:t>
+            </a:r>
+            <a:br>
+              <a:rPr lang="en-US" sz="1800">
+                <a:latin typeface="Consolas" panose="020B0609020204030204" pitchFamily="49" charset="0"/>
+              </a:rPr>
+            </a:br>
+            <a:r>
+              <a:rPr lang="en-US" sz="1800">
+                <a:latin typeface="Consolas" panose="020B0609020204030204" pitchFamily="49" charset="0"/>
+              </a:rPr>
+              <a:t>SOL           Solana             $114.18</a:t>
+            </a:r>
+            <a:br>
+              <a:rPr lang="en-US" sz="1800">
+                <a:latin typeface="Consolas" panose="020B0609020204030204" pitchFamily="49" charset="0"/>
+              </a:rPr>
+            </a:br>
+            <a:r>
+              <a:rPr lang="en-US" sz="1800"/>
+              <a:t>Please enter your choice (symbol), or x to exit: </a:t>
+            </a:r>
+            <a:r>
+              <a:rPr lang="en-US" sz="1800" b="1"/>
+              <a:t>sol</a:t>
+            </a:r>
+            <a:br>
+              <a:rPr lang="en-US" sz="1800"/>
+            </a:br>
+            <a:r>
+              <a:rPr lang="en-US" sz="1800"/>
+              <a:t>You have purchased one unit of Solana</a:t>
+            </a:r>
+            <a:br>
+              <a:rPr lang="en-US" sz="1800"/>
+            </a:br>
+            <a:br>
+              <a:rPr lang="en-US" sz="1800"/>
+            </a:br>
+            <a:endParaRPr lang="en-US" sz="1800"/>
+          </a:p>
+        </p:txBody>
+      </p:sp>
+    </p:spTree>
+    <p:extLst>
+      <p:ext uri="{BB962C8B-B14F-4D97-AF65-F5344CB8AC3E}">
+        <p14:creationId xmlns:p14="http://schemas.microsoft.com/office/powerpoint/2010/main" val="999040617"/>
+      </p:ext>
+    </p:extLst>
+  </p:cSld>
+  <p:clrMapOvr>
+    <a:masterClrMapping/>
+  </p:clrMapOvr>
+</p:sld>
+</file>
+
+<file path=ppt/slides/slide5.xml><?xml version="1.0" encoding="utf-8"?>
+<p:sld xmlns:a="http://schemas.openxmlformats.org/drawingml/2006/main" xmlns:r="http://schemas.openxmlformats.org/officeDocument/2006/relationships" xmlns:p="http://schemas.openxmlformats.org/presentationml/2006/main">
+  <p:cSld>
+    <p:spTree>
+      <p:nvGrpSpPr>
+        <p:cNvPr id="1" name=""/>
+        <p:cNvGrpSpPr/>
+        <p:nvPr/>
+      </p:nvGrpSpPr>
+      <p:grpSpPr>
+        <a:xfrm>
+          <a:off x="0" y="0"/>
+          <a:ext cx="0" cy="0"/>
+          <a:chOff x="0" y="0"/>
+          <a:chExt cx="0" cy="0"/>
+        </a:xfrm>
+      </p:grpSpPr>
+      <p:sp>
+        <p:nvSpPr>
+          <p:cNvPr id="4" name="Slide Number Placeholder 3">
+            <a:extLst>
+              <a:ext uri="{FF2B5EF4-FFF2-40B4-BE49-F238E27FC236}">
+                <a16:creationId xmlns:a16="http://schemas.microsoft.com/office/drawing/2014/main" id="{DC92876C-EB60-3D75-A5FB-AF92D4B649DD}"/>
+              </a:ext>
+            </a:extLst>
+          </p:cNvPr>
+          <p:cNvSpPr>
+            <a:spLocks noGrp="1"/>
+          </p:cNvSpPr>
+          <p:nvPr>
+            <p:ph type="sldNum" sz="quarter" idx="12"/>
+          </p:nvPr>
+        </p:nvSpPr>
+        <p:spPr/>
+        <p:txBody>
+          <a:bodyPr/>
+          <a:lstStyle/>
+          <a:p>
+            <a:fld id="{E84E2596-301E-4832-9EC0-2653E7A66251}" type="slidenum">
+              <a:rPr lang="en-US" smtClean="0"/>
+              <a:t>5</a:t>
+            </a:fld>
+            <a:endParaRPr lang="en-US"/>
+          </a:p>
+        </p:txBody>
+      </p:sp>
+      <p:sp>
+        <p:nvSpPr>
+          <p:cNvPr id="7" name="Content Placeholder 6">
+            <a:extLst>
+              <a:ext uri="{FF2B5EF4-FFF2-40B4-BE49-F238E27FC236}">
+                <a16:creationId xmlns:a16="http://schemas.microsoft.com/office/drawing/2014/main" id="{A7947DE9-2E82-2437-093A-653AB06ADAA9}"/>
+              </a:ext>
+            </a:extLst>
+          </p:cNvPr>
+          <p:cNvSpPr>
+            <a:spLocks noGrp="1"/>
+          </p:cNvSpPr>
+          <p:nvPr>
+            <p:ph idx="1"/>
+          </p:nvPr>
+        </p:nvSpPr>
+        <p:spPr>
+          <a:xfrm>
+            <a:off x="609600" y="121024"/>
+            <a:ext cx="10160000" cy="6355976"/>
+          </a:xfrm>
+        </p:spPr>
+        <p:txBody>
+          <a:bodyPr/>
+          <a:lstStyle/>
+          <a:p>
+            <a:r>
+              <a:rPr lang="en-US" sz="1800">
+                <a:latin typeface="Consolas" panose="020B0609020204030204" pitchFamily="49" charset="0"/>
+              </a:rPr>
+              <a:t>BTC           Bitcoin           $44340.0</a:t>
+            </a:r>
+            <a:br>
+              <a:rPr lang="en-US" sz="1800">
+                <a:latin typeface="Consolas" panose="020B0609020204030204" pitchFamily="49" charset="0"/>
+              </a:rPr>
+            </a:br>
+            <a:r>
+              <a:rPr lang="en-US" sz="1800">
+                <a:latin typeface="Consolas" panose="020B0609020204030204" pitchFamily="49" charset="0"/>
+              </a:rPr>
+              <a:t>ETH           Ethereum           $3224.0</a:t>
+            </a:r>
+            <a:br>
+              <a:rPr lang="en-US" sz="1800">
+                <a:latin typeface="Consolas" panose="020B0609020204030204" pitchFamily="49" charset="0"/>
+              </a:rPr>
+            </a:br>
+            <a:r>
+              <a:rPr lang="en-US" sz="1800">
+                <a:latin typeface="Consolas" panose="020B0609020204030204" pitchFamily="49" charset="0"/>
+              </a:rPr>
+              <a:t>USDT          Tether                $1.0</a:t>
+            </a:r>
+            <a:br>
+              <a:rPr lang="en-US" sz="1800">
+                <a:latin typeface="Consolas" panose="020B0609020204030204" pitchFamily="49" charset="0"/>
+              </a:rPr>
+            </a:br>
+            <a:r>
+              <a:rPr lang="en-US" sz="1800">
+                <a:latin typeface="Consolas" panose="020B0609020204030204" pitchFamily="49" charset="0"/>
+              </a:rPr>
+              <a:t>BNB           Binance Coin       $424.51</a:t>
+            </a:r>
+            <a:br>
+              <a:rPr lang="en-US" sz="1800">
+                <a:latin typeface="Consolas" panose="020B0609020204030204" pitchFamily="49" charset="0"/>
+              </a:rPr>
+            </a:br>
+            <a:r>
+              <a:rPr lang="en-US" sz="1800">
+                <a:latin typeface="Consolas" panose="020B0609020204030204" pitchFamily="49" charset="0"/>
+              </a:rPr>
+              <a:t>USDC          USD Coin              $1.0</a:t>
+            </a:r>
+            <a:br>
+              <a:rPr lang="en-US" sz="1800">
+                <a:latin typeface="Consolas" panose="020B0609020204030204" pitchFamily="49" charset="0"/>
+              </a:rPr>
+            </a:br>
+            <a:r>
+              <a:rPr lang="en-US" sz="1800">
+                <a:latin typeface="Consolas" panose="020B0609020204030204" pitchFamily="49" charset="0"/>
+              </a:rPr>
+              <a:t>ADA           Cardano               $1.2</a:t>
+            </a:r>
+            <a:br>
+              <a:rPr lang="en-US" sz="1800">
+                <a:latin typeface="Consolas" panose="020B0609020204030204" pitchFamily="49" charset="0"/>
+              </a:rPr>
+            </a:br>
+            <a:r>
+              <a:rPr lang="en-US" sz="1800">
+                <a:latin typeface="Consolas" panose="020B0609020204030204" pitchFamily="49" charset="0"/>
+              </a:rPr>
+              <a:t>SOL           Solana             $114.18</a:t>
+            </a:r>
+            <a:br>
+              <a:rPr lang="en-US" sz="1800">
+                <a:latin typeface="Consolas" panose="020B0609020204030204" pitchFamily="49" charset="0"/>
+              </a:rPr>
+            </a:br>
+            <a:r>
+              <a:rPr lang="en-US" sz="1800"/>
+              <a:t>Please enter your choice (symbol), or x to exit: </a:t>
+            </a:r>
+            <a:r>
+              <a:rPr lang="en-US" sz="1800" b="1"/>
+              <a:t>sdl</a:t>
+            </a:r>
+            <a:br>
+              <a:rPr lang="en-US" sz="1800"/>
+            </a:br>
+            <a:r>
+              <a:rPr lang="en-US" sz="1800"/>
+              <a:t>Sorry, that is not a valid symbol</a:t>
+            </a:r>
+            <a:br>
+              <a:rPr lang="en-US" sz="1800"/>
+            </a:br>
+            <a:br>
+              <a:rPr lang="en-US" sz="1800"/>
+            </a:br>
+            <a:r>
+              <a:rPr lang="en-US" sz="1800">
+                <a:latin typeface="Consolas" panose="020B0609020204030204" pitchFamily="49" charset="0"/>
+              </a:rPr>
+              <a:t>BTC           Bitcoin           $44340.0</a:t>
+            </a:r>
+            <a:br>
+              <a:rPr lang="en-US" sz="1800">
+                <a:latin typeface="Consolas" panose="020B0609020204030204" pitchFamily="49" charset="0"/>
+              </a:rPr>
+            </a:br>
+            <a:r>
+              <a:rPr lang="en-US" sz="1800">
+                <a:latin typeface="Consolas" panose="020B0609020204030204" pitchFamily="49" charset="0"/>
+              </a:rPr>
+              <a:t>ETH           Ethereum           $3224.0</a:t>
+            </a:r>
+            <a:br>
+              <a:rPr lang="en-US" sz="1800">
+                <a:latin typeface="Consolas" panose="020B0609020204030204" pitchFamily="49" charset="0"/>
+              </a:rPr>
+            </a:br>
+            <a:r>
+              <a:rPr lang="en-US" sz="1800">
+                <a:latin typeface="Consolas" panose="020B0609020204030204" pitchFamily="49" charset="0"/>
+              </a:rPr>
+              <a:t>USDT          Tether                $1.0</a:t>
+            </a:r>
+            <a:br>
+              <a:rPr lang="en-US" sz="1800">
+                <a:latin typeface="Consolas" panose="020B0609020204030204" pitchFamily="49" charset="0"/>
+              </a:rPr>
+            </a:br>
+            <a:r>
+              <a:rPr lang="en-US" sz="1800">
+                <a:latin typeface="Consolas" panose="020B0609020204030204" pitchFamily="49" charset="0"/>
+              </a:rPr>
+              <a:t>BNB           Binance Coin       $424.51</a:t>
+            </a:r>
+            <a:br>
+              <a:rPr lang="en-US" sz="1800">
+                <a:latin typeface="Consolas" panose="020B0609020204030204" pitchFamily="49" charset="0"/>
+              </a:rPr>
+            </a:br>
+            <a:r>
+              <a:rPr lang="en-US" sz="1800">
+                <a:latin typeface="Consolas" panose="020B0609020204030204" pitchFamily="49" charset="0"/>
+              </a:rPr>
+              <a:t>USDC          USD Coin              $1.0</a:t>
+            </a:r>
+            <a:br>
+              <a:rPr lang="en-US" sz="1800">
+                <a:latin typeface="Consolas" panose="020B0609020204030204" pitchFamily="49" charset="0"/>
+              </a:rPr>
+            </a:br>
+            <a:r>
+              <a:rPr lang="en-US" sz="1800">
+                <a:latin typeface="Consolas" panose="020B0609020204030204" pitchFamily="49" charset="0"/>
+              </a:rPr>
+              <a:t>ADA           Cardano               $1.2</a:t>
+            </a:r>
+            <a:br>
+              <a:rPr lang="en-US" sz="1800">
+                <a:latin typeface="Consolas" panose="020B0609020204030204" pitchFamily="49" charset="0"/>
+              </a:rPr>
+            </a:br>
+            <a:r>
+              <a:rPr lang="en-US" sz="1800">
+                <a:latin typeface="Consolas" panose="020B0609020204030204" pitchFamily="49" charset="0"/>
+              </a:rPr>
+              <a:t>SOL           Solana             $114.18</a:t>
+            </a:r>
+            <a:br>
+              <a:rPr lang="en-US" sz="1800">
+                <a:latin typeface="Consolas" panose="020B0609020204030204" pitchFamily="49" charset="0"/>
+              </a:rPr>
+            </a:br>
+            <a:r>
+              <a:rPr lang="en-US" sz="1800"/>
+              <a:t>Please enter your choice (symbol), or x to exit: </a:t>
+            </a:r>
+            <a:r>
+              <a:rPr lang="en-US" sz="1800" b="1"/>
+              <a:t>x</a:t>
+            </a:r>
+            <a:br>
+              <a:rPr lang="en-US" sz="1800"/>
+            </a:br>
+            <a:br>
+              <a:rPr lang="en-US" sz="1800"/>
+            </a:br>
+            <a:r>
+              <a:rPr lang="en-US" sz="1800"/>
+              <a:t>Here are your purchased coins:</a:t>
+            </a:r>
+            <a:br>
+              <a:rPr lang="en-US" sz="1800"/>
+            </a:br>
+            <a:r>
+              <a:rPr lang="en-US" sz="1800"/>
+              <a:t>['Bitcoin', 'Solana']</a:t>
+            </a:r>
+            <a:br>
+              <a:rPr lang="en-US" sz="1800"/>
+            </a:br>
+            <a:r>
+              <a:rPr lang="en-US" sz="1800"/>
+              <a:t>The total value of your purchases is $44454.18</a:t>
+            </a:r>
+          </a:p>
+        </p:txBody>
+      </p:sp>
+    </p:spTree>
+    <p:extLst>
+      <p:ext uri="{BB962C8B-B14F-4D97-AF65-F5344CB8AC3E}">
+        <p14:creationId xmlns:p14="http://schemas.microsoft.com/office/powerpoint/2010/main" val="2130004649"/>
+      </p:ext>
+    </p:extLst>
+  </p:cSld>
+  <p:clrMapOvr>
+    <a:masterClrMapping/>
+  </p:clrMapOvr>
+</p:sld>
+</file>
+
+<file path=ppt/slides/slide6.xml><?xml version="1.0" encoding="utf-8"?>
+<p:sld xmlns:a="http://schemas.openxmlformats.org/drawingml/2006/main" xmlns:r="http://schemas.openxmlformats.org/officeDocument/2006/relationships" xmlns:p="http://schemas.openxmlformats.org/presentationml/2006/main">
+  <p:cSld>
+    <p:spTree>
+      <p:nvGrpSpPr>
+        <p:cNvPr id="1" name=""/>
+        <p:cNvGrpSpPr/>
+        <p:nvPr/>
+      </p:nvGrpSpPr>
+      <p:grpSpPr>
+        <a:xfrm>
+          <a:off x="0" y="0"/>
+          <a:ext cx="0" cy="0"/>
+          <a:chOff x="0" y="0"/>
+          <a:chExt cx="0" cy="0"/>
+        </a:xfrm>
+      </p:grpSpPr>
+      <p:sp>
+        <p:nvSpPr>
+          <p:cNvPr id="2" name="Slide Number Placeholder 1">
+            <a:extLst>
+              <a:ext uri="{FF2B5EF4-FFF2-40B4-BE49-F238E27FC236}">
+                <a16:creationId xmlns:a16="http://schemas.microsoft.com/office/drawing/2014/main" id="{06B7449C-A548-63DC-B27B-ED00CF8A2B4B}"/>
+              </a:ext>
+            </a:extLst>
+          </p:cNvPr>
+          <p:cNvSpPr>
+            <a:spLocks noGrp="1"/>
+          </p:cNvSpPr>
+          <p:nvPr>
+            <p:ph type="sldNum" sz="quarter" idx="12"/>
+          </p:nvPr>
+        </p:nvSpPr>
+        <p:spPr/>
+        <p:txBody>
+          <a:bodyPr/>
+          <a:lstStyle/>
+          <a:p>
+            <a:fld id="{E84E2596-301E-4832-9EC0-2653E7A66251}" type="slidenum">
+              <a:rPr lang="en-US" smtClean="0"/>
+              <a:t>6</a:t>
+            </a:fld>
+            <a:endParaRPr lang="en-US"/>
+          </a:p>
+        </p:txBody>
+      </p:sp>
+      <p:sp>
+        <p:nvSpPr>
+          <p:cNvPr id="4" name="TextBox 3">
+            <a:extLst>
+              <a:ext uri="{FF2B5EF4-FFF2-40B4-BE49-F238E27FC236}">
+                <a16:creationId xmlns:a16="http://schemas.microsoft.com/office/drawing/2014/main" id="{B227EF38-7D33-73A7-707F-3124CBDEC291}"/>
+              </a:ext>
+            </a:extLst>
+          </p:cNvPr>
+          <p:cNvSpPr txBox="1"/>
+          <p:nvPr/>
+        </p:nvSpPr>
+        <p:spPr>
+          <a:xfrm>
+            <a:off x="801064" y="231354"/>
+            <a:ext cx="9714536" cy="6333565"/>
+          </a:xfrm>
+          <a:prstGeom prst="rect">
+            <a:avLst/>
+          </a:prstGeom>
+          <a:noFill/>
+        </p:spPr>
+        <p:txBody>
+          <a:bodyPr wrap="square">
+            <a:spAutoFit/>
+          </a:bodyPr>
+          <a:lstStyle/>
+          <a:p>
+            <a:r>
+              <a:rPr lang="en-US"/>
+              <a:t>#!/usr/bin/env python3</a:t>
+            </a:r>
+          </a:p>
+          <a:p>
+            <a:r>
+              <a:rPr lang="en-US"/>
+              <a:t># cryptos.py</a:t>
+            </a:r>
+            <a:br>
+              <a:rPr lang="en-US"/>
+            </a:br>
+            <a:r>
+              <a:rPr lang="en-US"/>
+              <a:t># 6/20/22</a:t>
+            </a:r>
+            <a:br>
+              <a:rPr lang="en-US"/>
+            </a:br>
+            <a:r>
+              <a:rPr lang="en-US"/>
+              <a:t># menu-driven crypto purchases</a:t>
+            </a:r>
+          </a:p>
+          <a:p>
+            <a:r>
+              <a:rPr lang="en-US"/>
+              <a:t># prompt constants</a:t>
+            </a:r>
+            <a:br>
+              <a:rPr lang="en-US"/>
+            </a:br>
+            <a:r>
+              <a:rPr lang="en-US"/>
+              <a:t>PROMPT = "Please enter your choice (symbol), or x to exit: "</a:t>
+            </a:r>
+            <a:br>
+              <a:rPr lang="en-US"/>
+            </a:br>
+            <a:r>
+              <a:rPr lang="en-US"/>
+              <a:t>SORRY = "Sorry, that is not a valid symbol"</a:t>
+            </a:r>
+          </a:p>
+          <a:p>
+            <a:r>
+              <a:rPr lang="en-US"/>
+              <a:t># currency lists</a:t>
+            </a:r>
+            <a:br>
+              <a:rPr lang="en-US"/>
+            </a:br>
+            <a:r>
+              <a:rPr lang="en-US"/>
+              <a:t># https://www.bankrate.com/investing/types-of-cryptocurrency/</a:t>
+            </a:r>
+            <a:br>
+              <a:rPr lang="en-US"/>
+            </a:br>
+            <a:r>
+              <a:rPr lang="en-US"/>
+              <a:t>SYMBOLS = ['BTC', 'ETH', 'USDT', 'BNB', 'USDC', 'ADA', 'SOL']</a:t>
+            </a:r>
+            <a:br>
+              <a:rPr lang="en-US"/>
+            </a:br>
+            <a:r>
+              <a:rPr lang="en-US"/>
+              <a:t>NAMES = ['Bitcoin', 'Ethereum', 'Tether', 'Binance Coin', 'USD Coin', 'Cardano', 'Solana']</a:t>
+            </a:r>
+            <a:br>
+              <a:rPr lang="en-US"/>
+            </a:br>
+            <a:r>
+              <a:rPr lang="en-US"/>
+              <a:t>VALUES = [44340, 3224, 1, 424.51, 1, 1.2, 114.18]</a:t>
+            </a:r>
+            <a:br>
+              <a:rPr lang="en-US"/>
+            </a:br>
+            <a:r>
+              <a:rPr lang="en-US"/>
+              <a:t>purchased = []</a:t>
+            </a:r>
+          </a:p>
+          <a:p>
+            <a:r>
+              <a:rPr lang="en-US"/>
+              <a:t># accumulator variable</a:t>
+            </a:r>
+            <a:br>
+              <a:rPr lang="en-US"/>
+            </a:br>
+            <a:r>
+              <a:rPr lang="en-US"/>
+              <a:t>totalValue= 0</a:t>
+            </a:r>
+          </a:p>
+          <a:p>
+            <a:r>
+              <a:rPr lang="en-US"/>
+              <a:t># quitnow flag will be True when the exit option is chosen</a:t>
+            </a:r>
+            <a:br>
+              <a:rPr lang="en-US"/>
+            </a:br>
+            <a:r>
+              <a:rPr lang="en-US"/>
+              <a:t>quitNow = False</a:t>
+            </a:r>
+          </a:p>
+          <a:p>
+            <a:r>
+              <a:rPr lang="en-US"/>
+              <a:t># how many are available</a:t>
+            </a:r>
+            <a:br>
+              <a:rPr lang="en-US"/>
+            </a:br>
+            <a:r>
+              <a:rPr lang="en-US"/>
+              <a:t>numCurrs = len(SYMBOLS)</a:t>
+            </a:r>
+          </a:p>
+          <a:p>
+            <a:br>
+              <a:rPr lang="en-US"/>
+            </a:br>
+            <a:r>
+              <a:rPr lang="en-US"/>
+              <a:t>        </a:t>
+            </a:r>
+            <a:br>
+              <a:rPr lang="en-US"/>
+            </a:br>
+            <a:endParaRPr lang="en-US"/>
+          </a:p>
+        </p:txBody>
+      </p:sp>
+    </p:spTree>
+    <p:extLst>
+      <p:ext uri="{BB962C8B-B14F-4D97-AF65-F5344CB8AC3E}">
+        <p14:creationId xmlns:p14="http://schemas.microsoft.com/office/powerpoint/2010/main" val="1604394661"/>
+      </p:ext>
+    </p:extLst>
+  </p:cSld>
+  <p:clrMapOvr>
+    <a:masterClrMapping/>
+  </p:clrMapOvr>
+</p:sld>
+</file>
+
+<file path=ppt/slides/slide7.xml><?xml version="1.0" encoding="utf-8"?>
+<p:sld xmlns:a="http://schemas.openxmlformats.org/drawingml/2006/main" xmlns:r="http://schemas.openxmlformats.org/officeDocument/2006/relationships" xmlns:p="http://schemas.openxmlformats.org/presentationml/2006/main">
+  <p:cSld>
+    <p:spTree>
+      <p:nvGrpSpPr>
+        <p:cNvPr id="1" name=""/>
+        <p:cNvGrpSpPr/>
+        <p:nvPr/>
+      </p:nvGrpSpPr>
+      <p:grpSpPr>
+        <a:xfrm>
+          <a:off x="0" y="0"/>
+          <a:ext cx="0" cy="0"/>
+          <a:chOff x="0" y="0"/>
+          <a:chExt cx="0" cy="0"/>
+        </a:xfrm>
+      </p:grpSpPr>
+      <p:sp>
+        <p:nvSpPr>
+          <p:cNvPr id="2" name="Slide Number Placeholder 1">
+            <a:extLst>
+              <a:ext uri="{FF2B5EF4-FFF2-40B4-BE49-F238E27FC236}">
+                <a16:creationId xmlns:a16="http://schemas.microsoft.com/office/drawing/2014/main" id="{3D2394A2-F31A-F906-D4FE-5828CF6889AF}"/>
+              </a:ext>
+            </a:extLst>
+          </p:cNvPr>
+          <p:cNvSpPr>
+            <a:spLocks noGrp="1"/>
+          </p:cNvSpPr>
+          <p:nvPr>
+            <p:ph type="sldNum" sz="quarter" idx="12"/>
+          </p:nvPr>
+        </p:nvSpPr>
+        <p:spPr/>
+        <p:txBody>
+          <a:bodyPr/>
+          <a:lstStyle/>
+          <a:p>
+            <a:fld id="{E84E2596-301E-4832-9EC0-2653E7A66251}" type="slidenum">
+              <a:rPr lang="en-US" smtClean="0"/>
+              <a:t>7</a:t>
+            </a:fld>
+            <a:endParaRPr lang="en-US"/>
+          </a:p>
+        </p:txBody>
+      </p:sp>
+      <p:sp>
+        <p:nvSpPr>
+          <p:cNvPr id="4" name="TextBox 3">
+            <a:extLst>
+              <a:ext uri="{FF2B5EF4-FFF2-40B4-BE49-F238E27FC236}">
+                <a16:creationId xmlns:a16="http://schemas.microsoft.com/office/drawing/2014/main" id="{3C1F0C33-A1DB-EAF9-27C5-410E30D3F528}"/>
+              </a:ext>
+            </a:extLst>
+          </p:cNvPr>
+          <p:cNvSpPr txBox="1"/>
+          <p:nvPr/>
+        </p:nvSpPr>
+        <p:spPr>
+          <a:xfrm>
+            <a:off x="749675" y="166483"/>
+            <a:ext cx="8985996" cy="6463308"/>
+          </a:xfrm>
+          <a:prstGeom prst="rect">
+            <a:avLst/>
+          </a:prstGeom>
+          <a:noFill/>
+        </p:spPr>
+        <p:txBody>
+          <a:bodyPr wrap="square">
+            <a:spAutoFit/>
+          </a:bodyPr>
+          <a:lstStyle/>
+          <a:p>
+            <a:r>
+              <a:rPr lang="en-US"/>
+              <a:t>print("Currently Available Currencies\n")</a:t>
+            </a:r>
+          </a:p>
+          <a:p>
+            <a:r>
+              <a:rPr lang="en-US"/>
+              <a:t>while not quitNow:</a:t>
+            </a:r>
+            <a:br>
+              <a:rPr lang="en-US"/>
+            </a:br>
+            <a:r>
+              <a:rPr lang="en-US"/>
+              <a:t>    # show the menu, start with a header</a:t>
+            </a:r>
+            <a:br>
+              <a:rPr lang="en-US"/>
+            </a:br>
+            <a:r>
+              <a:rPr lang="en-US"/>
+              <a:t>    print('{:12}  {:12}  {:&gt;12}'.format('Symbol', 'Name', 'Value'))    </a:t>
+            </a:r>
+            <a:br>
+              <a:rPr lang="en-US"/>
+            </a:br>
+            <a:r>
+              <a:rPr lang="en-US"/>
+              <a:t>    for index in range(0, numCurrs):</a:t>
+            </a:r>
+            <a:br>
+              <a:rPr lang="en-US"/>
+            </a:br>
+            <a:r>
+              <a:rPr lang="en-US"/>
+              <a:t>        menuLine = '{:12}  {:12}  {:&gt;12}'.format(</a:t>
+            </a:r>
+            <a:br>
+              <a:rPr lang="en-US"/>
+            </a:br>
+            <a:r>
+              <a:rPr lang="en-US"/>
+              <a:t>                SYMBOLS[index], NAMES[index], '$' + str(float(VALUES[index])))</a:t>
+            </a:r>
+            <a:br>
+              <a:rPr lang="en-US"/>
+            </a:br>
+            <a:r>
+              <a:rPr lang="en-US"/>
+              <a:t>        print(menuLine) # get the choice, if exiting set the quitNow flag</a:t>
+            </a:r>
+            <a:br>
+              <a:rPr lang="en-US"/>
+            </a:br>
+            <a:r>
+              <a:rPr lang="en-US"/>
+              <a:t>    choice = input(PROMPT).upper()</a:t>
+            </a:r>
+            <a:br>
+              <a:rPr lang="en-US"/>
+            </a:br>
+            <a:r>
+              <a:rPr lang="en-US"/>
+              <a:t>    if (choice == 'X'):</a:t>
+            </a:r>
+            <a:br>
+              <a:rPr lang="en-US"/>
+            </a:br>
+            <a:r>
+              <a:rPr lang="en-US"/>
+              <a:t>        quitNow = True</a:t>
+            </a:r>
+            <a:br>
+              <a:rPr lang="en-US"/>
+            </a:br>
+            <a:r>
+              <a:rPr lang="en-US"/>
+              <a:t>    # check for a valid symbol</a:t>
+            </a:r>
+            <a:br>
+              <a:rPr lang="en-US"/>
+            </a:br>
+            <a:r>
+              <a:rPr lang="en-US"/>
+              <a:t>    elif not choice in SYMBOLS:</a:t>
+            </a:r>
+            <a:br>
+              <a:rPr lang="en-US"/>
+            </a:br>
+            <a:r>
+              <a:rPr lang="en-US"/>
+              <a:t>        print(SORRY)</a:t>
+            </a:r>
+            <a:br>
+              <a:rPr lang="en-US"/>
+            </a:br>
+            <a:r>
+              <a:rPr lang="en-US"/>
+              <a:t>    # got one, add it to the purchased list and accumulator</a:t>
+            </a:r>
+            <a:br>
+              <a:rPr lang="en-US"/>
+            </a:br>
+            <a:r>
+              <a:rPr lang="en-US"/>
+              <a:t>    else:</a:t>
+            </a:r>
+            <a:br>
+              <a:rPr lang="en-US"/>
+            </a:br>
+            <a:r>
+              <a:rPr lang="en-US"/>
+              <a:t>        print("You have purchased one unit of", NAMES[SYMBOLS.index(choice)])</a:t>
+            </a:r>
+            <a:br>
+              <a:rPr lang="en-US"/>
+            </a:br>
+            <a:r>
+              <a:rPr lang="en-US"/>
+              <a:t>        purchased.append(NAMES[SYMBOLS.index(choice)])</a:t>
+            </a:r>
+            <a:br>
+              <a:rPr lang="en-US"/>
+            </a:br>
+            <a:r>
+              <a:rPr lang="en-US"/>
+              <a:t>        totalValue += VALUES[SYMBOLS.index(choice)]</a:t>
+            </a:r>
+            <a:br>
+              <a:rPr lang="en-US"/>
+            </a:br>
+            <a:r>
+              <a:rPr lang="en-US"/>
+              <a:t>        print() # blank line before next menu</a:t>
+            </a:r>
+          </a:p>
+          <a:p>
+            <a:r>
+              <a:rPr lang="en-US"/>
+              <a:t>print("Here are your purchased coins:")</a:t>
+            </a:r>
+            <a:br>
+              <a:rPr lang="en-US"/>
+            </a:br>
+            <a:r>
+              <a:rPr lang="en-US"/>
+              <a:t>print(purchased)</a:t>
+            </a:r>
+            <a:br>
+              <a:rPr lang="en-US"/>
+            </a:br>
+            <a:r>
+              <a:rPr lang="en-US"/>
+              <a:t>print("The total value of your purchases is $", round(totalValue,2), sep="")</a:t>
+            </a:r>
+          </a:p>
+        </p:txBody>
+      </p:sp>
+    </p:spTree>
+    <p:extLst>
+      <p:ext uri="{BB962C8B-B14F-4D97-AF65-F5344CB8AC3E}">
+        <p14:creationId xmlns:p14="http://schemas.microsoft.com/office/powerpoint/2010/main" val="3909731878"/>
+      </p:ext>
+    </p:extLst>
+  </p:cSld>
+  <p:clrMapOvr>
+    <a:masterClrMapping/>
+  </p:clrMapOvr>
+</p:sld>
+</file>
+
+<file path=ppt/slides/slide8.xml><?xml version="1.0" encoding="utf-8"?>
 <p:sld xmlns:a="http://schemas.openxmlformats.org/drawingml/2006/main" xmlns:r="http://schemas.openxmlformats.org/officeDocument/2006/relationships" xmlns:p="http://schemas.openxmlformats.org/presentationml/2006/main">
   <p:cSld>
     <p:spTree>
@@ -4902,7 +9326,7 @@
 </p:sld>
 </file>
 
-<file path=ppt/slides/slide11.xml><?xml version="1.0" encoding="utf-8"?>
+<file path=ppt/slides/slide9.xml><?xml version="1.0" encoding="utf-8"?>
 <p:sld xmlns:a="http://schemas.openxmlformats.org/drawingml/2006/main" xmlns:r="http://schemas.openxmlformats.org/officeDocument/2006/relationships" xmlns:p="http://schemas.openxmlformats.org/presentationml/2006/main">
   <p:cSld>
     <p:spTree>
@@ -5072,7 +9496,7 @@
           <a:p>
             <a:fld id="{E84E2596-301E-4832-9EC0-2653E7A66251}" type="slidenum">
               <a:rPr lang="en-US" smtClean="0"/>
-              <a:t>11</a:t>
+              <a:t>9</a:t>
             </a:fld>
             <a:endParaRPr lang="en-US"/>
           </a:p>
@@ -5082,3794 +9506,6 @@
     <p:extLst>
       <p:ext uri="{BB962C8B-B14F-4D97-AF65-F5344CB8AC3E}">
         <p14:creationId xmlns:p14="http://schemas.microsoft.com/office/powerpoint/2010/main" val="3900628747"/>
-      </p:ext>
-    </p:extLst>
-  </p:cSld>
-  <p:clrMapOvr>
-    <a:masterClrMapping/>
-  </p:clrMapOvr>
-</p:sld>
-</file>
-
-<file path=ppt/slides/slide12.xml><?xml version="1.0" encoding="utf-8"?>
-<p:sld xmlns:a="http://schemas.openxmlformats.org/drawingml/2006/main" xmlns:r="http://schemas.openxmlformats.org/officeDocument/2006/relationships" xmlns:p="http://schemas.openxmlformats.org/presentationml/2006/main">
-  <p:cSld>
-    <p:spTree>
-      <p:nvGrpSpPr>
-        <p:cNvPr id="1" name=""/>
-        <p:cNvGrpSpPr/>
-        <p:nvPr/>
-      </p:nvGrpSpPr>
-      <p:grpSpPr>
-        <a:xfrm>
-          <a:off x="0" y="0"/>
-          <a:ext cx="0" cy="0"/>
-          <a:chOff x="0" y="0"/>
-          <a:chExt cx="0" cy="0"/>
-        </a:xfrm>
-      </p:grpSpPr>
-      <p:sp>
-        <p:nvSpPr>
-          <p:cNvPr id="2" name="Title 1">
-            <a:extLst>
-              <a:ext uri="{FF2B5EF4-FFF2-40B4-BE49-F238E27FC236}">
-                <a16:creationId xmlns:a16="http://schemas.microsoft.com/office/drawing/2014/main" id="{BC46FC50-8240-45AE-EA5D-80965F547FE3}"/>
-              </a:ext>
-            </a:extLst>
-          </p:cNvPr>
-          <p:cNvSpPr>
-            <a:spLocks noGrp="1"/>
-          </p:cNvSpPr>
-          <p:nvPr>
-            <p:ph type="title"/>
-          </p:nvPr>
-        </p:nvSpPr>
-        <p:spPr>
-          <a:xfrm>
-            <a:off x="107576" y="274638"/>
-            <a:ext cx="10662024" cy="1143000"/>
-          </a:xfrm>
-        </p:spPr>
-        <p:txBody>
-          <a:bodyPr/>
-          <a:lstStyle/>
-          <a:p>
-            <a:r>
-              <a:rPr lang="en-US" sz="4000"/>
-              <a:t>Hint:  </a:t>
-            </a:r>
-            <a:r>
-              <a:rPr lang="en-US" sz="4000">
-                <a:solidFill>
-                  <a:srgbClr val="000000"/>
-                </a:solidFill>
-                <a:effectLst/>
-              </a:rPr>
-              <a:t>A code example for validating the IP address</a:t>
-            </a:r>
-            <a:endParaRPr lang="en-US" sz="4000"/>
-          </a:p>
-        </p:txBody>
-      </p:sp>
-      <p:sp>
-        <p:nvSpPr>
-          <p:cNvPr id="3" name="Content Placeholder 2">
-            <a:extLst>
-              <a:ext uri="{FF2B5EF4-FFF2-40B4-BE49-F238E27FC236}">
-                <a16:creationId xmlns:a16="http://schemas.microsoft.com/office/drawing/2014/main" id="{0B32C620-1A4D-E01C-8DFD-F0EE366F4127}"/>
-              </a:ext>
-            </a:extLst>
-          </p:cNvPr>
-          <p:cNvSpPr>
-            <a:spLocks noGrp="1"/>
-          </p:cNvSpPr>
-          <p:nvPr>
-            <p:ph idx="1"/>
-          </p:nvPr>
-        </p:nvSpPr>
-        <p:spPr>
-          <a:xfrm>
-            <a:off x="107576" y="1676400"/>
-            <a:ext cx="11013142" cy="4800600"/>
-          </a:xfrm>
-        </p:spPr>
-        <p:txBody>
-          <a:bodyPr>
-            <a:normAutofit/>
-          </a:bodyPr>
-          <a:lstStyle/>
-          <a:p>
-            <a:pPr marL="114300" indent="0">
-              <a:buNone/>
-            </a:pPr>
-            <a:r>
-              <a:rPr lang="en-US" sz="1800">
-                <a:latin typeface="Consolas" panose="020B0609020204030204" pitchFamily="49" charset="0"/>
-              </a:rPr>
-              <a:t>#validate IP address</a:t>
-            </a:r>
-            <a:br>
-              <a:rPr lang="en-US" sz="1800">
-                <a:latin typeface="Consolas" panose="020B0609020204030204" pitchFamily="49" charset="0"/>
-              </a:rPr>
-            </a:br>
-            <a:r>
-              <a:rPr lang="en-US" sz="1800">
-                <a:latin typeface="Consolas" panose="020B0609020204030204" pitchFamily="49" charset="0"/>
-              </a:rPr>
-              <a:t>while not validIP:</a:t>
-            </a:r>
-            <a:br>
-              <a:rPr lang="en-US" sz="1800">
-                <a:latin typeface="Consolas" panose="020B0609020204030204" pitchFamily="49" charset="0"/>
-              </a:rPr>
-            </a:br>
-            <a:r>
-              <a:rPr lang="en-US" sz="1800">
-                <a:latin typeface="Consolas" panose="020B0609020204030204" pitchFamily="49" charset="0"/>
-              </a:rPr>
-              <a:t>    ipAddress = input("What is the new IP address(111.111.111.111)?")</a:t>
-            </a:r>
-            <a:br>
-              <a:rPr lang="en-US" sz="1800">
-                <a:latin typeface="Consolas" panose="020B0609020204030204" pitchFamily="49" charset="0"/>
-              </a:rPr>
-            </a:br>
-            <a:r>
-              <a:rPr lang="en-US" sz="1800">
-                <a:latin typeface="Consolas" panose="020B0609020204030204" pitchFamily="49" charset="0"/>
-              </a:rPr>
-              <a:t>    octets = ipAddress.split('.')</a:t>
-            </a:r>
-            <a:br>
-              <a:rPr lang="en-US" sz="1800">
-                <a:latin typeface="Consolas" panose="020B0609020204030204" pitchFamily="49" charset="0"/>
-              </a:rPr>
-            </a:br>
-            <a:r>
-              <a:rPr lang="en-US" sz="1800">
-                <a:latin typeface="Consolas" panose="020B0609020204030204" pitchFamily="49" charset="0"/>
-              </a:rPr>
-              <a:t>    for byte in octets:</a:t>
-            </a:r>
-            <a:br>
-              <a:rPr lang="en-US" sz="1800">
-                <a:latin typeface="Consolas" panose="020B0609020204030204" pitchFamily="49" charset="0"/>
-              </a:rPr>
-            </a:br>
-            <a:r>
-              <a:rPr lang="en-US" sz="1800">
-                <a:latin typeface="Consolas" panose="020B0609020204030204" pitchFamily="49" charset="0"/>
-              </a:rPr>
-              <a:t>        byte = int(byte)</a:t>
-            </a:r>
-            <a:br>
-              <a:rPr lang="en-US" sz="1800">
-                <a:latin typeface="Consolas" panose="020B0609020204030204" pitchFamily="49" charset="0"/>
-              </a:rPr>
-            </a:br>
-            <a:r>
-              <a:rPr lang="en-US" sz="1800">
-                <a:latin typeface="Consolas" panose="020B0609020204030204" pitchFamily="49" charset="0"/>
-              </a:rPr>
-              <a:t>        if byte &lt; 0 or byte &gt; 255:</a:t>
-            </a:r>
-            <a:br>
-              <a:rPr lang="en-US" sz="1800">
-                <a:latin typeface="Consolas" panose="020B0609020204030204" pitchFamily="49" charset="0"/>
-              </a:rPr>
-            </a:br>
-            <a:r>
-              <a:rPr lang="en-US" sz="1800">
-                <a:latin typeface="Consolas" panose="020B0609020204030204" pitchFamily="49" charset="0"/>
-              </a:rPr>
-              <a:t>            #</a:t>
-            </a:r>
-            <a:r>
-              <a:rPr lang="en-US" sz="1800" b="1">
-                <a:latin typeface="Consolas" panose="020B0609020204030204" pitchFamily="49" charset="0"/>
-              </a:rPr>
-              <a:t>put your code here</a:t>
-            </a:r>
-            <a:r>
-              <a:rPr lang="en-US" sz="1800">
-                <a:latin typeface="Consolas" panose="020B0609020204030204" pitchFamily="49" charset="0"/>
-              </a:rPr>
-              <a:t> </a:t>
-            </a:r>
-            <a:r>
-              <a:rPr lang="en-US" sz="1600">
-                <a:latin typeface="Consolas" panose="020B0609020204030204" pitchFamily="49" charset="0"/>
-              </a:rPr>
-              <a:t>to add one to the invalid IP counter</a:t>
-            </a:r>
-            <a:br>
-              <a:rPr lang="en-US" sz="1800">
-                <a:latin typeface="Consolas" panose="020B0609020204030204" pitchFamily="49" charset="0"/>
-              </a:rPr>
-            </a:br>
-            <a:r>
-              <a:rPr lang="en-US" sz="1800">
-                <a:latin typeface="Consolas" panose="020B0609020204030204" pitchFamily="49" charset="0"/>
-              </a:rPr>
-              <a:t>            #</a:t>
-            </a:r>
-            <a:r>
-              <a:rPr lang="en-US" sz="1800" b="1">
-                <a:latin typeface="Consolas" panose="020B0609020204030204" pitchFamily="49" charset="0"/>
-              </a:rPr>
-              <a:t>put your code here</a:t>
-            </a:r>
-            <a:r>
-              <a:rPr lang="en-US" sz="1800">
-                <a:latin typeface="Consolas" panose="020B0609020204030204" pitchFamily="49" charset="0"/>
-              </a:rPr>
-              <a:t> </a:t>
-            </a:r>
-            <a:r>
-              <a:rPr lang="en-US" sz="1600">
-                <a:latin typeface="Consolas" panose="020B0609020204030204" pitchFamily="49" charset="0"/>
-              </a:rPr>
-              <a:t>to append the ipAddress to the invalid IP Addresses list</a:t>
-            </a:r>
-            <a:br>
-              <a:rPr lang="en-US" sz="1600">
-                <a:latin typeface="Consolas" panose="020B0609020204030204" pitchFamily="49" charset="0"/>
-              </a:rPr>
-            </a:br>
-            <a:r>
-              <a:rPr lang="en-US" sz="1800">
-                <a:latin typeface="Consolas" panose="020B0609020204030204" pitchFamily="49" charset="0"/>
-              </a:rPr>
-              <a:t>            print("Sorry, that is not a valid IP Address\n")</a:t>
-            </a:r>
-            <a:br>
-              <a:rPr lang="en-US" sz="1800">
-                <a:latin typeface="Consolas" panose="020B0609020204030204" pitchFamily="49" charset="0"/>
-              </a:rPr>
-            </a:br>
-            <a:r>
-              <a:rPr lang="en-US" sz="1800">
-                <a:latin typeface="Consolas" panose="020B0609020204030204" pitchFamily="49" charset="0"/>
-              </a:rPr>
-              <a:t>            break #breaks out of for loop</a:t>
-            </a:r>
-            <a:br>
-              <a:rPr lang="en-US" sz="1800">
-                <a:latin typeface="Consolas" panose="020B0609020204030204" pitchFamily="49" charset="0"/>
-              </a:rPr>
-            </a:br>
-            <a:r>
-              <a:rPr lang="en-US" sz="1800">
-                <a:latin typeface="Consolas" panose="020B0609020204030204" pitchFamily="49" charset="0"/>
-              </a:rPr>
-              <a:t>        else: #executes after for loop is done, meaning no errors found</a:t>
-            </a:r>
-            <a:br>
-              <a:rPr lang="en-US" sz="1800">
-                <a:latin typeface="Consolas" panose="020B0609020204030204" pitchFamily="49" charset="0"/>
-              </a:rPr>
-            </a:br>
-            <a:r>
-              <a:rPr lang="en-US" sz="1800">
-                <a:latin typeface="Consolas" panose="020B0609020204030204" pitchFamily="49" charset="0"/>
-              </a:rPr>
-              <a:t>            validIP = True  </a:t>
-            </a:r>
-          </a:p>
-        </p:txBody>
-      </p:sp>
-      <p:sp>
-        <p:nvSpPr>
-          <p:cNvPr id="4" name="Slide Number Placeholder 3">
-            <a:extLst>
-              <a:ext uri="{FF2B5EF4-FFF2-40B4-BE49-F238E27FC236}">
-                <a16:creationId xmlns:a16="http://schemas.microsoft.com/office/drawing/2014/main" id="{2B5337EE-B66D-6168-8EC8-AF678E9F76AE}"/>
-              </a:ext>
-            </a:extLst>
-          </p:cNvPr>
-          <p:cNvSpPr>
-            <a:spLocks noGrp="1"/>
-          </p:cNvSpPr>
-          <p:nvPr>
-            <p:ph type="sldNum" sz="quarter" idx="12"/>
-          </p:nvPr>
-        </p:nvSpPr>
-        <p:spPr/>
-        <p:txBody>
-          <a:bodyPr/>
-          <a:lstStyle/>
-          <a:p>
-            <a:fld id="{E84E2596-301E-4832-9EC0-2653E7A66251}" type="slidenum">
-              <a:rPr lang="en-US" smtClean="0"/>
-              <a:t>12</a:t>
-            </a:fld>
-            <a:endParaRPr lang="en-US"/>
-          </a:p>
-        </p:txBody>
-      </p:sp>
-    </p:spTree>
-    <p:extLst>
-      <p:ext uri="{BB962C8B-B14F-4D97-AF65-F5344CB8AC3E}">
-        <p14:creationId xmlns:p14="http://schemas.microsoft.com/office/powerpoint/2010/main" val="1873161947"/>
-      </p:ext>
-    </p:extLst>
-  </p:cSld>
-  <p:clrMapOvr>
-    <a:masterClrMapping/>
-  </p:clrMapOvr>
-</p:sld>
-</file>
-
-<file path=ppt/slides/slide13.xml><?xml version="1.0" encoding="utf-8"?>
-<p:sld xmlns:a="http://schemas.openxmlformats.org/drawingml/2006/main" xmlns:r="http://schemas.openxmlformats.org/officeDocument/2006/relationships" xmlns:p="http://schemas.openxmlformats.org/presentationml/2006/main">
-  <p:cSld>
-    <p:spTree>
-      <p:nvGrpSpPr>
-        <p:cNvPr id="1" name=""/>
-        <p:cNvGrpSpPr/>
-        <p:nvPr/>
-      </p:nvGrpSpPr>
-      <p:grpSpPr>
-        <a:xfrm>
-          <a:off x="0" y="0"/>
-          <a:ext cx="0" cy="0"/>
-          <a:chOff x="0" y="0"/>
-          <a:chExt cx="0" cy="0"/>
-        </a:xfrm>
-      </p:grpSpPr>
-      <p:sp>
-        <p:nvSpPr>
-          <p:cNvPr id="2" name="Title 1">
-            <a:extLst>
-              <a:ext uri="{FF2B5EF4-FFF2-40B4-BE49-F238E27FC236}">
-                <a16:creationId xmlns:a16="http://schemas.microsoft.com/office/drawing/2014/main" id="{056D961F-FD94-8634-497D-7BDAA160C494}"/>
-              </a:ext>
-            </a:extLst>
-          </p:cNvPr>
-          <p:cNvSpPr>
-            <a:spLocks noGrp="1"/>
-          </p:cNvSpPr>
-          <p:nvPr>
-            <p:ph type="title"/>
-          </p:nvPr>
-        </p:nvSpPr>
-        <p:spPr>
-          <a:xfrm>
-            <a:off x="609600" y="142558"/>
-            <a:ext cx="10160000" cy="1143000"/>
-          </a:xfrm>
-        </p:spPr>
-        <p:txBody>
-          <a:bodyPr/>
-          <a:lstStyle/>
-          <a:p>
-            <a:r>
-              <a:rPr lang="en-US"/>
-              <a:t>Programming Assignment 4:</a:t>
-            </a:r>
-            <a:br>
-              <a:rPr lang="en-US"/>
-            </a:br>
-            <a:r>
-              <a:rPr lang="en-US"/>
-              <a:t>Expected Output</a:t>
-            </a:r>
-          </a:p>
-        </p:txBody>
-      </p:sp>
-      <p:sp>
-        <p:nvSpPr>
-          <p:cNvPr id="4" name="Slide Number Placeholder 3">
-            <a:extLst>
-              <a:ext uri="{FF2B5EF4-FFF2-40B4-BE49-F238E27FC236}">
-                <a16:creationId xmlns:a16="http://schemas.microsoft.com/office/drawing/2014/main" id="{369796EE-0866-427C-8021-D8A7602B232A}"/>
-              </a:ext>
-            </a:extLst>
-          </p:cNvPr>
-          <p:cNvSpPr>
-            <a:spLocks noGrp="1"/>
-          </p:cNvSpPr>
-          <p:nvPr>
-            <p:ph type="sldNum" sz="quarter" idx="12"/>
-          </p:nvPr>
-        </p:nvSpPr>
-        <p:spPr/>
-        <p:txBody>
-          <a:bodyPr/>
-          <a:lstStyle/>
-          <a:p>
-            <a:fld id="{E84E2596-301E-4832-9EC0-2653E7A66251}" type="slidenum">
-              <a:rPr lang="en-US" smtClean="0"/>
-              <a:t>13</a:t>
-            </a:fld>
-            <a:endParaRPr lang="en-US"/>
-          </a:p>
-        </p:txBody>
-      </p:sp>
-      <p:sp>
-        <p:nvSpPr>
-          <p:cNvPr id="5" name="Rectangle 1">
-            <a:extLst>
-              <a:ext uri="{FF2B5EF4-FFF2-40B4-BE49-F238E27FC236}">
-                <a16:creationId xmlns:a16="http://schemas.microsoft.com/office/drawing/2014/main" id="{59758A1F-00F4-A466-4B10-2CEA6640DC60}"/>
-              </a:ext>
-            </a:extLst>
-          </p:cNvPr>
-          <p:cNvSpPr>
-            <a:spLocks noGrp="1" noChangeArrowheads="1"/>
-          </p:cNvSpPr>
-          <p:nvPr>
-            <p:ph idx="1"/>
-          </p:nvPr>
-        </p:nvSpPr>
-        <p:spPr bwMode="auto">
-          <a:xfrm>
-            <a:off x="1381760" y="1405593"/>
-            <a:ext cx="8798560" cy="5447645"/>
-          </a:xfrm>
-          <a:prstGeom prst="rect">
-            <a:avLst/>
-          </a:prstGeom>
-          <a:noFill/>
-          <a:ln>
-            <a:noFill/>
-          </a:ln>
-          <a:effectLst/>
-          <a:extLst>
-            <a:ext uri="{909E8E84-426E-40DD-AFC4-6F175D3DCCD1}">
-              <a14:hiddenFill xmlns:a14="http://schemas.microsoft.com/office/drawing/2010/main">
-                <a:solidFill>
-                  <a:schemeClr val="accent1"/>
-                </a:solidFill>
-              </a14:hiddenFill>
-            </a:ext>
-            <a:ext uri="{91240B29-F687-4F45-9708-019B960494DF}">
-              <a14:hiddenLine xmlns:a14="http://schemas.microsoft.com/office/drawing/2010/main" w="9525">
-                <a:solidFill>
-                  <a:schemeClr val="tx1"/>
-                </a:solidFill>
-                <a:miter lim="800000"/>
-                <a:headEnd/>
-                <a:tailEnd/>
-              </a14:hiddenLine>
-            </a:ext>
-            <a:ext uri="{AF507438-7753-43E0-B8FC-AC1667EBCBE1}">
-              <a14:hiddenEffects xmlns:a14="http://schemas.microsoft.com/office/drawing/2010/main">
-                <a:effectLst>
-                  <a:outerShdw dist="35921" dir="2700000" algn="ctr" rotWithShape="0">
-                    <a:schemeClr val="bg2"/>
-                  </a:outerShdw>
-                </a:effectLst>
-              </a14:hiddenEffects>
-            </a:ext>
-          </a:extLst>
-        </p:spPr>
-        <p:txBody>
-          <a:bodyPr vert="horz" wrap="square" lIns="91440" tIns="45720" rIns="91440" bIns="45720" numCol="1" anchor="ctr" anchorCtr="0" compatLnSpc="1">
-            <a:prstTxWarp prst="textNoShape">
-              <a:avLst/>
-            </a:prstTxWarp>
-            <a:spAutoFit/>
-          </a:bodyPr>
-          <a:lstStyle/>
-          <a:p>
-            <a:pPr marL="0" marR="0" lvl="0" indent="0" algn="l" defTabSz="914400" rtl="0" eaLnBrk="0" fontAlgn="base" latinLnBrk="0" hangingPunct="0">
-              <a:lnSpc>
-                <a:spcPct val="100000"/>
-              </a:lnSpc>
-              <a:spcBef>
-                <a:spcPct val="0"/>
-              </a:spcBef>
-              <a:spcAft>
-                <a:spcPct val="0"/>
-              </a:spcAft>
-              <a:buClrTx/>
-              <a:buSzTx/>
-              <a:buFontTx/>
-              <a:buNone/>
-              <a:tabLst/>
-            </a:pPr>
-            <a:r>
-              <a:rPr kumimoji="0" lang="en-US" altLang="en-US" sz="1200" b="0" i="0" u="none" strike="noStrike" cap="none" normalizeH="0" baseline="0">
-                <a:ln>
-                  <a:noFill/>
-                </a:ln>
-                <a:solidFill>
-                  <a:schemeClr val="tx1"/>
-                </a:solidFill>
-                <a:effectLst/>
-                <a:latin typeface="Arial Unicode MS"/>
-              </a:rPr>
-              <a:t>Network Equipment Inventory</a:t>
-            </a:r>
-            <a:br>
-              <a:rPr kumimoji="0" lang="en-US" altLang="en-US" sz="1200" b="0" i="0" u="none" strike="noStrike" cap="none" normalizeH="0" baseline="0">
-                <a:ln>
-                  <a:noFill/>
-                </a:ln>
-                <a:solidFill>
-                  <a:schemeClr val="tx1"/>
-                </a:solidFill>
-                <a:effectLst/>
-                <a:latin typeface="Arial Unicode MS"/>
-              </a:rPr>
-            </a:br>
-            <a:br>
-              <a:rPr kumimoji="0" lang="en-US" altLang="en-US" sz="1200" b="0" i="0" u="none" strike="noStrike" cap="none" normalizeH="0" baseline="0">
-                <a:ln>
-                  <a:noFill/>
-                </a:ln>
-                <a:solidFill>
-                  <a:schemeClr val="tx1"/>
-                </a:solidFill>
-                <a:effectLst/>
-                <a:latin typeface="Arial Unicode MS"/>
-              </a:rPr>
-            </a:br>
-            <a:r>
-              <a:rPr kumimoji="0" lang="en-US" altLang="en-US" sz="1200" b="0" i="0" u="none" strike="noStrike" cap="none" normalizeH="0" baseline="0">
-                <a:ln>
-                  <a:noFill/>
-                </a:ln>
-                <a:solidFill>
-                  <a:schemeClr val="tx1"/>
-                </a:solidFill>
-                <a:effectLst/>
-                <a:latin typeface="Arial Unicode MS"/>
-              </a:rPr>
-              <a:t>    equipment name    IP address</a:t>
-            </a:r>
-            <a:br>
-              <a:rPr kumimoji="0" lang="en-US" altLang="en-US" sz="1200" b="0" i="0" u="none" strike="noStrike" cap="none" normalizeH="0" baseline="0">
-                <a:ln>
-                  <a:noFill/>
-                </a:ln>
-                <a:solidFill>
-                  <a:schemeClr val="tx1"/>
-                </a:solidFill>
-                <a:effectLst/>
-                <a:latin typeface="Arial Unicode MS"/>
-              </a:rPr>
-            </a:br>
-            <a:r>
-              <a:rPr kumimoji="0" lang="en-US" altLang="en-US" sz="1200" b="0" i="0" u="none" strike="noStrike" cap="none" normalizeH="0" baseline="0">
-                <a:ln>
-                  <a:noFill/>
-                </a:ln>
-                <a:solidFill>
-                  <a:schemeClr val="tx1"/>
-                </a:solidFill>
-                <a:effectLst/>
-                <a:latin typeface="Arial Unicode MS"/>
-              </a:rPr>
-              <a:t>    router1        10.10.10.1</a:t>
-            </a:r>
-            <a:br>
-              <a:rPr kumimoji="0" lang="en-US" altLang="en-US" sz="1200" b="0" i="0" u="none" strike="noStrike" cap="none" normalizeH="0" baseline="0">
-                <a:ln>
-                  <a:noFill/>
-                </a:ln>
-                <a:solidFill>
-                  <a:schemeClr val="tx1"/>
-                </a:solidFill>
-                <a:effectLst/>
-                <a:latin typeface="Arial Unicode MS"/>
-              </a:rPr>
-            </a:br>
-            <a:r>
-              <a:rPr kumimoji="0" lang="en-US" altLang="en-US" sz="1200" b="0" i="0" u="none" strike="noStrike" cap="none" normalizeH="0" baseline="0">
-                <a:ln>
-                  <a:noFill/>
-                </a:ln>
-                <a:solidFill>
-                  <a:schemeClr val="tx1"/>
-                </a:solidFill>
-                <a:effectLst/>
-                <a:latin typeface="Arial Unicode MS"/>
-              </a:rPr>
-              <a:t>    router2        20.20.20.1</a:t>
-            </a:r>
-            <a:br>
-              <a:rPr kumimoji="0" lang="en-US" altLang="en-US" sz="1200" b="0" i="0" u="none" strike="noStrike" cap="none" normalizeH="0" baseline="0">
-                <a:ln>
-                  <a:noFill/>
-                </a:ln>
-                <a:solidFill>
-                  <a:schemeClr val="tx1"/>
-                </a:solidFill>
-                <a:effectLst/>
-                <a:latin typeface="Arial Unicode MS"/>
-              </a:rPr>
-            </a:br>
-            <a:r>
-              <a:rPr kumimoji="0" lang="en-US" altLang="en-US" sz="1200" b="0" i="0" u="none" strike="noStrike" cap="none" normalizeH="0" baseline="0">
-                <a:ln>
-                  <a:noFill/>
-                </a:ln>
-                <a:solidFill>
-                  <a:schemeClr val="tx1"/>
-                </a:solidFill>
-                <a:effectLst/>
-                <a:latin typeface="Arial Unicode MS"/>
-              </a:rPr>
-              <a:t>    router3        30.30.30.1</a:t>
-            </a:r>
-            <a:br>
-              <a:rPr kumimoji="0" lang="en-US" altLang="en-US" sz="1200" b="0" i="0" u="none" strike="noStrike" cap="none" normalizeH="0" baseline="0">
-                <a:ln>
-                  <a:noFill/>
-                </a:ln>
-                <a:solidFill>
-                  <a:schemeClr val="tx1"/>
-                </a:solidFill>
-                <a:effectLst/>
-                <a:latin typeface="Arial Unicode MS"/>
-              </a:rPr>
-            </a:br>
-            <a:r>
-              <a:rPr kumimoji="0" lang="en-US" altLang="en-US" sz="1200" b="0" i="0" u="none" strike="noStrike" cap="none" normalizeH="0" baseline="0">
-                <a:ln>
-                  <a:noFill/>
-                </a:ln>
-                <a:solidFill>
-                  <a:schemeClr val="tx1"/>
-                </a:solidFill>
-                <a:effectLst/>
-                <a:latin typeface="Arial Unicode MS"/>
-              </a:rPr>
-              <a:t>    switch1        10.10.10.2</a:t>
-            </a:r>
-            <a:br>
-              <a:rPr kumimoji="0" lang="en-US" altLang="en-US" sz="1200" b="0" i="0" u="none" strike="noStrike" cap="none" normalizeH="0" baseline="0">
-                <a:ln>
-                  <a:noFill/>
-                </a:ln>
-                <a:solidFill>
-                  <a:schemeClr val="tx1"/>
-                </a:solidFill>
-                <a:effectLst/>
-                <a:latin typeface="Arial Unicode MS"/>
-              </a:rPr>
-            </a:br>
-            <a:r>
-              <a:rPr kumimoji="0" lang="en-US" altLang="en-US" sz="1200" b="0" i="0" u="none" strike="noStrike" cap="none" normalizeH="0" baseline="0">
-                <a:ln>
-                  <a:noFill/>
-                </a:ln>
-                <a:solidFill>
-                  <a:schemeClr val="tx1"/>
-                </a:solidFill>
-                <a:effectLst/>
-                <a:latin typeface="Arial Unicode MS"/>
-              </a:rPr>
-              <a:t>    switch2        10.10.10.3</a:t>
-            </a:r>
-            <a:br>
-              <a:rPr kumimoji="0" lang="en-US" altLang="en-US" sz="1200" b="0" i="0" u="none" strike="noStrike" cap="none" normalizeH="0" baseline="0">
-                <a:ln>
-                  <a:noFill/>
-                </a:ln>
-                <a:solidFill>
-                  <a:schemeClr val="tx1"/>
-                </a:solidFill>
-                <a:effectLst/>
-                <a:latin typeface="Arial Unicode MS"/>
-              </a:rPr>
-            </a:br>
-            <a:r>
-              <a:rPr kumimoji="0" lang="en-US" altLang="en-US" sz="1200" b="0" i="0" u="none" strike="noStrike" cap="none" normalizeH="0" baseline="0">
-                <a:ln>
-                  <a:noFill/>
-                </a:ln>
-                <a:solidFill>
-                  <a:schemeClr val="tx1"/>
-                </a:solidFill>
-                <a:effectLst/>
-                <a:latin typeface="Arial Unicode MS"/>
-              </a:rPr>
-              <a:t>    switch3        10.10.10.4</a:t>
-            </a:r>
-            <a:br>
-              <a:rPr kumimoji="0" lang="en-US" altLang="en-US" sz="1200" b="0" i="0" u="none" strike="noStrike" cap="none" normalizeH="0" baseline="0">
-                <a:ln>
-                  <a:noFill/>
-                </a:ln>
-                <a:solidFill>
-                  <a:schemeClr val="tx1"/>
-                </a:solidFill>
-                <a:effectLst/>
-                <a:latin typeface="Arial Unicode MS"/>
-              </a:rPr>
-            </a:br>
-            <a:r>
-              <a:rPr kumimoji="0" lang="en-US" altLang="en-US" sz="1200" b="0" i="0" u="none" strike="noStrike" cap="none" normalizeH="0" baseline="0">
-                <a:ln>
-                  <a:noFill/>
-                </a:ln>
-                <a:solidFill>
-                  <a:schemeClr val="tx1"/>
-                </a:solidFill>
-                <a:effectLst/>
-                <a:latin typeface="Arial Unicode MS"/>
-              </a:rPr>
-              <a:t>    switch4        10.10.10.5</a:t>
-            </a:r>
-            <a:br>
-              <a:rPr kumimoji="0" lang="en-US" altLang="en-US" sz="1200" b="0" i="0" u="none" strike="noStrike" cap="none" normalizeH="0" baseline="0">
-                <a:ln>
-                  <a:noFill/>
-                </a:ln>
-                <a:solidFill>
-                  <a:schemeClr val="tx1"/>
-                </a:solidFill>
-                <a:effectLst/>
-                <a:latin typeface="Arial Unicode MS"/>
-              </a:rPr>
-            </a:br>
-            <a:r>
-              <a:rPr kumimoji="0" lang="en-US" altLang="en-US" sz="1200" b="0" i="0" u="none" strike="noStrike" cap="none" normalizeH="0" baseline="0">
-                <a:ln>
-                  <a:noFill/>
-                </a:ln>
-                <a:solidFill>
-                  <a:schemeClr val="tx1"/>
-                </a:solidFill>
-                <a:effectLst/>
-                <a:latin typeface="Arial Unicode MS"/>
-              </a:rPr>
-              <a:t>    switch5        20.20.20.2</a:t>
-            </a:r>
-            <a:br>
-              <a:rPr kumimoji="0" lang="en-US" altLang="en-US" sz="1200" b="0" i="0" u="none" strike="noStrike" cap="none" normalizeH="0" baseline="0">
-                <a:ln>
-                  <a:noFill/>
-                </a:ln>
-                <a:solidFill>
-                  <a:schemeClr val="tx1"/>
-                </a:solidFill>
-                <a:effectLst/>
-                <a:latin typeface="Arial Unicode MS"/>
-              </a:rPr>
-            </a:br>
-            <a:r>
-              <a:rPr kumimoji="0" lang="en-US" altLang="en-US" sz="1200" b="0" i="0" u="none" strike="noStrike" cap="none" normalizeH="0" baseline="0">
-                <a:ln>
-                  <a:noFill/>
-                </a:ln>
-                <a:solidFill>
-                  <a:schemeClr val="tx1"/>
-                </a:solidFill>
-                <a:effectLst/>
-                <a:latin typeface="Arial Unicode MS"/>
-              </a:rPr>
-              <a:t>    switch6        20.20.20.3</a:t>
-            </a:r>
-            <a:br>
-              <a:rPr kumimoji="0" lang="en-US" altLang="en-US" sz="1200" b="0" i="0" u="none" strike="noStrike" cap="none" normalizeH="0" baseline="0">
-                <a:ln>
-                  <a:noFill/>
-                </a:ln>
-                <a:solidFill>
-                  <a:schemeClr val="tx1"/>
-                </a:solidFill>
-                <a:effectLst/>
-                <a:latin typeface="Arial Unicode MS"/>
-              </a:rPr>
-            </a:br>
-            <a:r>
-              <a:rPr kumimoji="0" lang="en-US" altLang="en-US" sz="1200" b="0" i="0" u="none" strike="noStrike" cap="none" normalizeH="0" baseline="0">
-                <a:ln>
-                  <a:noFill/>
-                </a:ln>
-                <a:solidFill>
-                  <a:schemeClr val="tx1"/>
-                </a:solidFill>
-                <a:effectLst/>
-                <a:latin typeface="Arial Unicode MS"/>
-              </a:rPr>
-              <a:t>    switch7        30.30.30.2</a:t>
-            </a:r>
-            <a:br>
-              <a:rPr kumimoji="0" lang="en-US" altLang="en-US" sz="1200" b="0" i="0" u="none" strike="noStrike" cap="none" normalizeH="0" baseline="0">
-                <a:ln>
-                  <a:noFill/>
-                </a:ln>
-                <a:solidFill>
-                  <a:schemeClr val="tx1"/>
-                </a:solidFill>
-                <a:effectLst/>
-                <a:latin typeface="Arial Unicode MS"/>
-              </a:rPr>
-            </a:br>
-            <a:r>
-              <a:rPr kumimoji="0" lang="en-US" altLang="en-US" sz="1200" b="0" i="0" u="none" strike="noStrike" cap="none" normalizeH="0" baseline="0">
-                <a:ln>
-                  <a:noFill/>
-                </a:ln>
-                <a:solidFill>
-                  <a:schemeClr val="tx1"/>
-                </a:solidFill>
-                <a:effectLst/>
-                <a:latin typeface="Arial Unicode MS"/>
-              </a:rPr>
-              <a:t>    switch8        30.30.30.3</a:t>
-            </a:r>
-            <a:br>
-              <a:rPr kumimoji="0" lang="en-US" altLang="en-US" sz="1200" b="0" i="0" u="none" strike="noStrike" cap="none" normalizeH="0" baseline="0">
-                <a:ln>
-                  <a:noFill/>
-                </a:ln>
-                <a:solidFill>
-                  <a:schemeClr val="tx1"/>
-                </a:solidFill>
-                <a:effectLst/>
-                <a:latin typeface="Arial Unicode MS"/>
-              </a:rPr>
-            </a:br>
-            <a:r>
-              <a:rPr kumimoji="0" lang="en-US" altLang="en-US" sz="1200" b="0" i="0" u="none" strike="noStrike" cap="none" normalizeH="0" baseline="0">
-                <a:ln>
-                  <a:noFill/>
-                </a:ln>
-                <a:solidFill>
-                  <a:schemeClr val="tx1"/>
-                </a:solidFill>
-                <a:effectLst/>
-                <a:latin typeface="Arial Unicode MS"/>
-              </a:rPr>
-              <a:t>    switch9        30.30.30.4</a:t>
-            </a:r>
-            <a:br>
-              <a:rPr kumimoji="0" lang="en-US" altLang="en-US" sz="1200" b="0" i="0" u="none" strike="noStrike" cap="none" normalizeH="0" baseline="0">
-                <a:ln>
-                  <a:noFill/>
-                </a:ln>
-                <a:solidFill>
-                  <a:schemeClr val="tx1"/>
-                </a:solidFill>
-                <a:effectLst/>
-                <a:latin typeface="Arial Unicode MS"/>
-              </a:rPr>
-            </a:br>
-            <a:br>
-              <a:rPr kumimoji="0" lang="en-US" altLang="en-US" sz="1200" b="0" i="0" u="none" strike="noStrike" cap="none" normalizeH="0" baseline="0">
-                <a:ln>
-                  <a:noFill/>
-                </a:ln>
-                <a:solidFill>
-                  <a:schemeClr val="tx1"/>
-                </a:solidFill>
-                <a:effectLst/>
-                <a:latin typeface="Arial Unicode MS"/>
-              </a:rPr>
-            </a:br>
-            <a:r>
-              <a:rPr kumimoji="0" lang="en-US" altLang="en-US" sz="1200" b="0" i="0" u="none" strike="noStrike" cap="none" normalizeH="0" baseline="0">
-                <a:ln>
-                  <a:noFill/>
-                </a:ln>
-                <a:solidFill>
-                  <a:schemeClr val="tx1"/>
-                </a:solidFill>
-                <a:effectLst/>
-                <a:latin typeface="Arial Unicode MS"/>
-              </a:rPr>
-              <a:t>Which device would you like to update (enter x to quit)? </a:t>
-            </a:r>
-            <a:r>
-              <a:rPr kumimoji="0" lang="en-US" altLang="en-US" sz="1200" b="1" i="0" u="none" strike="noStrike" cap="none" normalizeH="0" baseline="0">
-                <a:ln>
-                  <a:noFill/>
-                </a:ln>
-                <a:solidFill>
-                  <a:srgbClr val="D71E09"/>
-                </a:solidFill>
-                <a:effectLst/>
-                <a:latin typeface="Arial Unicode MS"/>
-              </a:rPr>
-              <a:t>switch3</a:t>
-            </a:r>
-            <a:br>
-              <a:rPr kumimoji="0" lang="en-US" altLang="en-US" sz="1200" b="0" i="0" u="none" strike="noStrike" cap="none" normalizeH="0" baseline="0">
-                <a:ln>
-                  <a:noFill/>
-                </a:ln>
-                <a:solidFill>
-                  <a:schemeClr val="tx1"/>
-                </a:solidFill>
-                <a:effectLst/>
-                <a:latin typeface="Arial Unicode MS"/>
-              </a:rPr>
-            </a:br>
-            <a:r>
-              <a:rPr kumimoji="0" lang="en-US" altLang="en-US" sz="1200" b="0" i="0" u="none" strike="noStrike" cap="none" normalizeH="0" baseline="0">
-                <a:ln>
-                  <a:noFill/>
-                </a:ln>
-                <a:solidFill>
-                  <a:schemeClr val="tx1"/>
-                </a:solidFill>
-                <a:effectLst/>
-                <a:latin typeface="Arial Unicode MS"/>
-              </a:rPr>
-              <a:t>What is the new IP address (111.111.111.111) </a:t>
-            </a:r>
-            <a:r>
-              <a:rPr kumimoji="0" lang="en-US" altLang="en-US" sz="1200" b="1" i="0" u="none" strike="noStrike" cap="none" normalizeH="0" baseline="0">
-                <a:ln>
-                  <a:noFill/>
-                </a:ln>
-                <a:solidFill>
-                  <a:srgbClr val="D71E09"/>
-                </a:solidFill>
-                <a:effectLst/>
-                <a:latin typeface="Arial Unicode MS"/>
-              </a:rPr>
-              <a:t>10.10.300.4</a:t>
-            </a:r>
-            <a:br>
-              <a:rPr kumimoji="0" lang="en-US" altLang="en-US" sz="1200" b="0" i="0" u="none" strike="noStrike" cap="none" normalizeH="0" baseline="0">
-                <a:ln>
-                  <a:noFill/>
-                </a:ln>
-                <a:solidFill>
-                  <a:schemeClr val="tx1"/>
-                </a:solidFill>
-                <a:effectLst/>
-                <a:latin typeface="Arial Unicode MS"/>
-              </a:rPr>
-            </a:br>
-            <a:r>
-              <a:rPr kumimoji="0" lang="en-US" altLang="en-US" sz="1200" b="0" i="0" u="none" strike="noStrike" cap="none" normalizeH="0" baseline="0">
-                <a:ln>
-                  <a:noFill/>
-                </a:ln>
-                <a:solidFill>
-                  <a:schemeClr val="tx1"/>
-                </a:solidFill>
-                <a:effectLst/>
-                <a:latin typeface="Arial Unicode MS"/>
-              </a:rPr>
-              <a:t>Sorry, that is not a valid IP address</a:t>
-            </a:r>
-            <a:br>
-              <a:rPr kumimoji="0" lang="en-US" altLang="en-US" sz="1200" b="0" i="0" u="none" strike="noStrike" cap="none" normalizeH="0" baseline="0">
-                <a:ln>
-                  <a:noFill/>
-                </a:ln>
-                <a:solidFill>
-                  <a:schemeClr val="tx1"/>
-                </a:solidFill>
-                <a:effectLst/>
-                <a:latin typeface="Arial Unicode MS"/>
-              </a:rPr>
-            </a:br>
-            <a:br>
-              <a:rPr kumimoji="0" lang="en-US" altLang="en-US" sz="1200" b="0" i="0" u="none" strike="noStrike" cap="none" normalizeH="0" baseline="0">
-                <a:ln>
-                  <a:noFill/>
-                </a:ln>
-                <a:solidFill>
-                  <a:schemeClr val="tx1"/>
-                </a:solidFill>
-                <a:effectLst/>
-                <a:latin typeface="Arial Unicode MS"/>
-              </a:rPr>
-            </a:br>
-            <a:r>
-              <a:rPr kumimoji="0" lang="en-US" altLang="en-US" sz="1200" b="0" i="0" u="none" strike="noStrike" cap="none" normalizeH="0" baseline="0">
-                <a:ln>
-                  <a:noFill/>
-                </a:ln>
-                <a:solidFill>
-                  <a:schemeClr val="tx1"/>
-                </a:solidFill>
-                <a:effectLst/>
-                <a:latin typeface="Arial Unicode MS"/>
-              </a:rPr>
-              <a:t>What is the new IP address (111.111.111.111) </a:t>
-            </a:r>
-            <a:r>
-              <a:rPr kumimoji="0" lang="en-US" altLang="en-US" sz="1200" b="1" i="0" u="none" strike="noStrike" cap="none" normalizeH="0" baseline="0">
-                <a:ln>
-                  <a:noFill/>
-                </a:ln>
-                <a:solidFill>
-                  <a:srgbClr val="D71E09"/>
-                </a:solidFill>
-                <a:effectLst/>
-                <a:latin typeface="Arial Unicode MS"/>
-              </a:rPr>
-              <a:t>10.10.30.4</a:t>
-            </a:r>
-            <a:br>
-              <a:rPr kumimoji="0" lang="en-US" altLang="en-US" sz="1200" b="0" i="0" u="none" strike="noStrike" cap="none" normalizeH="0" baseline="0">
-                <a:ln>
-                  <a:noFill/>
-                </a:ln>
-                <a:solidFill>
-                  <a:schemeClr val="tx1"/>
-                </a:solidFill>
-                <a:effectLst/>
-                <a:latin typeface="Arial Unicode MS"/>
-              </a:rPr>
-            </a:br>
-            <a:r>
-              <a:rPr kumimoji="0" lang="en-US" altLang="en-US" sz="1200" b="0" i="0" u="none" strike="noStrike" cap="none" normalizeH="0" baseline="0">
-                <a:ln>
-                  <a:noFill/>
-                </a:ln>
-                <a:solidFill>
-                  <a:schemeClr val="tx1"/>
-                </a:solidFill>
-                <a:effectLst/>
-                <a:latin typeface="Arial Unicode MS"/>
-              </a:rPr>
-              <a:t>switch3 was updated; the new IP address is 10.10.30.4</a:t>
-            </a:r>
-            <a:br>
-              <a:rPr kumimoji="0" lang="en-US" altLang="en-US" sz="1200" b="0" i="0" u="none" strike="noStrike" cap="none" normalizeH="0" baseline="0">
-                <a:ln>
-                  <a:noFill/>
-                </a:ln>
-                <a:solidFill>
-                  <a:schemeClr val="tx1"/>
-                </a:solidFill>
-                <a:effectLst/>
-                <a:latin typeface="Arial Unicode MS"/>
-              </a:rPr>
-            </a:br>
-            <a:br>
-              <a:rPr kumimoji="0" lang="en-US" altLang="en-US" sz="1200" b="0" i="0" u="none" strike="noStrike" cap="none" normalizeH="0" baseline="0">
-                <a:ln>
-                  <a:noFill/>
-                </a:ln>
-                <a:solidFill>
-                  <a:schemeClr val="tx1"/>
-                </a:solidFill>
-                <a:effectLst/>
-                <a:latin typeface="Arial Unicode MS"/>
-              </a:rPr>
-            </a:br>
-            <a:r>
-              <a:rPr kumimoji="0" lang="en-US" altLang="en-US" sz="1200" b="0" i="0" u="none" strike="noStrike" cap="none" normalizeH="0" baseline="0">
-                <a:ln>
-                  <a:noFill/>
-                </a:ln>
-                <a:solidFill>
-                  <a:schemeClr val="tx1"/>
-                </a:solidFill>
-                <a:effectLst/>
-                <a:latin typeface="Arial Unicode MS"/>
-              </a:rPr>
-              <a:t>Which device would you like to update (enter x to quit)? </a:t>
-            </a:r>
-            <a:r>
-              <a:rPr kumimoji="0" lang="en-US" altLang="en-US" sz="1200" b="1" i="0" u="none" strike="noStrike" cap="none" normalizeH="0" baseline="0">
-                <a:ln>
-                  <a:noFill/>
-                </a:ln>
-                <a:solidFill>
-                  <a:srgbClr val="D71E09"/>
-                </a:solidFill>
-                <a:effectLst/>
-                <a:latin typeface="Arial Unicode MS"/>
-              </a:rPr>
-              <a:t>router4</a:t>
-            </a:r>
-            <a:br>
-              <a:rPr kumimoji="0" lang="en-US" altLang="en-US" sz="1200" b="0" i="0" u="none" strike="noStrike" cap="none" normalizeH="0" baseline="0">
-                <a:ln>
-                  <a:noFill/>
-                </a:ln>
-                <a:solidFill>
-                  <a:schemeClr val="tx1"/>
-                </a:solidFill>
-                <a:effectLst/>
-                <a:latin typeface="Arial Unicode MS"/>
-              </a:rPr>
-            </a:br>
-            <a:r>
-              <a:rPr kumimoji="0" lang="en-US" altLang="en-US" sz="1200" b="0" i="0" u="none" strike="noStrike" cap="none" normalizeH="0" baseline="0">
-                <a:ln>
-                  <a:noFill/>
-                </a:ln>
-                <a:solidFill>
-                  <a:schemeClr val="tx1"/>
-                </a:solidFill>
-                <a:effectLst/>
-                <a:latin typeface="Arial Unicode MS"/>
-              </a:rPr>
-              <a:t>What is the new IP address (111.111.111.111) </a:t>
-            </a:r>
-            <a:r>
-              <a:rPr kumimoji="0" lang="en-US" altLang="en-US" sz="1200" b="1" i="0" u="none" strike="noStrike" cap="none" normalizeH="0" baseline="0">
-                <a:ln>
-                  <a:noFill/>
-                </a:ln>
-                <a:solidFill>
-                  <a:srgbClr val="D71E09"/>
-                </a:solidFill>
-                <a:effectLst/>
-                <a:latin typeface="Arial Unicode MS"/>
-              </a:rPr>
-              <a:t>400.400.4</a:t>
-            </a:r>
-            <a:br>
-              <a:rPr kumimoji="0" lang="en-US" altLang="en-US" sz="1200" b="0" i="0" u="none" strike="noStrike" cap="none" normalizeH="0" baseline="0">
-                <a:ln>
-                  <a:noFill/>
-                </a:ln>
-                <a:solidFill>
-                  <a:schemeClr val="tx1"/>
-                </a:solidFill>
-                <a:effectLst/>
-                <a:latin typeface="Arial Unicode MS"/>
-              </a:rPr>
-            </a:br>
-            <a:r>
-              <a:rPr kumimoji="0" lang="en-US" altLang="en-US" sz="1200" b="0" i="0" u="none" strike="noStrike" cap="none" normalizeH="0" baseline="0">
-                <a:ln>
-                  <a:noFill/>
-                </a:ln>
-                <a:solidFill>
-                  <a:schemeClr val="tx1"/>
-                </a:solidFill>
-                <a:effectLst/>
-                <a:latin typeface="Arial Unicode MS"/>
-              </a:rPr>
-              <a:t>Sorry, that is not a valid IP address</a:t>
-            </a:r>
-            <a:br>
-              <a:rPr kumimoji="0" lang="en-US" altLang="en-US" sz="1200" b="0" i="0" u="none" strike="noStrike" cap="none" normalizeH="0" baseline="0">
-                <a:ln>
-                  <a:noFill/>
-                </a:ln>
-                <a:solidFill>
-                  <a:schemeClr val="tx1"/>
-                </a:solidFill>
-                <a:effectLst/>
-                <a:latin typeface="Arial Unicode MS"/>
-              </a:rPr>
-            </a:br>
-            <a:br>
-              <a:rPr kumimoji="0" lang="en-US" altLang="en-US" sz="1200" b="0" i="0" u="none" strike="noStrike" cap="none" normalizeH="0" baseline="0">
-                <a:ln>
-                  <a:noFill/>
-                </a:ln>
-                <a:solidFill>
-                  <a:schemeClr val="tx1"/>
-                </a:solidFill>
-                <a:effectLst/>
-                <a:latin typeface="Arial Unicode MS"/>
-              </a:rPr>
-            </a:br>
-            <a:r>
-              <a:rPr kumimoji="0" lang="en-US" altLang="en-US" sz="1200" b="0" i="0" u="none" strike="noStrike" cap="none" normalizeH="0" baseline="0">
-                <a:ln>
-                  <a:noFill/>
-                </a:ln>
-                <a:solidFill>
-                  <a:schemeClr val="tx1"/>
-                </a:solidFill>
-                <a:effectLst/>
-                <a:latin typeface="Arial Unicode MS"/>
-              </a:rPr>
-              <a:t>What is the new IP address (111.111.111.111) </a:t>
-            </a:r>
-            <a:r>
-              <a:rPr kumimoji="0" lang="en-US" altLang="en-US" sz="1200" b="1" i="0" u="none" strike="noStrike" cap="none" normalizeH="0" baseline="0">
-                <a:ln>
-                  <a:noFill/>
-                </a:ln>
-                <a:solidFill>
-                  <a:srgbClr val="D71E09"/>
-                </a:solidFill>
-                <a:effectLst/>
-                <a:latin typeface="Arial Unicode MS"/>
-              </a:rPr>
-              <a:t>40.40.40.1</a:t>
-            </a:r>
-            <a:br>
-              <a:rPr kumimoji="0" lang="en-US" altLang="en-US" sz="1200" b="0" i="0" u="none" strike="noStrike" cap="none" normalizeH="0" baseline="0">
-                <a:ln>
-                  <a:noFill/>
-                </a:ln>
-                <a:solidFill>
-                  <a:schemeClr val="tx1"/>
-                </a:solidFill>
-                <a:effectLst/>
-                <a:latin typeface="Arial Unicode MS"/>
-              </a:rPr>
-            </a:br>
-            <a:r>
-              <a:rPr kumimoji="0" lang="en-US" altLang="en-US" sz="1200" b="0" i="0" u="none" strike="noStrike" cap="none" normalizeH="0" baseline="0">
-                <a:ln>
-                  <a:noFill/>
-                </a:ln>
-                <a:solidFill>
-                  <a:schemeClr val="tx1"/>
-                </a:solidFill>
-                <a:effectLst/>
-                <a:latin typeface="Arial Unicode MS"/>
-              </a:rPr>
-              <a:t>router4 was updated; the new IP address is 40.40.40.1</a:t>
-            </a:r>
-            <a:r>
-              <a:rPr kumimoji="0" lang="en-US" altLang="en-US" sz="1200" b="0" i="0" u="none" strike="noStrike" cap="none" normalizeH="0" baseline="0">
-                <a:ln>
-                  <a:noFill/>
-                </a:ln>
-                <a:solidFill>
-                  <a:schemeClr val="tx1"/>
-                </a:solidFill>
-                <a:effectLst/>
-              </a:rPr>
-              <a:t> </a:t>
-            </a:r>
-            <a:endParaRPr kumimoji="0" lang="en-US" altLang="en-US" sz="1200" b="0" i="0" u="none" strike="noStrike" cap="none" normalizeH="0" baseline="0">
-              <a:ln>
-                <a:noFill/>
-              </a:ln>
-              <a:solidFill>
-                <a:schemeClr val="tx1"/>
-              </a:solidFill>
-              <a:effectLst/>
-              <a:latin typeface="Arial" panose="020B0604020202020204" pitchFamily="34" charset="0"/>
-            </a:endParaRPr>
-          </a:p>
-        </p:txBody>
-      </p:sp>
-    </p:spTree>
-    <p:extLst>
-      <p:ext uri="{BB962C8B-B14F-4D97-AF65-F5344CB8AC3E}">
-        <p14:creationId xmlns:p14="http://schemas.microsoft.com/office/powerpoint/2010/main" val="4269271177"/>
-      </p:ext>
-    </p:extLst>
-  </p:cSld>
-  <p:clrMapOvr>
-    <a:masterClrMapping/>
-  </p:clrMapOvr>
-</p:sld>
-</file>
-
-<file path=ppt/slides/slide14.xml><?xml version="1.0" encoding="utf-8"?>
-<p:sld xmlns:a="http://schemas.openxmlformats.org/drawingml/2006/main" xmlns:r="http://schemas.openxmlformats.org/officeDocument/2006/relationships" xmlns:p="http://schemas.openxmlformats.org/presentationml/2006/main">
-  <p:cSld>
-    <p:spTree>
-      <p:nvGrpSpPr>
-        <p:cNvPr id="1" name=""/>
-        <p:cNvGrpSpPr/>
-        <p:nvPr/>
-      </p:nvGrpSpPr>
-      <p:grpSpPr>
-        <a:xfrm>
-          <a:off x="0" y="0"/>
-          <a:ext cx="0" cy="0"/>
-          <a:chOff x="0" y="0"/>
-          <a:chExt cx="0" cy="0"/>
-        </a:xfrm>
-      </p:grpSpPr>
-      <p:sp>
-        <p:nvSpPr>
-          <p:cNvPr id="2" name="Title 1">
-            <a:extLst>
-              <a:ext uri="{FF2B5EF4-FFF2-40B4-BE49-F238E27FC236}">
-                <a16:creationId xmlns:a16="http://schemas.microsoft.com/office/drawing/2014/main" id="{88F22808-10FE-D69A-C14E-02765EB4BA65}"/>
-              </a:ext>
-            </a:extLst>
-          </p:cNvPr>
-          <p:cNvSpPr>
-            <a:spLocks noGrp="1"/>
-          </p:cNvSpPr>
-          <p:nvPr>
-            <p:ph type="title"/>
-          </p:nvPr>
-        </p:nvSpPr>
-        <p:spPr/>
-        <p:txBody>
-          <a:bodyPr/>
-          <a:lstStyle/>
-          <a:p>
-            <a:r>
-              <a:rPr lang="en-US"/>
-              <a:t>Expected Output cont.</a:t>
-            </a:r>
-          </a:p>
-        </p:txBody>
-      </p:sp>
-      <p:sp>
-        <p:nvSpPr>
-          <p:cNvPr id="4" name="Slide Number Placeholder 3">
-            <a:extLst>
-              <a:ext uri="{FF2B5EF4-FFF2-40B4-BE49-F238E27FC236}">
-                <a16:creationId xmlns:a16="http://schemas.microsoft.com/office/drawing/2014/main" id="{EFD9D06D-2280-DB35-2998-DC29D6A38135}"/>
-              </a:ext>
-            </a:extLst>
-          </p:cNvPr>
-          <p:cNvSpPr>
-            <a:spLocks noGrp="1"/>
-          </p:cNvSpPr>
-          <p:nvPr>
-            <p:ph type="sldNum" sz="quarter" idx="12"/>
-          </p:nvPr>
-        </p:nvSpPr>
-        <p:spPr/>
-        <p:txBody>
-          <a:bodyPr/>
-          <a:lstStyle/>
-          <a:p>
-            <a:fld id="{E84E2596-301E-4832-9EC0-2653E7A66251}" type="slidenum">
-              <a:rPr lang="en-US" smtClean="0"/>
-              <a:t>14</a:t>
-            </a:fld>
-            <a:endParaRPr lang="en-US"/>
-          </a:p>
-        </p:txBody>
-      </p:sp>
-      <p:sp>
-        <p:nvSpPr>
-          <p:cNvPr id="5" name="Rectangle 1">
-            <a:extLst>
-              <a:ext uri="{FF2B5EF4-FFF2-40B4-BE49-F238E27FC236}">
-                <a16:creationId xmlns:a16="http://schemas.microsoft.com/office/drawing/2014/main" id="{B498872E-2862-6B62-4BCF-45D6FDAA8DDC}"/>
-              </a:ext>
-            </a:extLst>
-          </p:cNvPr>
-          <p:cNvSpPr>
-            <a:spLocks noGrp="1" noChangeArrowheads="1"/>
-          </p:cNvSpPr>
-          <p:nvPr>
-            <p:ph idx="1"/>
-          </p:nvPr>
-        </p:nvSpPr>
-        <p:spPr bwMode="auto">
-          <a:xfrm>
-            <a:off x="162560" y="1794818"/>
-            <a:ext cx="10900741" cy="4401205"/>
-          </a:xfrm>
-          <a:prstGeom prst="rect">
-            <a:avLst/>
-          </a:prstGeom>
-          <a:noFill/>
-          <a:ln>
-            <a:noFill/>
-          </a:ln>
-          <a:effectLst/>
-          <a:extLst>
-            <a:ext uri="{909E8E84-426E-40DD-AFC4-6F175D3DCCD1}">
-              <a14:hiddenFill xmlns:a14="http://schemas.microsoft.com/office/drawing/2010/main">
-                <a:solidFill>
-                  <a:schemeClr val="accent1"/>
-                </a:solidFill>
-              </a14:hiddenFill>
-            </a:ext>
-            <a:ext uri="{91240B29-F687-4F45-9708-019B960494DF}">
-              <a14:hiddenLine xmlns:a14="http://schemas.microsoft.com/office/drawing/2010/main" w="9525">
-                <a:solidFill>
-                  <a:schemeClr val="tx1"/>
-                </a:solidFill>
-                <a:miter lim="800000"/>
-                <a:headEnd/>
-                <a:tailEnd/>
-              </a14:hiddenLine>
-            </a:ext>
-            <a:ext uri="{AF507438-7753-43E0-B8FC-AC1667EBCBE1}">
-              <a14:hiddenEffects xmlns:a14="http://schemas.microsoft.com/office/drawing/2010/main">
-                <a:effectLst>
-                  <a:outerShdw dist="35921" dir="2700000" algn="ctr" rotWithShape="0">
-                    <a:schemeClr val="bg2"/>
-                  </a:outerShdw>
-                </a:effectLst>
-              </a14:hiddenEffects>
-            </a:ext>
-          </a:extLst>
-        </p:spPr>
-        <p:txBody>
-          <a:bodyPr vert="horz" wrap="none" lIns="91440" tIns="45720" rIns="91440" bIns="45720" numCol="1" anchor="ctr" anchorCtr="0" compatLnSpc="1">
-            <a:prstTxWarp prst="textNoShape">
-              <a:avLst/>
-            </a:prstTxWarp>
-            <a:spAutoFit/>
-          </a:bodyPr>
-          <a:lstStyle/>
-          <a:p>
-            <a:pPr marL="0" marR="0" lvl="0" indent="0" algn="l" defTabSz="914400" rtl="0" eaLnBrk="0" fontAlgn="base" latinLnBrk="0" hangingPunct="0">
-              <a:lnSpc>
-                <a:spcPct val="100000"/>
-              </a:lnSpc>
-              <a:spcBef>
-                <a:spcPct val="0"/>
-              </a:spcBef>
-              <a:spcAft>
-                <a:spcPct val="0"/>
-              </a:spcAft>
-              <a:buClrTx/>
-              <a:buSzTx/>
-              <a:buFontTx/>
-              <a:buNone/>
-              <a:tabLst/>
-            </a:pPr>
-            <a:endParaRPr kumimoji="0" lang="en-US" altLang="en-US" sz="1400" b="0" i="0" u="none" strike="noStrike" cap="none" normalizeH="0" baseline="0">
-              <a:ln>
-                <a:noFill/>
-              </a:ln>
-              <a:solidFill>
-                <a:schemeClr val="tx1"/>
-              </a:solidFill>
-              <a:effectLst/>
-              <a:latin typeface="Arial Unicode MS"/>
-            </a:endParaRPr>
-          </a:p>
-          <a:p>
-            <a:pPr marL="0" marR="0" lvl="0" indent="0" algn="l" defTabSz="914400" rtl="0" eaLnBrk="0" fontAlgn="base" latinLnBrk="0" hangingPunct="0">
-              <a:lnSpc>
-                <a:spcPct val="100000"/>
-              </a:lnSpc>
-              <a:spcBef>
-                <a:spcPct val="0"/>
-              </a:spcBef>
-              <a:spcAft>
-                <a:spcPct val="0"/>
-              </a:spcAft>
-              <a:buClrTx/>
-              <a:buSzTx/>
-              <a:buFontTx/>
-              <a:buNone/>
-              <a:tabLst/>
-            </a:pPr>
-            <a:endParaRPr lang="en-US" altLang="en-US" sz="1400">
-              <a:latin typeface="Arial Unicode MS"/>
-            </a:endParaRPr>
-          </a:p>
-          <a:p>
-            <a:pPr marL="0" marR="0" lvl="0" indent="0" algn="l" defTabSz="914400" rtl="0" eaLnBrk="0" fontAlgn="base" latinLnBrk="0" hangingPunct="0">
-              <a:lnSpc>
-                <a:spcPct val="100000"/>
-              </a:lnSpc>
-              <a:spcBef>
-                <a:spcPct val="0"/>
-              </a:spcBef>
-              <a:spcAft>
-                <a:spcPct val="0"/>
-              </a:spcAft>
-              <a:buClrTx/>
-              <a:buSzTx/>
-              <a:buFontTx/>
-              <a:buNone/>
-              <a:tabLst/>
-            </a:pPr>
-            <a:r>
-              <a:rPr kumimoji="0" lang="en-US" altLang="en-US" sz="1400" b="0" i="0" u="none" strike="noStrike" cap="none" normalizeH="0" baseline="0">
-                <a:ln>
-                  <a:noFill/>
-                </a:ln>
-                <a:solidFill>
-                  <a:schemeClr val="tx1"/>
-                </a:solidFill>
-                <a:effectLst/>
-                <a:latin typeface="Arial Unicode MS"/>
-              </a:rPr>
-              <a:t>Which device would you like to update (enter x to quit)? </a:t>
-            </a:r>
-            <a:r>
-              <a:rPr kumimoji="0" lang="en-US" altLang="en-US" sz="1400" b="1" i="0" u="none" strike="noStrike" cap="none" normalizeH="0" baseline="0">
-                <a:ln>
-                  <a:noFill/>
-                </a:ln>
-                <a:solidFill>
-                  <a:srgbClr val="D71E09"/>
-                </a:solidFill>
-                <a:effectLst/>
-                <a:latin typeface="Arial Unicode MS"/>
-              </a:rPr>
-              <a:t>x</a:t>
-            </a:r>
-            <a:br>
-              <a:rPr kumimoji="0" lang="en-US" altLang="en-US" sz="1400" b="0" i="0" u="none" strike="noStrike" cap="none" normalizeH="0" baseline="0">
-                <a:ln>
-                  <a:noFill/>
-                </a:ln>
-                <a:solidFill>
-                  <a:schemeClr val="tx1"/>
-                </a:solidFill>
-                <a:effectLst/>
-                <a:latin typeface="Arial Unicode MS"/>
-              </a:rPr>
-            </a:br>
-            <a:br>
-              <a:rPr kumimoji="0" lang="en-US" altLang="en-US" sz="1400" b="0" i="0" u="none" strike="noStrike" cap="none" normalizeH="0" baseline="0">
-                <a:ln>
-                  <a:noFill/>
-                </a:ln>
-                <a:solidFill>
-                  <a:schemeClr val="tx1"/>
-                </a:solidFill>
-                <a:effectLst/>
-                <a:latin typeface="Arial Unicode MS"/>
-              </a:rPr>
-            </a:br>
-            <a:r>
-              <a:rPr kumimoji="0" lang="en-US" altLang="en-US" sz="1400" b="0" i="0" u="none" strike="noStrike" cap="none" normalizeH="0" baseline="0">
-                <a:ln>
-                  <a:noFill/>
-                </a:ln>
-                <a:solidFill>
-                  <a:schemeClr val="tx1"/>
-                </a:solidFill>
-                <a:effectLst/>
-                <a:latin typeface="Arial Unicode MS"/>
-              </a:rPr>
-              <a:t>Summary:</a:t>
-            </a:r>
-            <a:br>
-              <a:rPr kumimoji="0" lang="en-US" altLang="en-US" sz="1400" b="0" i="0" u="none" strike="noStrike" cap="none" normalizeH="0" baseline="0">
-                <a:ln>
-                  <a:noFill/>
-                </a:ln>
-                <a:solidFill>
-                  <a:schemeClr val="tx1"/>
-                </a:solidFill>
-                <a:effectLst/>
-                <a:latin typeface="Arial Unicode MS"/>
-              </a:rPr>
-            </a:br>
-            <a:br>
-              <a:rPr kumimoji="0" lang="en-US" altLang="en-US" sz="1400" b="0" i="0" u="none" strike="noStrike" cap="none" normalizeH="0" baseline="0">
-                <a:ln>
-                  <a:noFill/>
-                </a:ln>
-                <a:solidFill>
-                  <a:schemeClr val="tx1"/>
-                </a:solidFill>
-                <a:effectLst/>
-                <a:latin typeface="Arial Unicode MS"/>
-              </a:rPr>
-            </a:br>
-            <a:r>
-              <a:rPr kumimoji="0" lang="en-US" altLang="en-US" sz="1400" b="0" i="0" u="none" strike="noStrike" cap="none" normalizeH="0" baseline="0">
-                <a:ln>
-                  <a:noFill/>
-                </a:ln>
-                <a:solidFill>
-                  <a:schemeClr val="tx1"/>
-                </a:solidFill>
-                <a:effectLst/>
-                <a:latin typeface="Arial Unicode MS"/>
-              </a:rPr>
-              <a:t>Number of devices updated: 2</a:t>
-            </a:r>
-            <a:br>
-              <a:rPr kumimoji="0" lang="en-US" altLang="en-US" sz="1400" b="0" i="0" u="none" strike="noStrike" cap="none" normalizeH="0" baseline="0">
-                <a:ln>
-                  <a:noFill/>
-                </a:ln>
-                <a:solidFill>
-                  <a:schemeClr val="tx1"/>
-                </a:solidFill>
-                <a:effectLst/>
-                <a:latin typeface="Arial Unicode MS"/>
-              </a:rPr>
-            </a:br>
-            <a:r>
-              <a:rPr kumimoji="0" lang="en-US" altLang="en-US" sz="1400" b="0" i="0" u="none" strike="noStrike" cap="none" normalizeH="0" baseline="0">
-                <a:ln>
-                  <a:noFill/>
-                </a:ln>
-                <a:solidFill>
-                  <a:schemeClr val="tx1"/>
-                </a:solidFill>
-                <a:effectLst/>
-                <a:latin typeface="Arial Unicode MS"/>
-              </a:rPr>
-              <a:t>Updated equipment {'switch3': '10.10.30.4', 'router4': '40.40.40.1'}</a:t>
-            </a:r>
-            <a:br>
-              <a:rPr kumimoji="0" lang="en-US" altLang="en-US" sz="1400" b="0" i="0" u="none" strike="noStrike" cap="none" normalizeH="0" baseline="0">
-                <a:ln>
-                  <a:noFill/>
-                </a:ln>
-                <a:solidFill>
-                  <a:schemeClr val="tx1"/>
-                </a:solidFill>
-                <a:effectLst/>
-                <a:latin typeface="Arial Unicode MS"/>
-              </a:rPr>
-            </a:br>
-            <a:br>
-              <a:rPr kumimoji="0" lang="en-US" altLang="en-US" sz="1400" b="0" i="0" u="none" strike="noStrike" cap="none" normalizeH="0" baseline="0">
-                <a:ln>
-                  <a:noFill/>
-                </a:ln>
-                <a:solidFill>
-                  <a:schemeClr val="tx1"/>
-                </a:solidFill>
-                <a:effectLst/>
-                <a:latin typeface="Arial Unicode MS"/>
-              </a:rPr>
-            </a:br>
-            <a:r>
-              <a:rPr kumimoji="0" lang="en-US" altLang="en-US" sz="1400" b="0" i="0" u="none" strike="noStrike" cap="none" normalizeH="0" baseline="0">
-                <a:ln>
-                  <a:noFill/>
-                </a:ln>
-                <a:solidFill>
-                  <a:schemeClr val="tx1"/>
-                </a:solidFill>
-                <a:effectLst/>
-                <a:latin typeface="Arial Unicode MS"/>
-              </a:rPr>
-              <a:t>Number of invalid addresses attempted: 2</a:t>
-            </a:r>
-            <a:br>
-              <a:rPr kumimoji="0" lang="en-US" altLang="en-US" sz="1400" b="0" i="0" u="none" strike="noStrike" cap="none" normalizeH="0" baseline="0">
-                <a:ln>
-                  <a:noFill/>
-                </a:ln>
-                <a:solidFill>
-                  <a:schemeClr val="tx1"/>
-                </a:solidFill>
-                <a:effectLst/>
-                <a:latin typeface="Arial Unicode MS"/>
-              </a:rPr>
-            </a:br>
-            <a:r>
-              <a:rPr kumimoji="0" lang="en-US" altLang="en-US" sz="1400" b="0" i="0" u="none" strike="noStrike" cap="none" normalizeH="0" baseline="0">
-                <a:ln>
-                  <a:noFill/>
-                </a:ln>
-                <a:solidFill>
-                  <a:schemeClr val="tx1"/>
-                </a:solidFill>
-                <a:effectLst/>
-                <a:latin typeface="Arial Unicode MS"/>
-              </a:rPr>
-              <a:t>List of invalid addresses: ['10.10.300.4', '400.400.4']</a:t>
-            </a:r>
-            <a:br>
-              <a:rPr kumimoji="0" lang="en-US" altLang="en-US" sz="1400" b="0" i="0" u="none" strike="noStrike" cap="none" normalizeH="0" baseline="0">
-                <a:ln>
-                  <a:noFill/>
-                </a:ln>
-                <a:solidFill>
-                  <a:schemeClr val="tx1"/>
-                </a:solidFill>
-                <a:effectLst/>
-                <a:latin typeface="Arial Unicode MS"/>
-              </a:rPr>
-            </a:br>
-            <a:br>
-              <a:rPr kumimoji="0" lang="en-US" altLang="en-US" sz="1400" b="0" i="0" u="none" strike="noStrike" cap="none" normalizeH="0" baseline="0">
-                <a:ln>
-                  <a:noFill/>
-                </a:ln>
-                <a:solidFill>
-                  <a:schemeClr val="tx1"/>
-                </a:solidFill>
-                <a:effectLst/>
-                <a:latin typeface="Arial Unicode MS"/>
-              </a:rPr>
-            </a:br>
-            <a:r>
-              <a:rPr kumimoji="0" lang="en-US" altLang="en-US" sz="1400" b="0" i="0" u="none" strike="noStrike" cap="none" normalizeH="0" baseline="0">
-                <a:ln>
-                  <a:noFill/>
-                </a:ln>
-                <a:solidFill>
-                  <a:schemeClr val="tx1"/>
-                </a:solidFill>
-                <a:effectLst/>
-                <a:latin typeface="Arial Unicode MS"/>
-              </a:rPr>
-              <a:t>The updated router dictionary:</a:t>
-            </a:r>
-            <a:br>
-              <a:rPr kumimoji="0" lang="en-US" altLang="en-US" sz="1400" b="0" i="0" u="none" strike="noStrike" cap="none" normalizeH="0" baseline="0">
-                <a:ln>
-                  <a:noFill/>
-                </a:ln>
-                <a:solidFill>
-                  <a:schemeClr val="tx1"/>
-                </a:solidFill>
-                <a:effectLst/>
-                <a:latin typeface="Arial Unicode MS"/>
-              </a:rPr>
-            </a:br>
-            <a:r>
-              <a:rPr kumimoji="0" lang="en-US" altLang="en-US" sz="1400" b="0" i="0" u="none" strike="noStrike" cap="none" normalizeH="0" baseline="0">
-                <a:ln>
-                  <a:noFill/>
-                </a:ln>
-                <a:solidFill>
-                  <a:schemeClr val="tx1"/>
-                </a:solidFill>
-                <a:effectLst/>
-                <a:latin typeface="Arial Unicode MS"/>
-              </a:rPr>
-              <a:t> {'router1': '10.10.10.1', 'router2': '20.20.20.1', 'router3': '30.30.30.1', 'router4': '40.40.40.1'}</a:t>
-            </a:r>
-            <a:br>
-              <a:rPr kumimoji="0" lang="en-US" altLang="en-US" sz="1400" b="0" i="0" u="none" strike="noStrike" cap="none" normalizeH="0" baseline="0">
-                <a:ln>
-                  <a:noFill/>
-                </a:ln>
-                <a:solidFill>
-                  <a:schemeClr val="tx1"/>
-                </a:solidFill>
-                <a:effectLst/>
-                <a:latin typeface="Arial Unicode MS"/>
-              </a:rPr>
-            </a:br>
-            <a:br>
-              <a:rPr kumimoji="0" lang="en-US" altLang="en-US" sz="1400" b="0" i="0" u="none" strike="noStrike" cap="none" normalizeH="0" baseline="0">
-                <a:ln>
-                  <a:noFill/>
-                </a:ln>
-                <a:solidFill>
-                  <a:schemeClr val="tx1"/>
-                </a:solidFill>
-                <a:effectLst/>
-                <a:latin typeface="Arial Unicode MS"/>
-              </a:rPr>
-            </a:br>
-            <a:r>
-              <a:rPr kumimoji="0" lang="en-US" altLang="en-US" sz="1400" b="0" i="0" u="none" strike="noStrike" cap="none" normalizeH="0" baseline="0">
-                <a:ln>
-                  <a:noFill/>
-                </a:ln>
-                <a:solidFill>
-                  <a:schemeClr val="tx1"/>
-                </a:solidFill>
-                <a:effectLst/>
-                <a:latin typeface="Arial Unicode MS"/>
-              </a:rPr>
-              <a:t>The updated switches dictionary:</a:t>
-            </a:r>
-            <a:br>
-              <a:rPr kumimoji="0" lang="en-US" altLang="en-US" sz="1400" b="0" i="0" u="none" strike="noStrike" cap="none" normalizeH="0" baseline="0">
-                <a:ln>
-                  <a:noFill/>
-                </a:ln>
-                <a:solidFill>
-                  <a:schemeClr val="tx1"/>
-                </a:solidFill>
-                <a:effectLst/>
-                <a:latin typeface="Arial Unicode MS"/>
-              </a:rPr>
-            </a:br>
-            <a:r>
-              <a:rPr kumimoji="0" lang="en-US" altLang="en-US" sz="1400" b="0" i="0" u="none" strike="noStrike" cap="none" normalizeH="0" baseline="0">
-                <a:ln>
-                  <a:noFill/>
-                </a:ln>
-                <a:solidFill>
-                  <a:schemeClr val="tx1"/>
-                </a:solidFill>
-                <a:effectLst/>
-                <a:latin typeface="Arial Unicode MS"/>
-              </a:rPr>
-              <a:t> {'switch1': '10.10.10.2', 'switch2': '10.10.10.3', 'switch3': '10.10.30.4', 'switch4': '10.10.10.5', 'switch5': '20.20.20.2', 'switch6': '20.20.20.3',</a:t>
-            </a:r>
-          </a:p>
-          <a:p>
-            <a:pPr marL="0" marR="0" lvl="0" indent="0" algn="l" defTabSz="914400" rtl="0" eaLnBrk="0" fontAlgn="base" latinLnBrk="0" hangingPunct="0">
-              <a:lnSpc>
-                <a:spcPct val="100000"/>
-              </a:lnSpc>
-              <a:spcBef>
-                <a:spcPct val="0"/>
-              </a:spcBef>
-              <a:spcAft>
-                <a:spcPct val="0"/>
-              </a:spcAft>
-              <a:buClrTx/>
-              <a:buSzTx/>
-              <a:buFontTx/>
-              <a:buNone/>
-              <a:tabLst/>
-            </a:pPr>
-            <a:r>
-              <a:rPr kumimoji="0" lang="en-US" altLang="en-US" sz="1400" b="0" i="0" u="none" strike="noStrike" cap="none" normalizeH="0" baseline="0">
-                <a:ln>
-                  <a:noFill/>
-                </a:ln>
-                <a:solidFill>
-                  <a:schemeClr val="tx1"/>
-                </a:solidFill>
-                <a:effectLst/>
-                <a:latin typeface="Arial Unicode MS"/>
-              </a:rPr>
-              <a:t> 'switch7': '30.30.30.2', 'switch8': '30.30.30.3', 'switch9': '30.30.30.4'}</a:t>
-            </a:r>
-            <a:r>
-              <a:rPr kumimoji="0" lang="en-US" altLang="en-US" sz="1400" b="0" i="0" u="none" strike="noStrike" cap="none" normalizeH="0" baseline="0">
-                <a:ln>
-                  <a:noFill/>
-                </a:ln>
-                <a:solidFill>
-                  <a:schemeClr val="tx1"/>
-                </a:solidFill>
-                <a:effectLst/>
-              </a:rPr>
-              <a:t> </a:t>
-            </a:r>
-          </a:p>
-          <a:p>
-            <a:pPr marL="0" marR="0" lvl="0" indent="0" algn="l" defTabSz="914400" rtl="0" eaLnBrk="0" fontAlgn="base" latinLnBrk="0" hangingPunct="0">
-              <a:lnSpc>
-                <a:spcPct val="100000"/>
-              </a:lnSpc>
-              <a:spcBef>
-                <a:spcPct val="0"/>
-              </a:spcBef>
-              <a:spcAft>
-                <a:spcPct val="0"/>
-              </a:spcAft>
-              <a:buClrTx/>
-              <a:buSzTx/>
-              <a:buFontTx/>
-              <a:buNone/>
-              <a:tabLst/>
-            </a:pPr>
-            <a:endParaRPr lang="en-US" altLang="en-US" sz="1400">
-              <a:latin typeface="Arial" panose="020B0604020202020204" pitchFamily="34" charset="0"/>
-            </a:endParaRPr>
-          </a:p>
-          <a:p>
-            <a:pPr marL="0" marR="0" lvl="0" indent="0" algn="l" defTabSz="914400" rtl="0" eaLnBrk="0" fontAlgn="base" latinLnBrk="0" hangingPunct="0">
-              <a:lnSpc>
-                <a:spcPct val="100000"/>
-              </a:lnSpc>
-              <a:spcBef>
-                <a:spcPct val="0"/>
-              </a:spcBef>
-              <a:spcAft>
-                <a:spcPct val="0"/>
-              </a:spcAft>
-              <a:buClrTx/>
-              <a:buSzTx/>
-              <a:buFontTx/>
-              <a:buNone/>
-              <a:tabLst/>
-            </a:pPr>
-            <a:endParaRPr kumimoji="0" lang="en-US" altLang="en-US" sz="1400" b="0" i="0" u="none" strike="noStrike" cap="none" normalizeH="0" baseline="0">
-              <a:ln>
-                <a:noFill/>
-              </a:ln>
-              <a:solidFill>
-                <a:schemeClr val="tx1"/>
-              </a:solidFill>
-              <a:effectLst/>
-              <a:latin typeface="Arial" panose="020B0604020202020204" pitchFamily="34" charset="0"/>
-            </a:endParaRPr>
-          </a:p>
-        </p:txBody>
-      </p:sp>
-    </p:spTree>
-    <p:extLst>
-      <p:ext uri="{BB962C8B-B14F-4D97-AF65-F5344CB8AC3E}">
-        <p14:creationId xmlns:p14="http://schemas.microsoft.com/office/powerpoint/2010/main" val="2577386066"/>
-      </p:ext>
-    </p:extLst>
-  </p:cSld>
-  <p:clrMapOvr>
-    <a:masterClrMapping/>
-  </p:clrMapOvr>
-</p:sld>
-</file>
-
-<file path=ppt/slides/slide15.xml><?xml version="1.0" encoding="utf-8"?>
-<p:sld xmlns:a="http://schemas.openxmlformats.org/drawingml/2006/main" xmlns:r="http://schemas.openxmlformats.org/officeDocument/2006/relationships" xmlns:p="http://schemas.openxmlformats.org/presentationml/2006/main">
-  <p:cSld>
-    <p:spTree>
-      <p:nvGrpSpPr>
-        <p:cNvPr id="1" name=""/>
-        <p:cNvGrpSpPr/>
-        <p:nvPr/>
-      </p:nvGrpSpPr>
-      <p:grpSpPr>
-        <a:xfrm>
-          <a:off x="0" y="0"/>
-          <a:ext cx="0" cy="0"/>
-          <a:chOff x="0" y="0"/>
-          <a:chExt cx="0" cy="0"/>
-        </a:xfrm>
-      </p:grpSpPr>
-      <p:sp>
-        <p:nvSpPr>
-          <p:cNvPr id="8" name="Title 7">
-            <a:extLst>
-              <a:ext uri="{FF2B5EF4-FFF2-40B4-BE49-F238E27FC236}">
-                <a16:creationId xmlns:a16="http://schemas.microsoft.com/office/drawing/2014/main" id="{0684BDCD-EDE3-C5DD-F0DE-B142A062FF37}"/>
-              </a:ext>
-            </a:extLst>
-          </p:cNvPr>
-          <p:cNvSpPr>
-            <a:spLocks noGrp="1"/>
-          </p:cNvSpPr>
-          <p:nvPr>
-            <p:ph type="title"/>
-          </p:nvPr>
-        </p:nvSpPr>
-        <p:spPr/>
-        <p:txBody>
-          <a:bodyPr/>
-          <a:lstStyle/>
-          <a:p>
-            <a:r>
-              <a:rPr lang="en-US"/>
-              <a:t>Programming Assignment 4 Solution</a:t>
-            </a:r>
-          </a:p>
-        </p:txBody>
-      </p:sp>
-      <p:sp>
-        <p:nvSpPr>
-          <p:cNvPr id="2" name="Slide Number Placeholder 1">
-            <a:extLst>
-              <a:ext uri="{FF2B5EF4-FFF2-40B4-BE49-F238E27FC236}">
-                <a16:creationId xmlns:a16="http://schemas.microsoft.com/office/drawing/2014/main" id="{17729FCA-BCBC-A5D4-2CCF-585E60A96BA9}"/>
-              </a:ext>
-            </a:extLst>
-          </p:cNvPr>
-          <p:cNvSpPr>
-            <a:spLocks noGrp="1"/>
-          </p:cNvSpPr>
-          <p:nvPr>
-            <p:ph type="sldNum" sz="quarter" idx="12"/>
-          </p:nvPr>
-        </p:nvSpPr>
-        <p:spPr/>
-        <p:txBody>
-          <a:bodyPr/>
-          <a:lstStyle/>
-          <a:p>
-            <a:fld id="{E84E2596-301E-4832-9EC0-2653E7A66251}" type="slidenum">
-              <a:rPr lang="en-US" smtClean="0"/>
-              <a:t>15</a:t>
-            </a:fld>
-            <a:endParaRPr lang="en-US"/>
-          </a:p>
-        </p:txBody>
-      </p:sp>
-      <p:pic>
-        <p:nvPicPr>
-          <p:cNvPr id="7" name="Picture 6">
-            <a:extLst>
-              <a:ext uri="{FF2B5EF4-FFF2-40B4-BE49-F238E27FC236}">
-                <a16:creationId xmlns:a16="http://schemas.microsoft.com/office/drawing/2014/main" id="{2F0E18AA-6D76-3F9B-DF97-9C32646D503C}"/>
-              </a:ext>
-            </a:extLst>
-          </p:cNvPr>
-          <p:cNvPicPr>
-            <a:picLocks noChangeAspect="1"/>
-          </p:cNvPicPr>
-          <p:nvPr/>
-        </p:nvPicPr>
-        <p:blipFill>
-          <a:blip r:embed="rId2"/>
-          <a:stretch>
-            <a:fillRect/>
-          </a:stretch>
-        </p:blipFill>
-        <p:spPr>
-          <a:xfrm>
-            <a:off x="1837372" y="1417638"/>
-            <a:ext cx="7277735" cy="5296535"/>
-          </a:xfrm>
-          <a:prstGeom prst="rect">
-            <a:avLst/>
-          </a:prstGeom>
-        </p:spPr>
-      </p:pic>
-    </p:spTree>
-    <p:extLst>
-      <p:ext uri="{BB962C8B-B14F-4D97-AF65-F5344CB8AC3E}">
-        <p14:creationId xmlns:p14="http://schemas.microsoft.com/office/powerpoint/2010/main" val="2412943156"/>
-      </p:ext>
-    </p:extLst>
-  </p:cSld>
-  <p:clrMapOvr>
-    <a:masterClrMapping/>
-  </p:clrMapOvr>
-</p:sld>
-</file>
-
-<file path=ppt/slides/slide16.xml><?xml version="1.0" encoding="utf-8"?>
-<p:sld xmlns:a="http://schemas.openxmlformats.org/drawingml/2006/main" xmlns:r="http://schemas.openxmlformats.org/officeDocument/2006/relationships" xmlns:p="http://schemas.openxmlformats.org/presentationml/2006/main">
-  <p:cSld>
-    <p:spTree>
-      <p:nvGrpSpPr>
-        <p:cNvPr id="1" name=""/>
-        <p:cNvGrpSpPr/>
-        <p:nvPr/>
-      </p:nvGrpSpPr>
-      <p:grpSpPr>
-        <a:xfrm>
-          <a:off x="0" y="0"/>
-          <a:ext cx="0" cy="0"/>
-          <a:chOff x="0" y="0"/>
-          <a:chExt cx="0" cy="0"/>
-        </a:xfrm>
-      </p:grpSpPr>
-      <p:sp>
-        <p:nvSpPr>
-          <p:cNvPr id="8" name="Title 7">
-            <a:extLst>
-              <a:ext uri="{FF2B5EF4-FFF2-40B4-BE49-F238E27FC236}">
-                <a16:creationId xmlns:a16="http://schemas.microsoft.com/office/drawing/2014/main" id="{0684BDCD-EDE3-C5DD-F0DE-B142A062FF37}"/>
-              </a:ext>
-            </a:extLst>
-          </p:cNvPr>
-          <p:cNvSpPr>
-            <a:spLocks noGrp="1"/>
-          </p:cNvSpPr>
-          <p:nvPr>
-            <p:ph type="title"/>
-          </p:nvPr>
-        </p:nvSpPr>
-        <p:spPr>
-          <a:xfrm>
-            <a:off x="284480" y="0"/>
-            <a:ext cx="10546080" cy="1143000"/>
-          </a:xfrm>
-        </p:spPr>
-        <p:txBody>
-          <a:bodyPr/>
-          <a:lstStyle/>
-          <a:p>
-            <a:r>
-              <a:rPr lang="en-US"/>
-              <a:t>Programming Assignment 4 Solution cont.</a:t>
-            </a:r>
-          </a:p>
-        </p:txBody>
-      </p:sp>
-      <p:sp>
-        <p:nvSpPr>
-          <p:cNvPr id="2" name="Slide Number Placeholder 1">
-            <a:extLst>
-              <a:ext uri="{FF2B5EF4-FFF2-40B4-BE49-F238E27FC236}">
-                <a16:creationId xmlns:a16="http://schemas.microsoft.com/office/drawing/2014/main" id="{17729FCA-BCBC-A5D4-2CCF-585E60A96BA9}"/>
-              </a:ext>
-            </a:extLst>
-          </p:cNvPr>
-          <p:cNvSpPr>
-            <a:spLocks noGrp="1"/>
-          </p:cNvSpPr>
-          <p:nvPr>
-            <p:ph type="sldNum" sz="quarter" idx="12"/>
-          </p:nvPr>
-        </p:nvSpPr>
-        <p:spPr/>
-        <p:txBody>
-          <a:bodyPr/>
-          <a:lstStyle/>
-          <a:p>
-            <a:fld id="{E84E2596-301E-4832-9EC0-2653E7A66251}" type="slidenum">
-              <a:rPr lang="en-US" smtClean="0"/>
-              <a:t>16</a:t>
-            </a:fld>
-            <a:endParaRPr lang="en-US"/>
-          </a:p>
-        </p:txBody>
-      </p:sp>
-      <p:pic>
-        <p:nvPicPr>
-          <p:cNvPr id="10" name="Picture 9">
-            <a:extLst>
-              <a:ext uri="{FF2B5EF4-FFF2-40B4-BE49-F238E27FC236}">
-                <a16:creationId xmlns:a16="http://schemas.microsoft.com/office/drawing/2014/main" id="{9BB4BA3C-5505-9F5B-E6D6-DFD0F9B609C8}"/>
-              </a:ext>
-            </a:extLst>
-          </p:cNvPr>
-          <p:cNvPicPr>
-            <a:picLocks noChangeAspect="1"/>
-          </p:cNvPicPr>
-          <p:nvPr/>
-        </p:nvPicPr>
-        <p:blipFill>
-          <a:blip r:embed="rId2"/>
-          <a:stretch>
-            <a:fillRect/>
-          </a:stretch>
-        </p:blipFill>
-        <p:spPr>
-          <a:xfrm>
-            <a:off x="3288347" y="1104265"/>
-            <a:ext cx="5086985" cy="5753735"/>
-          </a:xfrm>
-          <a:prstGeom prst="rect">
-            <a:avLst/>
-          </a:prstGeom>
-        </p:spPr>
-      </p:pic>
-    </p:spTree>
-    <p:extLst>
-      <p:ext uri="{BB962C8B-B14F-4D97-AF65-F5344CB8AC3E}">
-        <p14:creationId xmlns:p14="http://schemas.microsoft.com/office/powerpoint/2010/main" val="2271638385"/>
-      </p:ext>
-    </p:extLst>
-  </p:cSld>
-  <p:clrMapOvr>
-    <a:masterClrMapping/>
-  </p:clrMapOvr>
-</p:sld>
-</file>
-
-<file path=ppt/slides/slide17.xml><?xml version="1.0" encoding="utf-8"?>
-<p:sld xmlns:a="http://schemas.openxmlformats.org/drawingml/2006/main" xmlns:r="http://schemas.openxmlformats.org/officeDocument/2006/relationships" xmlns:p="http://schemas.openxmlformats.org/presentationml/2006/main">
-  <p:cSld>
-    <p:spTree>
-      <p:nvGrpSpPr>
-        <p:cNvPr id="1" name=""/>
-        <p:cNvGrpSpPr/>
-        <p:nvPr/>
-      </p:nvGrpSpPr>
-      <p:grpSpPr>
-        <a:xfrm>
-          <a:off x="0" y="0"/>
-          <a:ext cx="0" cy="0"/>
-          <a:chOff x="0" y="0"/>
-          <a:chExt cx="0" cy="0"/>
-        </a:xfrm>
-      </p:grpSpPr>
-      <p:sp>
-        <p:nvSpPr>
-          <p:cNvPr id="8" name="Title 7">
-            <a:extLst>
-              <a:ext uri="{FF2B5EF4-FFF2-40B4-BE49-F238E27FC236}">
-                <a16:creationId xmlns:a16="http://schemas.microsoft.com/office/drawing/2014/main" id="{0684BDCD-EDE3-C5DD-F0DE-B142A062FF37}"/>
-              </a:ext>
-            </a:extLst>
-          </p:cNvPr>
-          <p:cNvSpPr>
-            <a:spLocks noGrp="1"/>
-          </p:cNvSpPr>
-          <p:nvPr>
-            <p:ph type="title"/>
-          </p:nvPr>
-        </p:nvSpPr>
-        <p:spPr>
-          <a:xfrm>
-            <a:off x="142240" y="274638"/>
-            <a:ext cx="10627360" cy="1143000"/>
-          </a:xfrm>
-        </p:spPr>
-        <p:txBody>
-          <a:bodyPr/>
-          <a:lstStyle/>
-          <a:p>
-            <a:r>
-              <a:rPr lang="en-US"/>
-              <a:t>Programming Assignment 4 Solution cont.</a:t>
-            </a:r>
-          </a:p>
-        </p:txBody>
-      </p:sp>
-      <p:sp>
-        <p:nvSpPr>
-          <p:cNvPr id="2" name="Slide Number Placeholder 1">
-            <a:extLst>
-              <a:ext uri="{FF2B5EF4-FFF2-40B4-BE49-F238E27FC236}">
-                <a16:creationId xmlns:a16="http://schemas.microsoft.com/office/drawing/2014/main" id="{17729FCA-BCBC-A5D4-2CCF-585E60A96BA9}"/>
-              </a:ext>
-            </a:extLst>
-          </p:cNvPr>
-          <p:cNvSpPr>
-            <a:spLocks noGrp="1"/>
-          </p:cNvSpPr>
-          <p:nvPr>
-            <p:ph type="sldNum" sz="quarter" idx="12"/>
-          </p:nvPr>
-        </p:nvSpPr>
-        <p:spPr/>
-        <p:txBody>
-          <a:bodyPr/>
-          <a:lstStyle/>
-          <a:p>
-            <a:fld id="{E84E2596-301E-4832-9EC0-2653E7A66251}" type="slidenum">
-              <a:rPr lang="en-US" smtClean="0"/>
-              <a:t>17</a:t>
-            </a:fld>
-            <a:endParaRPr lang="en-US"/>
-          </a:p>
-        </p:txBody>
-      </p:sp>
-      <p:pic>
-        <p:nvPicPr>
-          <p:cNvPr id="3" name="Picture 2">
-            <a:extLst>
-              <a:ext uri="{FF2B5EF4-FFF2-40B4-BE49-F238E27FC236}">
-                <a16:creationId xmlns:a16="http://schemas.microsoft.com/office/drawing/2014/main" id="{8B18D376-2213-4A01-2C94-537A73AC5657}"/>
-              </a:ext>
-            </a:extLst>
-          </p:cNvPr>
-          <p:cNvPicPr>
-            <a:picLocks noChangeAspect="1"/>
-          </p:cNvPicPr>
-          <p:nvPr/>
-        </p:nvPicPr>
-        <p:blipFill>
-          <a:blip r:embed="rId2"/>
-          <a:stretch>
-            <a:fillRect/>
-          </a:stretch>
-        </p:blipFill>
-        <p:spPr>
-          <a:xfrm>
-            <a:off x="2698115" y="1551940"/>
-            <a:ext cx="5820410" cy="5306060"/>
-          </a:xfrm>
-          <a:prstGeom prst="rect">
-            <a:avLst/>
-          </a:prstGeom>
-        </p:spPr>
-      </p:pic>
-    </p:spTree>
-    <p:extLst>
-      <p:ext uri="{BB962C8B-B14F-4D97-AF65-F5344CB8AC3E}">
-        <p14:creationId xmlns:p14="http://schemas.microsoft.com/office/powerpoint/2010/main" val="242406291"/>
-      </p:ext>
-    </p:extLst>
-  </p:cSld>
-  <p:clrMapOvr>
-    <a:masterClrMapping/>
-  </p:clrMapOvr>
-</p:sld>
-</file>
-
-<file path=ppt/slides/slide2.xml><?xml version="1.0" encoding="utf-8"?>
-<p:sld xmlns:a="http://schemas.openxmlformats.org/drawingml/2006/main" xmlns:r="http://schemas.openxmlformats.org/officeDocument/2006/relationships" xmlns:p="http://schemas.openxmlformats.org/presentationml/2006/main">
-  <p:cSld>
-    <p:spTree>
-      <p:nvGrpSpPr>
-        <p:cNvPr id="1" name=""/>
-        <p:cNvGrpSpPr/>
-        <p:nvPr/>
-      </p:nvGrpSpPr>
-      <p:grpSpPr>
-        <a:xfrm>
-          <a:off x="0" y="0"/>
-          <a:ext cx="0" cy="0"/>
-          <a:chOff x="0" y="0"/>
-          <a:chExt cx="0" cy="0"/>
-        </a:xfrm>
-      </p:grpSpPr>
-      <p:sp>
-        <p:nvSpPr>
-          <p:cNvPr id="2" name="Title 1">
-            <a:extLst>
-              <a:ext uri="{FF2B5EF4-FFF2-40B4-BE49-F238E27FC236}">
-                <a16:creationId xmlns:a16="http://schemas.microsoft.com/office/drawing/2014/main" id="{296D7527-778E-74A6-0400-C54CD6B1C462}"/>
-              </a:ext>
-            </a:extLst>
-          </p:cNvPr>
-          <p:cNvSpPr>
-            <a:spLocks noGrp="1"/>
-          </p:cNvSpPr>
-          <p:nvPr>
-            <p:ph type="title"/>
-          </p:nvPr>
-        </p:nvSpPr>
-        <p:spPr/>
-        <p:txBody>
-          <a:bodyPr/>
-          <a:lstStyle/>
-          <a:p>
-            <a:r>
-              <a:rPr lang="en-US"/>
-              <a:t>Hands-on Labs</a:t>
-            </a:r>
-          </a:p>
-        </p:txBody>
-      </p:sp>
-      <p:sp>
-        <p:nvSpPr>
-          <p:cNvPr id="3" name="Text Placeholder 2">
-            <a:extLst>
-              <a:ext uri="{FF2B5EF4-FFF2-40B4-BE49-F238E27FC236}">
-                <a16:creationId xmlns:a16="http://schemas.microsoft.com/office/drawing/2014/main" id="{57CF2660-E7A3-206F-5F41-D6DA83DB4820}"/>
-              </a:ext>
-            </a:extLst>
-          </p:cNvPr>
-          <p:cNvSpPr>
-            <a:spLocks noGrp="1"/>
-          </p:cNvSpPr>
-          <p:nvPr>
-            <p:ph type="body" idx="1"/>
-          </p:nvPr>
-        </p:nvSpPr>
-        <p:spPr/>
-        <p:txBody>
-          <a:bodyPr/>
-          <a:lstStyle/>
-          <a:p>
-            <a:r>
-              <a:rPr lang="en-US"/>
-              <a:t>Day 2</a:t>
-            </a:r>
-          </a:p>
-        </p:txBody>
-      </p:sp>
-    </p:spTree>
-    <p:extLst>
-      <p:ext uri="{BB962C8B-B14F-4D97-AF65-F5344CB8AC3E}">
-        <p14:creationId xmlns:p14="http://schemas.microsoft.com/office/powerpoint/2010/main" val="2855143834"/>
-      </p:ext>
-    </p:extLst>
-  </p:cSld>
-  <p:clrMapOvr>
-    <a:masterClrMapping/>
-  </p:clrMapOvr>
-</p:sld>
-</file>
-
-<file path=ppt/slides/slide3.xml><?xml version="1.0" encoding="utf-8"?>
-<p:sld xmlns:a="http://schemas.openxmlformats.org/drawingml/2006/main" xmlns:r="http://schemas.openxmlformats.org/officeDocument/2006/relationships" xmlns:p="http://schemas.openxmlformats.org/presentationml/2006/main">
-  <p:cSld>
-    <p:spTree>
-      <p:nvGrpSpPr>
-        <p:cNvPr id="1" name=""/>
-        <p:cNvGrpSpPr/>
-        <p:nvPr/>
-      </p:nvGrpSpPr>
-      <p:grpSpPr>
-        <a:xfrm>
-          <a:off x="0" y="0"/>
-          <a:ext cx="0" cy="0"/>
-          <a:chOff x="0" y="0"/>
-          <a:chExt cx="0" cy="0"/>
-        </a:xfrm>
-      </p:grpSpPr>
-      <p:sp>
-        <p:nvSpPr>
-          <p:cNvPr id="2" name="Title 1">
-            <a:extLst>
-              <a:ext uri="{FF2B5EF4-FFF2-40B4-BE49-F238E27FC236}">
-                <a16:creationId xmlns:a16="http://schemas.microsoft.com/office/drawing/2014/main" id="{1644FEC2-5F29-0E15-036C-8E63F48393B2}"/>
-              </a:ext>
-            </a:extLst>
-          </p:cNvPr>
-          <p:cNvSpPr>
-            <a:spLocks noGrp="1"/>
-          </p:cNvSpPr>
-          <p:nvPr>
-            <p:ph type="title"/>
-          </p:nvPr>
-        </p:nvSpPr>
-        <p:spPr>
-          <a:xfrm>
-            <a:off x="609600" y="0"/>
-            <a:ext cx="10160000" cy="1143000"/>
-          </a:xfrm>
-        </p:spPr>
-        <p:txBody>
-          <a:bodyPr/>
-          <a:lstStyle/>
-          <a:p>
-            <a:r>
-              <a:rPr lang="en-US"/>
-              <a:t>Lists Programming Assignment</a:t>
-            </a:r>
-          </a:p>
-        </p:txBody>
-      </p:sp>
-      <p:sp>
-        <p:nvSpPr>
-          <p:cNvPr id="3" name="Content Placeholder 2">
-            <a:extLst>
-              <a:ext uri="{FF2B5EF4-FFF2-40B4-BE49-F238E27FC236}">
-                <a16:creationId xmlns:a16="http://schemas.microsoft.com/office/drawing/2014/main" id="{27DEBD2A-10EA-6A1D-6126-AF84297427C4}"/>
-              </a:ext>
-            </a:extLst>
-          </p:cNvPr>
-          <p:cNvSpPr>
-            <a:spLocks noGrp="1"/>
-          </p:cNvSpPr>
-          <p:nvPr>
-            <p:ph idx="1"/>
-          </p:nvPr>
-        </p:nvSpPr>
-        <p:spPr>
-          <a:xfrm>
-            <a:off x="609600" y="1143000"/>
-            <a:ext cx="10160000" cy="5334000"/>
-          </a:xfrm>
-        </p:spPr>
-        <p:txBody>
-          <a:bodyPr/>
-          <a:lstStyle/>
-          <a:p>
-            <a:r>
-              <a:rPr lang="en-US"/>
-              <a:t>Use three separate lists to hold the symbols, names, and values of at least five cryptocurrencies (see the expected output below).</a:t>
-            </a:r>
-          </a:p>
-          <a:p>
-            <a:r>
-              <a:rPr lang="en-US"/>
-              <a:t>Create an empty list to hold the names of the currency purchased. Use a variable to accumulate the total value of the purchase.</a:t>
-            </a:r>
-          </a:p>
-          <a:p>
-            <a:r>
-              <a:rPr lang="en-US"/>
-              <a:t>Display a content of the three lists as a text-based menu. Prompt the user to enter a currency symbol from the list. Display the Name of the currency in a response message to the user that they have purchased one unit of Currency.</a:t>
-            </a:r>
-          </a:p>
-          <a:p>
-            <a:r>
-              <a:rPr lang="en-US"/>
-              <a:t>Add the value of the currency to the accumulator variable.</a:t>
-            </a:r>
-          </a:p>
-          <a:p>
-            <a:r>
-              <a:rPr lang="en-US"/>
-              <a:t>Continue to prompt and input the user's choice until they enter an 'x' to exit.</a:t>
-            </a:r>
-          </a:p>
-          <a:p>
-            <a:r>
-              <a:rPr lang="en-US"/>
-              <a:t>Your program must validate the input; if an invalid symbol is entered, display an error message and redisplay the menu.</a:t>
-            </a:r>
-          </a:p>
-          <a:p>
-            <a:r>
-              <a:rPr lang="en-US"/>
-              <a:t>Sample output on next slide: </a:t>
-            </a:r>
-          </a:p>
-          <a:p>
-            <a:r>
-              <a:rPr lang="en-US"/>
-              <a:t>(currency types and values obtained from www.bankrate.com/investing/types-of-cryptocurrency, feel free to change and customize for your own preferences).</a:t>
-            </a:r>
-          </a:p>
-          <a:p>
-            <a:endParaRPr lang="en-US"/>
-          </a:p>
-        </p:txBody>
-      </p:sp>
-      <p:sp>
-        <p:nvSpPr>
-          <p:cNvPr id="4" name="Slide Number Placeholder 3">
-            <a:extLst>
-              <a:ext uri="{FF2B5EF4-FFF2-40B4-BE49-F238E27FC236}">
-                <a16:creationId xmlns:a16="http://schemas.microsoft.com/office/drawing/2014/main" id="{CB58D023-0AC5-62AC-E6F2-2C9D835905C4}"/>
-              </a:ext>
-            </a:extLst>
-          </p:cNvPr>
-          <p:cNvSpPr>
-            <a:spLocks noGrp="1"/>
-          </p:cNvSpPr>
-          <p:nvPr>
-            <p:ph type="sldNum" sz="quarter" idx="12"/>
-          </p:nvPr>
-        </p:nvSpPr>
-        <p:spPr/>
-        <p:txBody>
-          <a:bodyPr/>
-          <a:lstStyle/>
-          <a:p>
-            <a:fld id="{E84E2596-301E-4832-9EC0-2653E7A66251}" type="slidenum">
-              <a:rPr lang="en-US" smtClean="0"/>
-              <a:t>3</a:t>
-            </a:fld>
-            <a:endParaRPr lang="en-US"/>
-          </a:p>
-        </p:txBody>
-      </p:sp>
-    </p:spTree>
-    <p:extLst>
-      <p:ext uri="{BB962C8B-B14F-4D97-AF65-F5344CB8AC3E}">
-        <p14:creationId xmlns:p14="http://schemas.microsoft.com/office/powerpoint/2010/main" val="1591247851"/>
-      </p:ext>
-    </p:extLst>
-  </p:cSld>
-  <p:clrMapOvr>
-    <a:masterClrMapping/>
-  </p:clrMapOvr>
-</p:sld>
-</file>
-
-<file path=ppt/slides/slide4.xml><?xml version="1.0" encoding="utf-8"?>
-<p:sld xmlns:a="http://schemas.openxmlformats.org/drawingml/2006/main" xmlns:r="http://schemas.openxmlformats.org/officeDocument/2006/relationships" xmlns:p="http://schemas.openxmlformats.org/presentationml/2006/main">
-  <p:cSld>
-    <p:spTree>
-      <p:nvGrpSpPr>
-        <p:cNvPr id="1" name=""/>
-        <p:cNvGrpSpPr/>
-        <p:nvPr/>
-      </p:nvGrpSpPr>
-      <p:grpSpPr>
-        <a:xfrm>
-          <a:off x="0" y="0"/>
-          <a:ext cx="0" cy="0"/>
-          <a:chOff x="0" y="0"/>
-          <a:chExt cx="0" cy="0"/>
-        </a:xfrm>
-      </p:grpSpPr>
-      <p:sp>
-        <p:nvSpPr>
-          <p:cNvPr id="4" name="Slide Number Placeholder 3">
-            <a:extLst>
-              <a:ext uri="{FF2B5EF4-FFF2-40B4-BE49-F238E27FC236}">
-                <a16:creationId xmlns:a16="http://schemas.microsoft.com/office/drawing/2014/main" id="{DC92876C-EB60-3D75-A5FB-AF92D4B649DD}"/>
-              </a:ext>
-            </a:extLst>
-          </p:cNvPr>
-          <p:cNvSpPr>
-            <a:spLocks noGrp="1"/>
-          </p:cNvSpPr>
-          <p:nvPr>
-            <p:ph type="sldNum" sz="quarter" idx="12"/>
-          </p:nvPr>
-        </p:nvSpPr>
-        <p:spPr/>
-        <p:txBody>
-          <a:bodyPr/>
-          <a:lstStyle/>
-          <a:p>
-            <a:fld id="{E84E2596-301E-4832-9EC0-2653E7A66251}" type="slidenum">
-              <a:rPr lang="en-US" smtClean="0"/>
-              <a:t>4</a:t>
-            </a:fld>
-            <a:endParaRPr lang="en-US"/>
-          </a:p>
-        </p:txBody>
-      </p:sp>
-      <p:sp>
-        <p:nvSpPr>
-          <p:cNvPr id="7" name="Content Placeholder 6">
-            <a:extLst>
-              <a:ext uri="{FF2B5EF4-FFF2-40B4-BE49-F238E27FC236}">
-                <a16:creationId xmlns:a16="http://schemas.microsoft.com/office/drawing/2014/main" id="{A7947DE9-2E82-2437-093A-653AB06ADAA9}"/>
-              </a:ext>
-            </a:extLst>
-          </p:cNvPr>
-          <p:cNvSpPr>
-            <a:spLocks noGrp="1"/>
-          </p:cNvSpPr>
-          <p:nvPr>
-            <p:ph idx="1"/>
-          </p:nvPr>
-        </p:nvSpPr>
-        <p:spPr>
-          <a:xfrm>
-            <a:off x="609600" y="121024"/>
-            <a:ext cx="10160000" cy="6355976"/>
-          </a:xfrm>
-        </p:spPr>
-        <p:txBody>
-          <a:bodyPr/>
-          <a:lstStyle/>
-          <a:p>
-            <a:r>
-              <a:rPr lang="en-US"/>
-              <a:t>Currently Available Currencies</a:t>
-            </a:r>
-            <a:br>
-              <a:rPr lang="en-US"/>
-            </a:br>
-            <a:br>
-              <a:rPr lang="en-US"/>
-            </a:br>
-            <a:r>
-              <a:rPr lang="en-US" sz="1800"/>
-              <a:t>Symbol        Name                 Value</a:t>
-            </a:r>
-            <a:br>
-              <a:rPr lang="en-US" sz="1800"/>
-            </a:br>
-            <a:r>
-              <a:rPr lang="en-US" sz="1800"/>
-              <a:t>BTC           Bitcoin           $44340.0</a:t>
-            </a:r>
-            <a:br>
-              <a:rPr lang="en-US" sz="1800"/>
-            </a:br>
-            <a:r>
-              <a:rPr lang="en-US" sz="1800"/>
-              <a:t>ETH           Ethereum           $3224.0</a:t>
-            </a:r>
-            <a:br>
-              <a:rPr lang="en-US" sz="1800"/>
-            </a:br>
-            <a:r>
-              <a:rPr lang="en-US" sz="1800"/>
-              <a:t>USDT          Tether                $1.0</a:t>
-            </a:r>
-            <a:br>
-              <a:rPr lang="en-US" sz="1800"/>
-            </a:br>
-            <a:r>
-              <a:rPr lang="en-US" sz="1800"/>
-              <a:t>BNB           Binance Coin       $424.51</a:t>
-            </a:r>
-            <a:br>
-              <a:rPr lang="en-US" sz="1800"/>
-            </a:br>
-            <a:r>
-              <a:rPr lang="en-US" sz="1800"/>
-              <a:t>USDC          USD Coin              $1.0</a:t>
-            </a:r>
-            <a:br>
-              <a:rPr lang="en-US" sz="1800"/>
-            </a:br>
-            <a:r>
-              <a:rPr lang="en-US" sz="1800"/>
-              <a:t>ADA           Cardano               $1.2</a:t>
-            </a:r>
-            <a:br>
-              <a:rPr lang="en-US" sz="1800"/>
-            </a:br>
-            <a:r>
-              <a:rPr lang="en-US" sz="1800"/>
-              <a:t>SOL           Solana             $114.18</a:t>
-            </a:r>
-            <a:br>
-              <a:rPr lang="en-US" sz="1800"/>
-            </a:br>
-            <a:r>
-              <a:rPr lang="en-US" sz="1800"/>
-              <a:t>Please enter your choice (symbol), or x to exit: </a:t>
-            </a:r>
-            <a:r>
-              <a:rPr lang="en-US" sz="1800" b="1"/>
-              <a:t>btc</a:t>
-            </a:r>
-            <a:br>
-              <a:rPr lang="en-US" sz="1800"/>
-            </a:br>
-            <a:r>
-              <a:rPr lang="en-US" sz="1800"/>
-              <a:t>You have purchased one unit of Bitcoin</a:t>
-            </a:r>
-            <a:br>
-              <a:rPr lang="en-US" sz="1800"/>
-            </a:br>
-            <a:br>
-              <a:rPr lang="en-US" sz="1800"/>
-            </a:br>
-            <a:r>
-              <a:rPr lang="en-US" sz="1800"/>
-              <a:t>BTC           Bitcoin           $44340.0</a:t>
-            </a:r>
-            <a:br>
-              <a:rPr lang="en-US" sz="1800"/>
-            </a:br>
-            <a:r>
-              <a:rPr lang="en-US" sz="1800"/>
-              <a:t>ETH           Ethereum           $3224.0</a:t>
-            </a:r>
-            <a:br>
-              <a:rPr lang="en-US" sz="1800"/>
-            </a:br>
-            <a:r>
-              <a:rPr lang="en-US" sz="1800"/>
-              <a:t>USDT          Tether                $1.0</a:t>
-            </a:r>
-            <a:br>
-              <a:rPr lang="en-US" sz="1800"/>
-            </a:br>
-            <a:r>
-              <a:rPr lang="en-US" sz="1800"/>
-              <a:t>BNB           Binance Coin       $424.51</a:t>
-            </a:r>
-            <a:br>
-              <a:rPr lang="en-US" sz="1800"/>
-            </a:br>
-            <a:r>
-              <a:rPr lang="en-US" sz="1800"/>
-              <a:t>USDC          USD Coin              $1.0</a:t>
-            </a:r>
-            <a:br>
-              <a:rPr lang="en-US" sz="1800"/>
-            </a:br>
-            <a:r>
-              <a:rPr lang="en-US" sz="1800"/>
-              <a:t>ADA           Cardano               $1.2</a:t>
-            </a:r>
-            <a:br>
-              <a:rPr lang="en-US" sz="1800"/>
-            </a:br>
-            <a:r>
-              <a:rPr lang="en-US" sz="1800"/>
-              <a:t>SOL           Solana             $114.18</a:t>
-            </a:r>
-            <a:br>
-              <a:rPr lang="en-US" sz="1800"/>
-            </a:br>
-            <a:r>
-              <a:rPr lang="en-US" sz="1800"/>
-              <a:t>Please enter your choice (symbol), or x to exit: </a:t>
-            </a:r>
-            <a:r>
-              <a:rPr lang="en-US" sz="1800" b="1"/>
-              <a:t>sol</a:t>
-            </a:r>
-            <a:br>
-              <a:rPr lang="en-US" sz="1800"/>
-            </a:br>
-            <a:r>
-              <a:rPr lang="en-US" sz="1800"/>
-              <a:t>You have purchased one unit of Solana</a:t>
-            </a:r>
-            <a:br>
-              <a:rPr lang="en-US" sz="1800"/>
-            </a:br>
-            <a:br>
-              <a:rPr lang="en-US" sz="1800"/>
-            </a:br>
-            <a:endParaRPr lang="en-US" sz="1800"/>
-          </a:p>
-        </p:txBody>
-      </p:sp>
-    </p:spTree>
-    <p:extLst>
-      <p:ext uri="{BB962C8B-B14F-4D97-AF65-F5344CB8AC3E}">
-        <p14:creationId xmlns:p14="http://schemas.microsoft.com/office/powerpoint/2010/main" val="999040617"/>
-      </p:ext>
-    </p:extLst>
-  </p:cSld>
-  <p:clrMapOvr>
-    <a:masterClrMapping/>
-  </p:clrMapOvr>
-</p:sld>
-</file>
-
-<file path=ppt/slides/slide5.xml><?xml version="1.0" encoding="utf-8"?>
-<p:sld xmlns:a="http://schemas.openxmlformats.org/drawingml/2006/main" xmlns:r="http://schemas.openxmlformats.org/officeDocument/2006/relationships" xmlns:p="http://schemas.openxmlformats.org/presentationml/2006/main">
-  <p:cSld>
-    <p:spTree>
-      <p:nvGrpSpPr>
-        <p:cNvPr id="1" name=""/>
-        <p:cNvGrpSpPr/>
-        <p:nvPr/>
-      </p:nvGrpSpPr>
-      <p:grpSpPr>
-        <a:xfrm>
-          <a:off x="0" y="0"/>
-          <a:ext cx="0" cy="0"/>
-          <a:chOff x="0" y="0"/>
-          <a:chExt cx="0" cy="0"/>
-        </a:xfrm>
-      </p:grpSpPr>
-      <p:sp>
-        <p:nvSpPr>
-          <p:cNvPr id="4" name="Slide Number Placeholder 3">
-            <a:extLst>
-              <a:ext uri="{FF2B5EF4-FFF2-40B4-BE49-F238E27FC236}">
-                <a16:creationId xmlns:a16="http://schemas.microsoft.com/office/drawing/2014/main" id="{DC92876C-EB60-3D75-A5FB-AF92D4B649DD}"/>
-              </a:ext>
-            </a:extLst>
-          </p:cNvPr>
-          <p:cNvSpPr>
-            <a:spLocks noGrp="1"/>
-          </p:cNvSpPr>
-          <p:nvPr>
-            <p:ph type="sldNum" sz="quarter" idx="12"/>
-          </p:nvPr>
-        </p:nvSpPr>
-        <p:spPr/>
-        <p:txBody>
-          <a:bodyPr/>
-          <a:lstStyle/>
-          <a:p>
-            <a:fld id="{E84E2596-301E-4832-9EC0-2653E7A66251}" type="slidenum">
-              <a:rPr lang="en-US" smtClean="0"/>
-              <a:t>5</a:t>
-            </a:fld>
-            <a:endParaRPr lang="en-US"/>
-          </a:p>
-        </p:txBody>
-      </p:sp>
-      <p:sp>
-        <p:nvSpPr>
-          <p:cNvPr id="7" name="Content Placeholder 6">
-            <a:extLst>
-              <a:ext uri="{FF2B5EF4-FFF2-40B4-BE49-F238E27FC236}">
-                <a16:creationId xmlns:a16="http://schemas.microsoft.com/office/drawing/2014/main" id="{A7947DE9-2E82-2437-093A-653AB06ADAA9}"/>
-              </a:ext>
-            </a:extLst>
-          </p:cNvPr>
-          <p:cNvSpPr>
-            <a:spLocks noGrp="1"/>
-          </p:cNvSpPr>
-          <p:nvPr>
-            <p:ph idx="1"/>
-          </p:nvPr>
-        </p:nvSpPr>
-        <p:spPr>
-          <a:xfrm>
-            <a:off x="609600" y="121024"/>
-            <a:ext cx="10160000" cy="6355976"/>
-          </a:xfrm>
-        </p:spPr>
-        <p:txBody>
-          <a:bodyPr/>
-          <a:lstStyle/>
-          <a:p>
-            <a:r>
-              <a:rPr lang="en-US" sz="1800"/>
-              <a:t>BTC           Bitcoin           $44340.0</a:t>
-            </a:r>
-            <a:br>
-              <a:rPr lang="en-US" sz="1800"/>
-            </a:br>
-            <a:r>
-              <a:rPr lang="en-US" sz="1800"/>
-              <a:t>ETH           Ethereum           $3224.0</a:t>
-            </a:r>
-            <a:br>
-              <a:rPr lang="en-US" sz="1800"/>
-            </a:br>
-            <a:r>
-              <a:rPr lang="en-US" sz="1800"/>
-              <a:t>USDT          Tether                $1.0</a:t>
-            </a:r>
-            <a:br>
-              <a:rPr lang="en-US" sz="1800"/>
-            </a:br>
-            <a:r>
-              <a:rPr lang="en-US" sz="1800"/>
-              <a:t>BNB           Binance Coin       $424.51</a:t>
-            </a:r>
-            <a:br>
-              <a:rPr lang="en-US" sz="1800"/>
-            </a:br>
-            <a:r>
-              <a:rPr lang="en-US" sz="1800"/>
-              <a:t>USDC          USD Coin              $1.0</a:t>
-            </a:r>
-            <a:br>
-              <a:rPr lang="en-US" sz="1800"/>
-            </a:br>
-            <a:r>
-              <a:rPr lang="en-US" sz="1800"/>
-              <a:t>ADA           Cardano               $1.2</a:t>
-            </a:r>
-            <a:br>
-              <a:rPr lang="en-US" sz="1800"/>
-            </a:br>
-            <a:r>
-              <a:rPr lang="en-US" sz="1800"/>
-              <a:t>SOL           Solana             $114.18</a:t>
-            </a:r>
-            <a:br>
-              <a:rPr lang="en-US" sz="1800"/>
-            </a:br>
-            <a:r>
-              <a:rPr lang="en-US" sz="1800"/>
-              <a:t>Please enter your choice (symbol), or x to exit: </a:t>
-            </a:r>
-            <a:r>
-              <a:rPr lang="en-US" sz="1800" b="1"/>
-              <a:t>sdl</a:t>
-            </a:r>
-            <a:br>
-              <a:rPr lang="en-US" sz="1800"/>
-            </a:br>
-            <a:r>
-              <a:rPr lang="en-US" sz="1800"/>
-              <a:t>Sorry, that is not a valid symbol</a:t>
-            </a:r>
-            <a:br>
-              <a:rPr lang="en-US" sz="1800"/>
-            </a:br>
-            <a:br>
-              <a:rPr lang="en-US" sz="1800"/>
-            </a:br>
-            <a:r>
-              <a:rPr lang="en-US" sz="1800"/>
-              <a:t>BTC           Bitcoin           $44340.0</a:t>
-            </a:r>
-            <a:br>
-              <a:rPr lang="en-US" sz="1800"/>
-            </a:br>
-            <a:r>
-              <a:rPr lang="en-US" sz="1800"/>
-              <a:t>ETH           Ethereum           $3224.0</a:t>
-            </a:r>
-            <a:br>
-              <a:rPr lang="en-US" sz="1800"/>
-            </a:br>
-            <a:r>
-              <a:rPr lang="en-US" sz="1800"/>
-              <a:t>USDT          Tether                $1.0</a:t>
-            </a:r>
-            <a:br>
-              <a:rPr lang="en-US" sz="1800"/>
-            </a:br>
-            <a:r>
-              <a:rPr lang="en-US" sz="1800"/>
-              <a:t>BNB           Binance Coin       $424.51</a:t>
-            </a:r>
-            <a:br>
-              <a:rPr lang="en-US" sz="1800"/>
-            </a:br>
-            <a:r>
-              <a:rPr lang="en-US" sz="1800"/>
-              <a:t>USDC          USD Coin              $1.0</a:t>
-            </a:r>
-            <a:br>
-              <a:rPr lang="en-US" sz="1800"/>
-            </a:br>
-            <a:r>
-              <a:rPr lang="en-US" sz="1800"/>
-              <a:t>ADA           Cardano               $1.2</a:t>
-            </a:r>
-            <a:br>
-              <a:rPr lang="en-US" sz="1800"/>
-            </a:br>
-            <a:r>
-              <a:rPr lang="en-US" sz="1800"/>
-              <a:t>SOL           Solana             $114.18</a:t>
-            </a:r>
-            <a:br>
-              <a:rPr lang="en-US" sz="1800"/>
-            </a:br>
-            <a:r>
-              <a:rPr lang="en-US" sz="1800"/>
-              <a:t>Please enter your choice (symbol), or x to exit: </a:t>
-            </a:r>
-            <a:r>
-              <a:rPr lang="en-US" sz="1800" b="1"/>
-              <a:t>x</a:t>
-            </a:r>
-            <a:br>
-              <a:rPr lang="en-US" sz="1800"/>
-            </a:br>
-            <a:br>
-              <a:rPr lang="en-US" sz="1800"/>
-            </a:br>
-            <a:r>
-              <a:rPr lang="en-US" sz="1800"/>
-              <a:t>Here are your purchased coins:</a:t>
-            </a:r>
-            <a:br>
-              <a:rPr lang="en-US" sz="1800"/>
-            </a:br>
-            <a:r>
-              <a:rPr lang="en-US" sz="1800"/>
-              <a:t>['Bitcoin', 'Solana']</a:t>
-            </a:r>
-            <a:br>
-              <a:rPr lang="en-US" sz="1800"/>
-            </a:br>
-            <a:r>
-              <a:rPr lang="en-US" sz="1800"/>
-              <a:t>The total value of your purchases is $44454.18</a:t>
-            </a:r>
-          </a:p>
-        </p:txBody>
-      </p:sp>
-    </p:spTree>
-    <p:extLst>
-      <p:ext uri="{BB962C8B-B14F-4D97-AF65-F5344CB8AC3E}">
-        <p14:creationId xmlns:p14="http://schemas.microsoft.com/office/powerpoint/2010/main" val="2130004649"/>
-      </p:ext>
-    </p:extLst>
-  </p:cSld>
-  <p:clrMapOvr>
-    <a:masterClrMapping/>
-  </p:clrMapOvr>
-</p:sld>
-</file>
-
-<file path=ppt/slides/slide6.xml><?xml version="1.0" encoding="utf-8"?>
-<p:sld xmlns:a="http://schemas.openxmlformats.org/drawingml/2006/main" xmlns:r="http://schemas.openxmlformats.org/officeDocument/2006/relationships" xmlns:p="http://schemas.openxmlformats.org/presentationml/2006/main">
-  <p:cSld>
-    <p:spTree>
-      <p:nvGrpSpPr>
-        <p:cNvPr id="1" name=""/>
-        <p:cNvGrpSpPr/>
-        <p:nvPr/>
-      </p:nvGrpSpPr>
-      <p:grpSpPr>
-        <a:xfrm>
-          <a:off x="0" y="0"/>
-          <a:ext cx="0" cy="0"/>
-          <a:chOff x="0" y="0"/>
-          <a:chExt cx="0" cy="0"/>
-        </a:xfrm>
-      </p:grpSpPr>
-      <p:sp>
-        <p:nvSpPr>
-          <p:cNvPr id="2" name="Slide Number Placeholder 1">
-            <a:extLst>
-              <a:ext uri="{FF2B5EF4-FFF2-40B4-BE49-F238E27FC236}">
-                <a16:creationId xmlns:a16="http://schemas.microsoft.com/office/drawing/2014/main" id="{06B7449C-A548-63DC-B27B-ED00CF8A2B4B}"/>
-              </a:ext>
-            </a:extLst>
-          </p:cNvPr>
-          <p:cNvSpPr>
-            <a:spLocks noGrp="1"/>
-          </p:cNvSpPr>
-          <p:nvPr>
-            <p:ph type="sldNum" sz="quarter" idx="12"/>
-          </p:nvPr>
-        </p:nvSpPr>
-        <p:spPr/>
-        <p:txBody>
-          <a:bodyPr/>
-          <a:lstStyle/>
-          <a:p>
-            <a:fld id="{E84E2596-301E-4832-9EC0-2653E7A66251}" type="slidenum">
-              <a:rPr lang="en-US" smtClean="0"/>
-              <a:t>6</a:t>
-            </a:fld>
-            <a:endParaRPr lang="en-US"/>
-          </a:p>
-        </p:txBody>
-      </p:sp>
-      <p:sp>
-        <p:nvSpPr>
-          <p:cNvPr id="4" name="TextBox 3">
-            <a:extLst>
-              <a:ext uri="{FF2B5EF4-FFF2-40B4-BE49-F238E27FC236}">
-                <a16:creationId xmlns:a16="http://schemas.microsoft.com/office/drawing/2014/main" id="{B227EF38-7D33-73A7-707F-3124CBDEC291}"/>
-              </a:ext>
-            </a:extLst>
-          </p:cNvPr>
-          <p:cNvSpPr txBox="1"/>
-          <p:nvPr/>
-        </p:nvSpPr>
-        <p:spPr>
-          <a:xfrm>
-            <a:off x="801064" y="231354"/>
-            <a:ext cx="9714536" cy="6333565"/>
-          </a:xfrm>
-          <a:prstGeom prst="rect">
-            <a:avLst/>
-          </a:prstGeom>
-          <a:noFill/>
-        </p:spPr>
-        <p:txBody>
-          <a:bodyPr wrap="square">
-            <a:spAutoFit/>
-          </a:bodyPr>
-          <a:lstStyle/>
-          <a:p>
-            <a:r>
-              <a:rPr lang="en-US"/>
-              <a:t>#!/usr/bin/env python3</a:t>
-            </a:r>
-          </a:p>
-          <a:p>
-            <a:r>
-              <a:rPr lang="en-US"/>
-              <a:t># cryptos.py</a:t>
-            </a:r>
-            <a:br>
-              <a:rPr lang="en-US"/>
-            </a:br>
-            <a:r>
-              <a:rPr lang="en-US"/>
-              <a:t># 6/20/22</a:t>
-            </a:r>
-            <a:br>
-              <a:rPr lang="en-US"/>
-            </a:br>
-            <a:r>
-              <a:rPr lang="en-US"/>
-              <a:t># menu-driven crypto purchases</a:t>
-            </a:r>
-          </a:p>
-          <a:p>
-            <a:r>
-              <a:rPr lang="en-US"/>
-              <a:t># prompt constants</a:t>
-            </a:r>
-            <a:br>
-              <a:rPr lang="en-US"/>
-            </a:br>
-            <a:r>
-              <a:rPr lang="en-US"/>
-              <a:t>PROMPT = "Please enter your choice (symbol), or x to exit: "</a:t>
-            </a:r>
-            <a:br>
-              <a:rPr lang="en-US"/>
-            </a:br>
-            <a:r>
-              <a:rPr lang="en-US"/>
-              <a:t>SORRY = "Sorry, that is not a valid symbol"</a:t>
-            </a:r>
-          </a:p>
-          <a:p>
-            <a:r>
-              <a:rPr lang="en-US"/>
-              <a:t># currency lists</a:t>
-            </a:r>
-            <a:br>
-              <a:rPr lang="en-US"/>
-            </a:br>
-            <a:r>
-              <a:rPr lang="en-US"/>
-              <a:t># https://www.bankrate.com/investing/types-of-cryptocurrency/</a:t>
-            </a:r>
-            <a:br>
-              <a:rPr lang="en-US"/>
-            </a:br>
-            <a:r>
-              <a:rPr lang="en-US"/>
-              <a:t>SYMBOLS = ['BTC', 'ETH', 'USDT', 'BNB', 'USDC', 'ADA', 'SOL']</a:t>
-            </a:r>
-            <a:br>
-              <a:rPr lang="en-US"/>
-            </a:br>
-            <a:r>
-              <a:rPr lang="en-US"/>
-              <a:t>NAMES = ['Bitcoin', 'Ethereum', 'Tether', 'Binance Coin', 'USD Coin', 'Cardano', 'Solana']</a:t>
-            </a:r>
-            <a:br>
-              <a:rPr lang="en-US"/>
-            </a:br>
-            <a:r>
-              <a:rPr lang="en-US"/>
-              <a:t>VALUES = [44340, 3224, 1, 424.51, 1, 1.2, 114.18]</a:t>
-            </a:r>
-            <a:br>
-              <a:rPr lang="en-US"/>
-            </a:br>
-            <a:r>
-              <a:rPr lang="en-US"/>
-              <a:t>purchased = []</a:t>
-            </a:r>
-          </a:p>
-          <a:p>
-            <a:r>
-              <a:rPr lang="en-US"/>
-              <a:t># accumulator variable</a:t>
-            </a:r>
-            <a:br>
-              <a:rPr lang="en-US"/>
-            </a:br>
-            <a:r>
-              <a:rPr lang="en-US"/>
-              <a:t>totalValue= 0</a:t>
-            </a:r>
-          </a:p>
-          <a:p>
-            <a:r>
-              <a:rPr lang="en-US"/>
-              <a:t># quitnow flag will be True when the exit option is chosen</a:t>
-            </a:r>
-            <a:br>
-              <a:rPr lang="en-US"/>
-            </a:br>
-            <a:r>
-              <a:rPr lang="en-US"/>
-              <a:t>quitNow = False</a:t>
-            </a:r>
-          </a:p>
-          <a:p>
-            <a:r>
-              <a:rPr lang="en-US"/>
-              <a:t># how many are available</a:t>
-            </a:r>
-            <a:br>
-              <a:rPr lang="en-US"/>
-            </a:br>
-            <a:r>
-              <a:rPr lang="en-US"/>
-              <a:t>numCurrs = len(SYMBOLS)</a:t>
-            </a:r>
-          </a:p>
-          <a:p>
-            <a:br>
-              <a:rPr lang="en-US"/>
-            </a:br>
-            <a:r>
-              <a:rPr lang="en-US"/>
-              <a:t>        </a:t>
-            </a:r>
-            <a:br>
-              <a:rPr lang="en-US"/>
-            </a:br>
-            <a:endParaRPr lang="en-US"/>
-          </a:p>
-        </p:txBody>
-      </p:sp>
-    </p:spTree>
-    <p:extLst>
-      <p:ext uri="{BB962C8B-B14F-4D97-AF65-F5344CB8AC3E}">
-        <p14:creationId xmlns:p14="http://schemas.microsoft.com/office/powerpoint/2010/main" val="1604394661"/>
-      </p:ext>
-    </p:extLst>
-  </p:cSld>
-  <p:clrMapOvr>
-    <a:masterClrMapping/>
-  </p:clrMapOvr>
-</p:sld>
-</file>
-
-<file path=ppt/slides/slide7.xml><?xml version="1.0" encoding="utf-8"?>
-<p:sld xmlns:a="http://schemas.openxmlformats.org/drawingml/2006/main" xmlns:r="http://schemas.openxmlformats.org/officeDocument/2006/relationships" xmlns:p="http://schemas.openxmlformats.org/presentationml/2006/main">
-  <p:cSld>
-    <p:spTree>
-      <p:nvGrpSpPr>
-        <p:cNvPr id="1" name=""/>
-        <p:cNvGrpSpPr/>
-        <p:nvPr/>
-      </p:nvGrpSpPr>
-      <p:grpSpPr>
-        <a:xfrm>
-          <a:off x="0" y="0"/>
-          <a:ext cx="0" cy="0"/>
-          <a:chOff x="0" y="0"/>
-          <a:chExt cx="0" cy="0"/>
-        </a:xfrm>
-      </p:grpSpPr>
-      <p:sp>
-        <p:nvSpPr>
-          <p:cNvPr id="2" name="Slide Number Placeholder 1">
-            <a:extLst>
-              <a:ext uri="{FF2B5EF4-FFF2-40B4-BE49-F238E27FC236}">
-                <a16:creationId xmlns:a16="http://schemas.microsoft.com/office/drawing/2014/main" id="{3D2394A2-F31A-F906-D4FE-5828CF6889AF}"/>
-              </a:ext>
-            </a:extLst>
-          </p:cNvPr>
-          <p:cNvSpPr>
-            <a:spLocks noGrp="1"/>
-          </p:cNvSpPr>
-          <p:nvPr>
-            <p:ph type="sldNum" sz="quarter" idx="12"/>
-          </p:nvPr>
-        </p:nvSpPr>
-        <p:spPr/>
-        <p:txBody>
-          <a:bodyPr/>
-          <a:lstStyle/>
-          <a:p>
-            <a:fld id="{E84E2596-301E-4832-9EC0-2653E7A66251}" type="slidenum">
-              <a:rPr lang="en-US" smtClean="0"/>
-              <a:t>7</a:t>
-            </a:fld>
-            <a:endParaRPr lang="en-US"/>
-          </a:p>
-        </p:txBody>
-      </p:sp>
-      <p:sp>
-        <p:nvSpPr>
-          <p:cNvPr id="4" name="TextBox 3">
-            <a:extLst>
-              <a:ext uri="{FF2B5EF4-FFF2-40B4-BE49-F238E27FC236}">
-                <a16:creationId xmlns:a16="http://schemas.microsoft.com/office/drawing/2014/main" id="{3C1F0C33-A1DB-EAF9-27C5-410E30D3F528}"/>
-              </a:ext>
-            </a:extLst>
-          </p:cNvPr>
-          <p:cNvSpPr txBox="1"/>
-          <p:nvPr/>
-        </p:nvSpPr>
-        <p:spPr>
-          <a:xfrm>
-            <a:off x="749675" y="166483"/>
-            <a:ext cx="8985996" cy="6463308"/>
-          </a:xfrm>
-          <a:prstGeom prst="rect">
-            <a:avLst/>
-          </a:prstGeom>
-          <a:noFill/>
-        </p:spPr>
-        <p:txBody>
-          <a:bodyPr wrap="square">
-            <a:spAutoFit/>
-          </a:bodyPr>
-          <a:lstStyle/>
-          <a:p>
-            <a:r>
-              <a:rPr lang="en-US"/>
-              <a:t>print("Currently Available Currencies\n")</a:t>
-            </a:r>
-          </a:p>
-          <a:p>
-            <a:r>
-              <a:rPr lang="en-US"/>
-              <a:t>while not quitNow:</a:t>
-            </a:r>
-            <a:br>
-              <a:rPr lang="en-US"/>
-            </a:br>
-            <a:r>
-              <a:rPr lang="en-US"/>
-              <a:t>    # show the menu, start with a header</a:t>
-            </a:r>
-            <a:br>
-              <a:rPr lang="en-US"/>
-            </a:br>
-            <a:r>
-              <a:rPr lang="en-US"/>
-              <a:t>    print('{:12}  {:12}  {:&gt;12}'.format('Symbol', 'Name', 'Value'))    </a:t>
-            </a:r>
-            <a:br>
-              <a:rPr lang="en-US"/>
-            </a:br>
-            <a:r>
-              <a:rPr lang="en-US"/>
-              <a:t>    for index in range(0, numCurrs):</a:t>
-            </a:r>
-            <a:br>
-              <a:rPr lang="en-US"/>
-            </a:br>
-            <a:r>
-              <a:rPr lang="en-US"/>
-              <a:t>        menuLine = '{:12}  {:12}  {:&gt;12}'.format(</a:t>
-            </a:r>
-            <a:br>
-              <a:rPr lang="en-US"/>
-            </a:br>
-            <a:r>
-              <a:rPr lang="en-US"/>
-              <a:t>                SYMBOLS[index], NAMES[index], '$' + str(float(VALUES[index])))</a:t>
-            </a:r>
-            <a:br>
-              <a:rPr lang="en-US"/>
-            </a:br>
-            <a:r>
-              <a:rPr lang="en-US"/>
-              <a:t>        print(menuLine) # get the choice, if exiting set the quitNow flag</a:t>
-            </a:r>
-            <a:br>
-              <a:rPr lang="en-US"/>
-            </a:br>
-            <a:r>
-              <a:rPr lang="en-US"/>
-              <a:t>    choice = input(PROMPT).upper()</a:t>
-            </a:r>
-            <a:br>
-              <a:rPr lang="en-US"/>
-            </a:br>
-            <a:r>
-              <a:rPr lang="en-US"/>
-              <a:t>    if (choice == 'X'):</a:t>
-            </a:r>
-            <a:br>
-              <a:rPr lang="en-US"/>
-            </a:br>
-            <a:r>
-              <a:rPr lang="en-US"/>
-              <a:t>        quitNow = True</a:t>
-            </a:r>
-            <a:br>
-              <a:rPr lang="en-US"/>
-            </a:br>
-            <a:r>
-              <a:rPr lang="en-US"/>
-              <a:t>    # check for a valid symbol</a:t>
-            </a:r>
-            <a:br>
-              <a:rPr lang="en-US"/>
-            </a:br>
-            <a:r>
-              <a:rPr lang="en-US"/>
-              <a:t>    elif not choice in SYMBOLS:</a:t>
-            </a:r>
-            <a:br>
-              <a:rPr lang="en-US"/>
-            </a:br>
-            <a:r>
-              <a:rPr lang="en-US"/>
-              <a:t>        print(SORRY)</a:t>
-            </a:r>
-            <a:br>
-              <a:rPr lang="en-US"/>
-            </a:br>
-            <a:r>
-              <a:rPr lang="en-US"/>
-              <a:t>    # got one, add it to the purchased list and accumulator</a:t>
-            </a:r>
-            <a:br>
-              <a:rPr lang="en-US"/>
-            </a:br>
-            <a:r>
-              <a:rPr lang="en-US"/>
-              <a:t>    else:</a:t>
-            </a:r>
-            <a:br>
-              <a:rPr lang="en-US"/>
-            </a:br>
-            <a:r>
-              <a:rPr lang="en-US"/>
-              <a:t>        print("You have purchased one unit of", NAMES[SYMBOLS.index(choice)])</a:t>
-            </a:r>
-            <a:br>
-              <a:rPr lang="en-US"/>
-            </a:br>
-            <a:r>
-              <a:rPr lang="en-US"/>
-              <a:t>        purchased.append(NAMES[SYMBOLS.index(choice)])</a:t>
-            </a:r>
-            <a:br>
-              <a:rPr lang="en-US"/>
-            </a:br>
-            <a:r>
-              <a:rPr lang="en-US"/>
-              <a:t>        totalValue += VALUES[SYMBOLS.index(choice)]</a:t>
-            </a:r>
-            <a:br>
-              <a:rPr lang="en-US"/>
-            </a:br>
-            <a:r>
-              <a:rPr lang="en-US"/>
-              <a:t>        print() # blank line before next menu</a:t>
-            </a:r>
-          </a:p>
-          <a:p>
-            <a:r>
-              <a:rPr lang="en-US"/>
-              <a:t>print("Here are your purchased coins:")</a:t>
-            </a:r>
-            <a:br>
-              <a:rPr lang="en-US"/>
-            </a:br>
-            <a:r>
-              <a:rPr lang="en-US"/>
-              <a:t>print(purchased)</a:t>
-            </a:r>
-            <a:br>
-              <a:rPr lang="en-US"/>
-            </a:br>
-            <a:r>
-              <a:rPr lang="en-US"/>
-              <a:t>print("The total value of your purchases is $", round(totalValue,2), sep="")</a:t>
-            </a:r>
-          </a:p>
-        </p:txBody>
-      </p:sp>
-    </p:spTree>
-    <p:extLst>
-      <p:ext uri="{BB962C8B-B14F-4D97-AF65-F5344CB8AC3E}">
-        <p14:creationId xmlns:p14="http://schemas.microsoft.com/office/powerpoint/2010/main" val="3909731878"/>
-      </p:ext>
-    </p:extLst>
-  </p:cSld>
-  <p:clrMapOvr>
-    <a:masterClrMapping/>
-  </p:clrMapOvr>
-</p:sld>
-</file>
-
-<file path=ppt/slides/slide8.xml><?xml version="1.0" encoding="utf-8"?>
-<p:sld xmlns:a="http://schemas.openxmlformats.org/drawingml/2006/main" xmlns:r="http://schemas.openxmlformats.org/officeDocument/2006/relationships" xmlns:p="http://schemas.openxmlformats.org/presentationml/2006/main">
-  <p:cSld>
-    <p:spTree>
-      <p:nvGrpSpPr>
-        <p:cNvPr id="1" name=""/>
-        <p:cNvGrpSpPr/>
-        <p:nvPr/>
-      </p:nvGrpSpPr>
-      <p:grpSpPr>
-        <a:xfrm>
-          <a:off x="0" y="0"/>
-          <a:ext cx="0" cy="0"/>
-          <a:chOff x="0" y="0"/>
-          <a:chExt cx="0" cy="0"/>
-        </a:xfrm>
-      </p:grpSpPr>
-      <p:sp>
-        <p:nvSpPr>
-          <p:cNvPr id="2" name="Title 1">
-            <a:extLst>
-              <a:ext uri="{FF2B5EF4-FFF2-40B4-BE49-F238E27FC236}">
-                <a16:creationId xmlns:a16="http://schemas.microsoft.com/office/drawing/2014/main" id="{C9A9D381-9214-A5FE-C809-D846A0DBD13D}"/>
-              </a:ext>
-            </a:extLst>
-          </p:cNvPr>
-          <p:cNvSpPr>
-            <a:spLocks noGrp="1"/>
-          </p:cNvSpPr>
-          <p:nvPr>
-            <p:ph type="title"/>
-          </p:nvPr>
-        </p:nvSpPr>
-        <p:spPr/>
-        <p:txBody>
-          <a:bodyPr/>
-          <a:lstStyle/>
-          <a:p>
-            <a:r>
-              <a:rPr lang="en-US"/>
-              <a:t>Lab 4: Functions</a:t>
-            </a:r>
-          </a:p>
-        </p:txBody>
-      </p:sp>
-      <p:sp>
-        <p:nvSpPr>
-          <p:cNvPr id="3" name="Content Placeholder 2">
-            <a:extLst>
-              <a:ext uri="{FF2B5EF4-FFF2-40B4-BE49-F238E27FC236}">
-                <a16:creationId xmlns:a16="http://schemas.microsoft.com/office/drawing/2014/main" id="{931F5113-FAAD-2032-3B5C-EB98245767A5}"/>
-              </a:ext>
-            </a:extLst>
-          </p:cNvPr>
-          <p:cNvSpPr>
-            <a:spLocks noGrp="1"/>
-          </p:cNvSpPr>
-          <p:nvPr>
-            <p:ph idx="1"/>
-          </p:nvPr>
-        </p:nvSpPr>
-        <p:spPr/>
-        <p:txBody>
-          <a:bodyPr/>
-          <a:lstStyle/>
-          <a:p>
-            <a:r>
-              <a:rPr lang="en-US"/>
-              <a:t>Write a modular Python program which creates a list of customers identified by first name, last name, and phone number. The program should contain the following functions:</a:t>
-            </a:r>
-          </a:p>
-          <a:p>
-            <a:pPr>
-              <a:buFont typeface="Arial" panose="020B0604020202020204" pitchFamily="34" charset="0"/>
-              <a:buChar char="•"/>
-            </a:pPr>
-            <a:r>
-              <a:rPr lang="en-US"/>
-              <a:t>a main function with an associated top level scope check</a:t>
-            </a:r>
-          </a:p>
-          <a:p>
-            <a:pPr>
-              <a:buFont typeface="Arial" panose="020B0604020202020204" pitchFamily="34" charset="0"/>
-              <a:buChar char="•"/>
-            </a:pPr>
-            <a:r>
-              <a:rPr lang="en-US"/>
-              <a:t>a function which generates the customer data and returns it to the main function</a:t>
-            </a:r>
-          </a:p>
-          <a:p>
-            <a:r>
-              <a:rPr lang="en-US" b="1"/>
-              <a:t>Sample output:</a:t>
-            </a:r>
-            <a:endParaRPr lang="en-US"/>
-          </a:p>
-          <a:p>
-            <a:r>
-              <a:rPr lang="en-US">
-                <a:effectLst/>
-              </a:rPr>
-              <a:t>Here are the customers:</a:t>
-            </a:r>
-            <a:br>
-              <a:rPr lang="en-US">
-                <a:effectLst/>
-              </a:rPr>
-            </a:br>
-            <a:r>
-              <a:rPr lang="en-US">
-                <a:effectLst/>
-              </a:rPr>
-              <a:t>Galadriel Amakir 555-1212</a:t>
-            </a:r>
-            <a:br>
-              <a:rPr lang="en-US">
-                <a:effectLst/>
-              </a:rPr>
-            </a:br>
-            <a:r>
-              <a:rPr lang="en-US">
-                <a:effectLst/>
-              </a:rPr>
-              <a:t>Elrond Amaadon 556-1313</a:t>
-            </a:r>
-            <a:br>
-              <a:rPr lang="en-US">
-                <a:effectLst/>
-              </a:rPr>
-            </a:br>
-            <a:r>
-              <a:rPr lang="en-US">
-                <a:effectLst/>
-              </a:rPr>
-              <a:t>Lúthien Amastacia 557-1414</a:t>
-            </a:r>
-            <a:br>
-              <a:rPr lang="en-US">
-                <a:effectLst/>
-              </a:rPr>
-            </a:br>
-            <a:r>
-              <a:rPr lang="en-US">
-                <a:effectLst/>
-              </a:rPr>
-              <a:t>Fingolfin Amamion 557-1515</a:t>
-            </a:r>
-          </a:p>
-          <a:p>
-            <a:endParaRPr lang="en-US"/>
-          </a:p>
-        </p:txBody>
-      </p:sp>
-      <p:sp>
-        <p:nvSpPr>
-          <p:cNvPr id="4" name="Slide Number Placeholder 3">
-            <a:extLst>
-              <a:ext uri="{FF2B5EF4-FFF2-40B4-BE49-F238E27FC236}">
-                <a16:creationId xmlns:a16="http://schemas.microsoft.com/office/drawing/2014/main" id="{19E966A4-67F1-E313-3912-467C8740E42B}"/>
-              </a:ext>
-            </a:extLst>
-          </p:cNvPr>
-          <p:cNvSpPr>
-            <a:spLocks noGrp="1"/>
-          </p:cNvSpPr>
-          <p:nvPr>
-            <p:ph type="sldNum" sz="quarter" idx="12"/>
-          </p:nvPr>
-        </p:nvSpPr>
-        <p:spPr/>
-        <p:txBody>
-          <a:bodyPr/>
-          <a:lstStyle/>
-          <a:p>
-            <a:fld id="{E84E2596-301E-4832-9EC0-2653E7A66251}" type="slidenum">
-              <a:rPr lang="en-US" smtClean="0"/>
-              <a:t>8</a:t>
-            </a:fld>
-            <a:endParaRPr lang="en-US"/>
-          </a:p>
-        </p:txBody>
-      </p:sp>
-    </p:spTree>
-    <p:extLst>
-      <p:ext uri="{BB962C8B-B14F-4D97-AF65-F5344CB8AC3E}">
-        <p14:creationId xmlns:p14="http://schemas.microsoft.com/office/powerpoint/2010/main" val="3865564095"/>
-      </p:ext>
-    </p:extLst>
-  </p:cSld>
-  <p:clrMapOvr>
-    <a:masterClrMapping/>
-  </p:clrMapOvr>
-</p:sld>
-</file>
-
-<file path=ppt/slides/slide9.xml><?xml version="1.0" encoding="utf-8"?>
-<p:sld xmlns:a="http://schemas.openxmlformats.org/drawingml/2006/main" xmlns:r="http://schemas.openxmlformats.org/officeDocument/2006/relationships" xmlns:p="http://schemas.openxmlformats.org/presentationml/2006/main">
-  <p:cSld>
-    <p:spTree>
-      <p:nvGrpSpPr>
-        <p:cNvPr id="1" name=""/>
-        <p:cNvGrpSpPr/>
-        <p:nvPr/>
-      </p:nvGrpSpPr>
-      <p:grpSpPr>
-        <a:xfrm>
-          <a:off x="0" y="0"/>
-          <a:ext cx="0" cy="0"/>
-          <a:chOff x="0" y="0"/>
-          <a:chExt cx="0" cy="0"/>
-        </a:xfrm>
-      </p:grpSpPr>
-      <p:sp>
-        <p:nvSpPr>
-          <p:cNvPr id="2" name="Slide Number Placeholder 1">
-            <a:extLst>
-              <a:ext uri="{FF2B5EF4-FFF2-40B4-BE49-F238E27FC236}">
-                <a16:creationId xmlns:a16="http://schemas.microsoft.com/office/drawing/2014/main" id="{92392CBD-AD84-C8DB-A52D-762EF4F5EF45}"/>
-              </a:ext>
-            </a:extLst>
-          </p:cNvPr>
-          <p:cNvSpPr>
-            <a:spLocks noGrp="1"/>
-          </p:cNvSpPr>
-          <p:nvPr>
-            <p:ph type="sldNum" sz="quarter" idx="12"/>
-          </p:nvPr>
-        </p:nvSpPr>
-        <p:spPr/>
-        <p:txBody>
-          <a:bodyPr/>
-          <a:lstStyle/>
-          <a:p>
-            <a:fld id="{E84E2596-301E-4832-9EC0-2653E7A66251}" type="slidenum">
-              <a:rPr lang="en-US" smtClean="0"/>
-              <a:t>9</a:t>
-            </a:fld>
-            <a:endParaRPr lang="en-US"/>
-          </a:p>
-        </p:txBody>
-      </p:sp>
-      <p:sp>
-        <p:nvSpPr>
-          <p:cNvPr id="4" name="TextBox 3">
-            <a:extLst>
-              <a:ext uri="{FF2B5EF4-FFF2-40B4-BE49-F238E27FC236}">
-                <a16:creationId xmlns:a16="http://schemas.microsoft.com/office/drawing/2014/main" id="{FC8DB02C-ED17-A5CB-2113-A6A19A5A89C0}"/>
-              </a:ext>
-            </a:extLst>
-          </p:cNvPr>
-          <p:cNvSpPr txBox="1"/>
-          <p:nvPr/>
-        </p:nvSpPr>
-        <p:spPr>
-          <a:xfrm>
-            <a:off x="252133" y="201270"/>
-            <a:ext cx="2706220" cy="923330"/>
-          </a:xfrm>
-          <a:prstGeom prst="rect">
-            <a:avLst/>
-          </a:prstGeom>
-          <a:noFill/>
-        </p:spPr>
-        <p:txBody>
-          <a:bodyPr wrap="square">
-            <a:spAutoFit/>
-          </a:bodyPr>
-          <a:lstStyle/>
-          <a:p>
-            <a:r>
-              <a:rPr lang="en-US"/>
-              <a:t>Using this </a:t>
-            </a:r>
-            <a:r>
-              <a:rPr lang="en-US">
-                <a:hlinkClick r:id="rId2" tooltip="Lab4_HelpFile"/>
-              </a:rPr>
-              <a:t>help file</a:t>
-            </a:r>
-            <a:r>
-              <a:rPr lang="en-US"/>
-              <a:t>, type the solution and </a:t>
-            </a:r>
-            <a:r>
-              <a:rPr lang="en-US" b="1"/>
-              <a:t>add your name to the customer list</a:t>
-            </a:r>
-            <a:r>
-              <a:rPr lang="en-US"/>
-              <a:t>.</a:t>
-            </a:r>
-          </a:p>
-        </p:txBody>
-      </p:sp>
-      <p:pic>
-        <p:nvPicPr>
-          <p:cNvPr id="7" name="Picture 6" descr="Text&#10;&#10;Description automatically generated">
-            <a:extLst>
-              <a:ext uri="{FF2B5EF4-FFF2-40B4-BE49-F238E27FC236}">
-                <a16:creationId xmlns:a16="http://schemas.microsoft.com/office/drawing/2014/main" id="{CD57F59D-DCDB-1A63-2413-73F60D4CBF95}"/>
-              </a:ext>
-            </a:extLst>
-          </p:cNvPr>
-          <p:cNvPicPr>
-            <a:picLocks noChangeAspect="1"/>
-          </p:cNvPicPr>
-          <p:nvPr/>
-        </p:nvPicPr>
-        <p:blipFill>
-          <a:blip r:embed="rId3">
-            <a:extLst>
-              <a:ext uri="{28A0092B-C50C-407E-A947-70E740481C1C}">
-                <a14:useLocalDpi xmlns:a14="http://schemas.microsoft.com/office/drawing/2010/main" val="0"/>
-              </a:ext>
-            </a:extLst>
-          </a:blip>
-          <a:stretch>
-            <a:fillRect/>
-          </a:stretch>
-        </p:blipFill>
-        <p:spPr>
-          <a:xfrm>
-            <a:off x="3726797" y="-30863"/>
-            <a:ext cx="7458075" cy="6858000"/>
-          </a:xfrm>
-          <a:prstGeom prst="rect">
-            <a:avLst/>
-          </a:prstGeom>
-        </p:spPr>
-      </p:pic>
-    </p:spTree>
-    <p:extLst>
-      <p:ext uri="{BB962C8B-B14F-4D97-AF65-F5344CB8AC3E}">
-        <p14:creationId xmlns:p14="http://schemas.microsoft.com/office/powerpoint/2010/main" val="3237269020"/>
       </p:ext>
     </p:extLst>
   </p:cSld>
